--- a/Пенокартон_HADIS.pptx
+++ b/Пенокартон_HADIS.pptx
@@ -2,7 +2,7 @@
 <file path=ppt/presentation.xml><?xml version="1.0" encoding="utf-8"?>
 <p:presentation xmlns:a="http://schemas.openxmlformats.org/drawingml/2006/main" xmlns:r="http://schemas.openxmlformats.org/officeDocument/2006/relationships" xmlns:p="http://schemas.openxmlformats.org/presentationml/2006/main" saveSubsetFonts="1">
   <p:sldMasterIdLst>
-    <p:sldMasterId id="2147483660" r:id="rId1"/>
+    <p:sldMasterId id="2147483690" r:id="rId1"/>
   </p:sldMasterIdLst>
   <p:sldIdLst>
     <p:sldId id="256" r:id="rId2"/>
@@ -104,6 +104,11 @@
       </a:defRPr>
     </a:lvl9pPr>
   </p:defaultTextStyle>
+  <p:extLst>
+    <p:ext uri="{EFAFB233-063F-42B5-8137-9DF3F51BA10A}">
+      <p15:sldGuideLst xmlns:p15="http://schemas.microsoft.com/office/powerpoint/2012/main"/>
+    </p:ext>
+  </p:extLst>
 </p:presentation>
 </file>
 
@@ -124,6 +129,36 @@
           <a:chExt cx="0" cy="0"/>
         </a:xfrm>
       </p:grpSpPr>
+      <p:pic>
+        <p:nvPicPr>
+          <p:cNvPr id="11" name="Picture 10" descr="Celestia-R1---OverlayTitleSD.png"/>
+          <p:cNvPicPr>
+            <a:picLocks noChangeAspect="1"/>
+          </p:cNvPicPr>
+          <p:nvPr/>
+        </p:nvPicPr>
+        <p:blipFill>
+          <a:blip r:embed="rId2">
+            <a:extLst>
+              <a:ext uri="{28A0092B-C50C-407E-A947-70E740481C1C}">
+                <a14:useLocalDpi xmlns:a14="http://schemas.microsoft.com/office/drawing/2010/main" val="0"/>
+              </a:ext>
+            </a:extLst>
+          </a:blip>
+          <a:stretch>
+            <a:fillRect/>
+          </a:stretch>
+        </p:blipFill>
+        <p:spPr>
+          <a:xfrm>
+            <a:off x="0" y="0"/>
+            <a:ext cx="12231974" cy="21383625"/>
+          </a:xfrm>
+          <a:prstGeom prst="rect">
+            <a:avLst/>
+          </a:prstGeom>
+        </p:spPr>
+      </p:pic>
       <p:sp>
         <p:nvSpPr>
           <p:cNvPr id="2" name="Title 1"/>
@@ -136,15 +171,19 @@
         </p:nvSpPr>
         <p:spPr>
           <a:xfrm>
-            <a:off x="1133951" y="3499590"/>
-            <a:ext cx="12851448" cy="7444669"/>
-          </a:xfrm>
-        </p:spPr>
-        <p:txBody>
-          <a:bodyPr anchor="b"/>
+            <a:off x="4537083" y="6124694"/>
+            <a:ext cx="9448317" cy="7550259"/>
+          </a:xfrm>
+        </p:spPr>
+        <p:txBody>
+          <a:bodyPr anchor="b">
+            <a:normAutofit/>
+          </a:bodyPr>
           <a:lstStyle>
-            <a:lvl1pPr algn="ctr">
-              <a:defRPr sz="9921"/>
+            <a:lvl1pPr algn="r">
+              <a:defRPr sz="7275">
+                <a:effectLst/>
+              </a:defRPr>
             </a:lvl1pPr>
           </a:lstStyle>
           <a:p>
@@ -168,48 +207,102 @@
         </p:nvSpPr>
         <p:spPr>
           <a:xfrm>
-            <a:off x="1889919" y="11231355"/>
-            <a:ext cx="11339513" cy="5162758"/>
-          </a:xfrm>
-        </p:spPr>
-        <p:txBody>
-          <a:bodyPr/>
+            <a:off x="4537083" y="13674961"/>
+            <a:ext cx="9448317" cy="4382324"/>
+          </a:xfrm>
+        </p:spPr>
+        <p:txBody>
+          <a:bodyPr anchor="t">
+            <a:normAutofit/>
+          </a:bodyPr>
           <a:lstStyle>
-            <a:lvl1pPr marL="0" indent="0" algn="ctr">
-              <a:buNone/>
-              <a:defRPr sz="3968"/>
+            <a:lvl1pPr marL="0" indent="0" algn="r">
+              <a:buNone/>
+              <a:defRPr sz="2976" cap="all">
+                <a:solidFill>
+                  <a:schemeClr val="tx1"/>
+                </a:solidFill>
+              </a:defRPr>
             </a:lvl1pPr>
             <a:lvl2pPr marL="755980" indent="0" algn="ctr">
               <a:buNone/>
-              <a:defRPr sz="3307"/>
+              <a:defRPr>
+                <a:solidFill>
+                  <a:schemeClr val="tx1">
+                    <a:tint val="75000"/>
+                  </a:schemeClr>
+                </a:solidFill>
+              </a:defRPr>
             </a:lvl2pPr>
             <a:lvl3pPr marL="1511960" indent="0" algn="ctr">
               <a:buNone/>
-              <a:defRPr sz="2976"/>
+              <a:defRPr>
+                <a:solidFill>
+                  <a:schemeClr val="tx1">
+                    <a:tint val="75000"/>
+                  </a:schemeClr>
+                </a:solidFill>
+              </a:defRPr>
             </a:lvl3pPr>
             <a:lvl4pPr marL="2267941" indent="0" algn="ctr">
               <a:buNone/>
-              <a:defRPr sz="2646"/>
+              <a:defRPr>
+                <a:solidFill>
+                  <a:schemeClr val="tx1">
+                    <a:tint val="75000"/>
+                  </a:schemeClr>
+                </a:solidFill>
+              </a:defRPr>
             </a:lvl4pPr>
             <a:lvl5pPr marL="3023921" indent="0" algn="ctr">
               <a:buNone/>
-              <a:defRPr sz="2646"/>
+              <a:defRPr>
+                <a:solidFill>
+                  <a:schemeClr val="tx1">
+                    <a:tint val="75000"/>
+                  </a:schemeClr>
+                </a:solidFill>
+              </a:defRPr>
             </a:lvl5pPr>
             <a:lvl6pPr marL="3779901" indent="0" algn="ctr">
               <a:buNone/>
-              <a:defRPr sz="2646"/>
+              <a:defRPr>
+                <a:solidFill>
+                  <a:schemeClr val="tx1">
+                    <a:tint val="75000"/>
+                  </a:schemeClr>
+                </a:solidFill>
+              </a:defRPr>
             </a:lvl6pPr>
             <a:lvl7pPr marL="4535881" indent="0" algn="ctr">
               <a:buNone/>
-              <a:defRPr sz="2646"/>
+              <a:defRPr>
+                <a:solidFill>
+                  <a:schemeClr val="tx1">
+                    <a:tint val="75000"/>
+                  </a:schemeClr>
+                </a:solidFill>
+              </a:defRPr>
             </a:lvl7pPr>
             <a:lvl8pPr marL="5291861" indent="0" algn="ctr">
               <a:buNone/>
-              <a:defRPr sz="2646"/>
+              <a:defRPr>
+                <a:solidFill>
+                  <a:schemeClr val="tx1">
+                    <a:tint val="75000"/>
+                  </a:schemeClr>
+                </a:solidFill>
+              </a:defRPr>
             </a:lvl8pPr>
             <a:lvl9pPr marL="6047842" indent="0" algn="ctr">
               <a:buNone/>
-              <a:defRPr sz="2646"/>
+              <a:defRPr>
+                <a:solidFill>
+                  <a:schemeClr val="tx1">
+                    <a:tint val="75000"/>
+                  </a:schemeClr>
+                </a:solidFill>
+              </a:defRPr>
             </a:lvl9pPr>
           </a:lstStyle>
           <a:p>
@@ -231,14 +324,19 @@
             <p:ph type="dt" sz="half" idx="10"/>
           </p:nvPr>
         </p:nvSpPr>
-        <p:spPr/>
+        <p:spPr>
+          <a:xfrm>
+            <a:off x="11164760" y="18304784"/>
+            <a:ext cx="2004294" cy="1178079"/>
+          </a:xfrm>
+        </p:spPr>
         <p:txBody>
           <a:bodyPr/>
           <a:lstStyle/>
           <a:p>
             <a:fld id="{E1180FB8-4ADF-47CC-B7C0-7387B91BF917}" type="datetimeFigureOut">
               <a:rPr lang="bg-BG" smtClean="0"/>
-              <a:t>05.04.2022</a:t>
+              <a:t>06.04.2022</a:t>
             </a:fld>
             <a:endParaRPr lang="bg-BG"/>
           </a:p>
@@ -254,7 +352,12 @@
             <p:ph type="ftr" sz="quarter" idx="11"/>
           </p:nvPr>
         </p:nvSpPr>
-        <p:spPr/>
+        <p:spPr>
+          <a:xfrm>
+            <a:off x="4537084" y="18304784"/>
+            <a:ext cx="6501679" cy="1178079"/>
+          </a:xfrm>
+        </p:spPr>
         <p:txBody>
           <a:bodyPr/>
           <a:lstStyle/>
@@ -273,7 +376,12 @@
             <p:ph type="sldNum" sz="quarter" idx="12"/>
           </p:nvPr>
         </p:nvSpPr>
-        <p:spPr/>
+        <p:spPr>
+          <a:xfrm>
+            <a:off x="13295049" y="18304784"/>
+            <a:ext cx="690351" cy="1178079"/>
+          </a:xfrm>
+        </p:spPr>
         <p:txBody>
           <a:bodyPr/>
           <a:lstStyle/>
@@ -289,7 +397,7 @@
     </p:spTree>
     <p:extLst>
       <p:ext uri="{BB962C8B-B14F-4D97-AF65-F5344CB8AC3E}">
-        <p14:creationId xmlns:p14="http://schemas.microsoft.com/office/powerpoint/2010/main" val="2419893045"/>
+        <p14:creationId xmlns:p14="http://schemas.microsoft.com/office/powerpoint/2010/main" val="3732847252"/>
       </p:ext>
     </p:extLst>
   </p:cSld>
@@ -300,6 +408,2315 @@
 </file>
 
 <file path=ppt/slideLayouts/slideLayout10.xml><?xml version="1.0" encoding="utf-8"?>
+<p:sldLayout xmlns:a="http://schemas.openxmlformats.org/drawingml/2006/main" xmlns:r="http://schemas.openxmlformats.org/officeDocument/2006/relationships" xmlns:p="http://schemas.openxmlformats.org/presentationml/2006/main" preserve="1">
+  <p:cSld name="Panoramic Picture with Caption">
+    <p:spTree>
+      <p:nvGrpSpPr>
+        <p:cNvPr id="1" name=""/>
+        <p:cNvGrpSpPr/>
+        <p:nvPr/>
+      </p:nvGrpSpPr>
+      <p:grpSpPr>
+        <a:xfrm>
+          <a:off x="0" y="0"/>
+          <a:ext cx="0" cy="0"/>
+          <a:chOff x="0" y="0"/>
+          <a:chExt cx="0" cy="0"/>
+        </a:xfrm>
+      </p:grpSpPr>
+      <p:pic>
+        <p:nvPicPr>
+          <p:cNvPr id="10" name="Picture 9" descr="Celestia-R1---OverlayContentSD.png"/>
+          <p:cNvPicPr>
+            <a:picLocks noChangeAspect="1"/>
+          </p:cNvPicPr>
+          <p:nvPr/>
+        </p:nvPicPr>
+        <p:blipFill>
+          <a:blip r:embed="rId2">
+            <a:extLst>
+              <a:ext uri="{28A0092B-C50C-407E-A947-70E740481C1C}">
+                <a14:useLocalDpi xmlns:a14="http://schemas.microsoft.com/office/drawing/2010/main" val="0"/>
+              </a:ext>
+            </a:extLst>
+          </a:blip>
+          <a:stretch>
+            <a:fillRect/>
+          </a:stretch>
+        </p:blipFill>
+        <p:spPr>
+          <a:xfrm>
+            <a:off x="23076" y="0"/>
+            <a:ext cx="15077352" cy="21383625"/>
+          </a:xfrm>
+          <a:prstGeom prst="rect">
+            <a:avLst/>
+          </a:prstGeom>
+        </p:spPr>
+      </p:pic>
+      <p:sp>
+        <p:nvSpPr>
+          <p:cNvPr id="2" name="Title 1"/>
+          <p:cNvSpPr>
+            <a:spLocks noGrp="1"/>
+          </p:cNvSpPr>
+          <p:nvPr>
+            <p:ph type="title"/>
+          </p:nvPr>
+        </p:nvSpPr>
+        <p:spPr>
+          <a:xfrm>
+            <a:off x="755969" y="14757336"/>
+            <a:ext cx="12851448" cy="1767121"/>
+          </a:xfrm>
+        </p:spPr>
+        <p:txBody>
+          <a:bodyPr anchor="b">
+            <a:normAutofit/>
+          </a:bodyPr>
+          <a:lstStyle>
+            <a:lvl1pPr algn="l">
+              <a:defRPr sz="3307" b="0"/>
+            </a:lvl1pPr>
+          </a:lstStyle>
+          <a:p>
+            <a:r>
+              <a:rPr lang="en-US" smtClean="0"/>
+              <a:t>Click to edit Master title style</a:t>
+            </a:r>
+            <a:endParaRPr lang="en-US" dirty="0"/>
+          </a:p>
+        </p:txBody>
+      </p:sp>
+      <p:sp>
+        <p:nvSpPr>
+          <p:cNvPr id="3" name="Picture Placeholder 2"/>
+          <p:cNvSpPr>
+            <a:spLocks noGrp="1" noChangeAspect="1"/>
+          </p:cNvSpPr>
+          <p:nvPr>
+            <p:ph type="pic" idx="1"/>
+          </p:nvPr>
+        </p:nvSpPr>
+        <p:spPr>
+          <a:xfrm>
+            <a:off x="1511936" y="2906377"/>
+            <a:ext cx="11339513" cy="9868571"/>
+          </a:xfrm>
+          <a:prstGeom prst="roundRect">
+            <a:avLst>
+              <a:gd name="adj" fmla="val 4380"/>
+            </a:avLst>
+          </a:prstGeom>
+          <a:ln w="50800" cap="sq" cmpd="dbl">
+            <a:gradFill flip="none" rotWithShape="1">
+              <a:gsLst>
+                <a:gs pos="0">
+                  <a:srgbClr val="FFFFFF"/>
+                </a:gs>
+                <a:gs pos="100000">
+                  <a:schemeClr val="tx1">
+                    <a:alpha val="0"/>
+                  </a:schemeClr>
+                </a:gs>
+              </a:gsLst>
+              <a:path path="circle">
+                <a:fillToRect l="50000" t="50000" r="50000" b="50000"/>
+              </a:path>
+              <a:tileRect/>
+            </a:gradFill>
+            <a:miter lim="800000"/>
+          </a:ln>
+          <a:effectLst>
+            <a:outerShdw blurRad="254000" algn="tl" rotWithShape="0">
+              <a:srgbClr val="000000">
+                <a:alpha val="43000"/>
+              </a:srgbClr>
+            </a:outerShdw>
+          </a:effectLst>
+        </p:spPr>
+        <p:txBody>
+          <a:bodyPr vert="horz" lIns="91440" tIns="45720" rIns="91440" bIns="45720" rtlCol="0" anchor="t">
+            <a:normAutofit/>
+          </a:bodyPr>
+          <a:lstStyle>
+            <a:lvl1pPr>
+              <a:defRPr lang="en-US" sz="2646"/>
+            </a:lvl1pPr>
+          </a:lstStyle>
+          <a:p>
+            <a:pPr marL="0" lvl="0" indent="0" algn="ctr">
+              <a:buNone/>
+            </a:pPr>
+            <a:r>
+              <a:rPr lang="en-US" smtClean="0"/>
+              <a:t>Click icon to add picture</a:t>
+            </a:r>
+            <a:endParaRPr lang="en-US" dirty="0"/>
+          </a:p>
+        </p:txBody>
+      </p:sp>
+      <p:sp>
+        <p:nvSpPr>
+          <p:cNvPr id="4" name="Text Placeholder 3"/>
+          <p:cNvSpPr>
+            <a:spLocks noGrp="1"/>
+          </p:cNvSpPr>
+          <p:nvPr>
+            <p:ph type="body" sz="half" idx="2"/>
+          </p:nvPr>
+        </p:nvSpPr>
+        <p:spPr>
+          <a:xfrm>
+            <a:off x="755969" y="16524457"/>
+            <a:ext cx="12851448" cy="1539421"/>
+          </a:xfrm>
+        </p:spPr>
+        <p:txBody>
+          <a:bodyPr>
+            <a:normAutofit/>
+          </a:bodyPr>
+          <a:lstStyle>
+            <a:lvl1pPr marL="0" indent="0">
+              <a:buNone/>
+              <a:defRPr sz="2315"/>
+            </a:lvl1pPr>
+            <a:lvl2pPr marL="755980" indent="0">
+              <a:buNone/>
+              <a:defRPr sz="1984"/>
+            </a:lvl2pPr>
+            <a:lvl3pPr marL="1511960" indent="0">
+              <a:buNone/>
+              <a:defRPr sz="1654"/>
+            </a:lvl3pPr>
+            <a:lvl4pPr marL="2267941" indent="0">
+              <a:buNone/>
+              <a:defRPr sz="1488"/>
+            </a:lvl4pPr>
+            <a:lvl5pPr marL="3023921" indent="0">
+              <a:buNone/>
+              <a:defRPr sz="1488"/>
+            </a:lvl5pPr>
+            <a:lvl6pPr marL="3779901" indent="0">
+              <a:buNone/>
+              <a:defRPr sz="1488"/>
+            </a:lvl6pPr>
+            <a:lvl7pPr marL="4535881" indent="0">
+              <a:buNone/>
+              <a:defRPr sz="1488"/>
+            </a:lvl7pPr>
+            <a:lvl8pPr marL="5291861" indent="0">
+              <a:buNone/>
+              <a:defRPr sz="1488"/>
+            </a:lvl8pPr>
+            <a:lvl9pPr marL="6047842" indent="0">
+              <a:buNone/>
+              <a:defRPr sz="1488"/>
+            </a:lvl9pPr>
+          </a:lstStyle>
+          <a:p>
+            <a:pPr lvl="0"/>
+            <a:r>
+              <a:rPr lang="en-US" smtClean="0"/>
+              <a:t>Edit Master text styles</a:t>
+            </a:r>
+          </a:p>
+        </p:txBody>
+      </p:sp>
+      <p:sp>
+        <p:nvSpPr>
+          <p:cNvPr id="5" name="Date Placeholder 4"/>
+          <p:cNvSpPr>
+            <a:spLocks noGrp="1"/>
+          </p:cNvSpPr>
+          <p:nvPr>
+            <p:ph type="dt" sz="half" idx="10"/>
+          </p:nvPr>
+        </p:nvSpPr>
+        <p:spPr/>
+        <p:txBody>
+          <a:bodyPr/>
+          <a:lstStyle/>
+          <a:p>
+            <a:fld id="{E1180FB8-4ADF-47CC-B7C0-7387B91BF917}" type="datetimeFigureOut">
+              <a:rPr lang="bg-BG" smtClean="0"/>
+              <a:t>06.04.2022</a:t>
+            </a:fld>
+            <a:endParaRPr lang="bg-BG"/>
+          </a:p>
+        </p:txBody>
+      </p:sp>
+      <p:sp>
+        <p:nvSpPr>
+          <p:cNvPr id="6" name="Footer Placeholder 5"/>
+          <p:cNvSpPr>
+            <a:spLocks noGrp="1"/>
+          </p:cNvSpPr>
+          <p:nvPr>
+            <p:ph type="ftr" sz="quarter" idx="11"/>
+          </p:nvPr>
+        </p:nvSpPr>
+        <p:spPr/>
+        <p:txBody>
+          <a:bodyPr/>
+          <a:lstStyle/>
+          <a:p>
+            <a:endParaRPr lang="bg-BG"/>
+          </a:p>
+        </p:txBody>
+      </p:sp>
+      <p:sp>
+        <p:nvSpPr>
+          <p:cNvPr id="7" name="Slide Number Placeholder 6"/>
+          <p:cNvSpPr>
+            <a:spLocks noGrp="1"/>
+          </p:cNvSpPr>
+          <p:nvPr>
+            <p:ph type="sldNum" sz="quarter" idx="12"/>
+          </p:nvPr>
+        </p:nvSpPr>
+        <p:spPr/>
+        <p:txBody>
+          <a:bodyPr/>
+          <a:lstStyle/>
+          <a:p>
+            <a:fld id="{08B2E43B-7BAB-4207-A7AC-F0CC0DAF4400}" type="slidenum">
+              <a:rPr lang="bg-BG" smtClean="0"/>
+              <a:t>‹#›</a:t>
+            </a:fld>
+            <a:endParaRPr lang="bg-BG"/>
+          </a:p>
+        </p:txBody>
+      </p:sp>
+    </p:spTree>
+    <p:extLst>
+      <p:ext uri="{BB962C8B-B14F-4D97-AF65-F5344CB8AC3E}">
+        <p14:creationId xmlns:p14="http://schemas.microsoft.com/office/powerpoint/2010/main" val="4140812592"/>
+      </p:ext>
+    </p:extLst>
+  </p:cSld>
+  <p:clrMapOvr>
+    <a:masterClrMapping/>
+  </p:clrMapOvr>
+</p:sldLayout>
+</file>
+
+<file path=ppt/slideLayouts/slideLayout11.xml><?xml version="1.0" encoding="utf-8"?>
+<p:sldLayout xmlns:a="http://schemas.openxmlformats.org/drawingml/2006/main" xmlns:r="http://schemas.openxmlformats.org/officeDocument/2006/relationships" xmlns:p="http://schemas.openxmlformats.org/presentationml/2006/main" preserve="1">
+  <p:cSld name="Title and Caption">
+    <p:spTree>
+      <p:nvGrpSpPr>
+        <p:cNvPr id="1" name=""/>
+        <p:cNvGrpSpPr/>
+        <p:nvPr/>
+      </p:nvGrpSpPr>
+      <p:grpSpPr>
+        <a:xfrm>
+          <a:off x="0" y="0"/>
+          <a:ext cx="0" cy="0"/>
+          <a:chOff x="0" y="0"/>
+          <a:chExt cx="0" cy="0"/>
+        </a:xfrm>
+      </p:grpSpPr>
+      <p:pic>
+        <p:nvPicPr>
+          <p:cNvPr id="7" name="Picture 6" descr="Celestia-R1---OverlayContentSD.png"/>
+          <p:cNvPicPr>
+            <a:picLocks noChangeAspect="1"/>
+          </p:cNvPicPr>
+          <p:nvPr/>
+        </p:nvPicPr>
+        <p:blipFill>
+          <a:blip r:embed="rId2">
+            <a:extLst>
+              <a:ext uri="{28A0092B-C50C-407E-A947-70E740481C1C}">
+                <a14:useLocalDpi xmlns:a14="http://schemas.microsoft.com/office/drawing/2010/main" val="0"/>
+              </a:ext>
+            </a:extLst>
+          </a:blip>
+          <a:stretch>
+            <a:fillRect/>
+          </a:stretch>
+        </p:blipFill>
+        <p:spPr>
+          <a:xfrm>
+            <a:off x="23076" y="0"/>
+            <a:ext cx="15077352" cy="21383625"/>
+          </a:xfrm>
+          <a:prstGeom prst="rect">
+            <a:avLst/>
+          </a:prstGeom>
+        </p:spPr>
+      </p:pic>
+      <p:sp>
+        <p:nvSpPr>
+          <p:cNvPr id="2" name="Title 1"/>
+          <p:cNvSpPr>
+            <a:spLocks noGrp="1"/>
+          </p:cNvSpPr>
+          <p:nvPr>
+            <p:ph type="title"/>
+          </p:nvPr>
+        </p:nvSpPr>
+        <p:spPr>
+          <a:xfrm>
+            <a:off x="755973" y="1900774"/>
+            <a:ext cx="12851446" cy="9741426"/>
+          </a:xfrm>
+        </p:spPr>
+        <p:txBody>
+          <a:bodyPr anchor="ctr">
+            <a:normAutofit/>
+          </a:bodyPr>
+          <a:lstStyle>
+            <a:lvl1pPr algn="l">
+              <a:defRPr sz="5291" b="0" cap="none"/>
+            </a:lvl1pPr>
+          </a:lstStyle>
+          <a:p>
+            <a:r>
+              <a:rPr lang="en-US" smtClean="0"/>
+              <a:t>Click to edit Master title style</a:t>
+            </a:r>
+            <a:endParaRPr lang="en-US" dirty="0"/>
+          </a:p>
+        </p:txBody>
+      </p:sp>
+      <p:sp>
+        <p:nvSpPr>
+          <p:cNvPr id="3" name="Text Placeholder 2"/>
+          <p:cNvSpPr>
+            <a:spLocks noGrp="1"/>
+          </p:cNvSpPr>
+          <p:nvPr>
+            <p:ph type="body" idx="1"/>
+          </p:nvPr>
+        </p:nvSpPr>
+        <p:spPr>
+          <a:xfrm>
+            <a:off x="755972" y="13542962"/>
+            <a:ext cx="12851446" cy="4514321"/>
+          </a:xfrm>
+        </p:spPr>
+        <p:txBody>
+          <a:bodyPr anchor="ctr">
+            <a:normAutofit/>
+          </a:bodyPr>
+          <a:lstStyle>
+            <a:lvl1pPr marL="0" indent="0" algn="l">
+              <a:buNone/>
+              <a:defRPr sz="3307">
+                <a:solidFill>
+                  <a:schemeClr val="tx1"/>
+                </a:solidFill>
+              </a:defRPr>
+            </a:lvl1pPr>
+            <a:lvl2pPr marL="755980" indent="0">
+              <a:buNone/>
+              <a:defRPr sz="2976">
+                <a:solidFill>
+                  <a:schemeClr val="tx1">
+                    <a:tint val="75000"/>
+                  </a:schemeClr>
+                </a:solidFill>
+              </a:defRPr>
+            </a:lvl2pPr>
+            <a:lvl3pPr marL="1511960" indent="0">
+              <a:buNone/>
+              <a:defRPr sz="2646">
+                <a:solidFill>
+                  <a:schemeClr val="tx1">
+                    <a:tint val="75000"/>
+                  </a:schemeClr>
+                </a:solidFill>
+              </a:defRPr>
+            </a:lvl3pPr>
+            <a:lvl4pPr marL="2267941" indent="0">
+              <a:buNone/>
+              <a:defRPr sz="2315">
+                <a:solidFill>
+                  <a:schemeClr val="tx1">
+                    <a:tint val="75000"/>
+                  </a:schemeClr>
+                </a:solidFill>
+              </a:defRPr>
+            </a:lvl4pPr>
+            <a:lvl5pPr marL="3023921" indent="0">
+              <a:buNone/>
+              <a:defRPr sz="2315">
+                <a:solidFill>
+                  <a:schemeClr val="tx1">
+                    <a:tint val="75000"/>
+                  </a:schemeClr>
+                </a:solidFill>
+              </a:defRPr>
+            </a:lvl5pPr>
+            <a:lvl6pPr marL="3779901" indent="0">
+              <a:buNone/>
+              <a:defRPr sz="2315">
+                <a:solidFill>
+                  <a:schemeClr val="tx1">
+                    <a:tint val="75000"/>
+                  </a:schemeClr>
+                </a:solidFill>
+              </a:defRPr>
+            </a:lvl6pPr>
+            <a:lvl7pPr marL="4535881" indent="0">
+              <a:buNone/>
+              <a:defRPr sz="2315">
+                <a:solidFill>
+                  <a:schemeClr val="tx1">
+                    <a:tint val="75000"/>
+                  </a:schemeClr>
+                </a:solidFill>
+              </a:defRPr>
+            </a:lvl7pPr>
+            <a:lvl8pPr marL="5291861" indent="0">
+              <a:buNone/>
+              <a:defRPr sz="2315">
+                <a:solidFill>
+                  <a:schemeClr val="tx1">
+                    <a:tint val="75000"/>
+                  </a:schemeClr>
+                </a:solidFill>
+              </a:defRPr>
+            </a:lvl8pPr>
+            <a:lvl9pPr marL="6047842" indent="0">
+              <a:buNone/>
+              <a:defRPr sz="2315">
+                <a:solidFill>
+                  <a:schemeClr val="tx1">
+                    <a:tint val="75000"/>
+                  </a:schemeClr>
+                </a:solidFill>
+              </a:defRPr>
+            </a:lvl9pPr>
+          </a:lstStyle>
+          <a:p>
+            <a:pPr lvl="0"/>
+            <a:r>
+              <a:rPr lang="en-US" smtClean="0"/>
+              <a:t>Edit Master text styles</a:t>
+            </a:r>
+          </a:p>
+        </p:txBody>
+      </p:sp>
+      <p:sp>
+        <p:nvSpPr>
+          <p:cNvPr id="4" name="Date Placeholder 3"/>
+          <p:cNvSpPr>
+            <a:spLocks noGrp="1"/>
+          </p:cNvSpPr>
+          <p:nvPr>
+            <p:ph type="dt" sz="half" idx="10"/>
+          </p:nvPr>
+        </p:nvSpPr>
+        <p:spPr/>
+        <p:txBody>
+          <a:bodyPr/>
+          <a:lstStyle/>
+          <a:p>
+            <a:fld id="{E1180FB8-4ADF-47CC-B7C0-7387B91BF917}" type="datetimeFigureOut">
+              <a:rPr lang="bg-BG" smtClean="0"/>
+              <a:t>06.04.2022</a:t>
+            </a:fld>
+            <a:endParaRPr lang="bg-BG"/>
+          </a:p>
+        </p:txBody>
+      </p:sp>
+      <p:sp>
+        <p:nvSpPr>
+          <p:cNvPr id="5" name="Footer Placeholder 4"/>
+          <p:cNvSpPr>
+            <a:spLocks noGrp="1"/>
+          </p:cNvSpPr>
+          <p:nvPr>
+            <p:ph type="ftr" sz="quarter" idx="11"/>
+          </p:nvPr>
+        </p:nvSpPr>
+        <p:spPr/>
+        <p:txBody>
+          <a:bodyPr/>
+          <a:lstStyle/>
+          <a:p>
+            <a:endParaRPr lang="bg-BG"/>
+          </a:p>
+        </p:txBody>
+      </p:sp>
+      <p:sp>
+        <p:nvSpPr>
+          <p:cNvPr id="6" name="Slide Number Placeholder 5"/>
+          <p:cNvSpPr>
+            <a:spLocks noGrp="1"/>
+          </p:cNvSpPr>
+          <p:nvPr>
+            <p:ph type="sldNum" sz="quarter" idx="12"/>
+          </p:nvPr>
+        </p:nvSpPr>
+        <p:spPr/>
+        <p:txBody>
+          <a:bodyPr/>
+          <a:lstStyle/>
+          <a:p>
+            <a:fld id="{08B2E43B-7BAB-4207-A7AC-F0CC0DAF4400}" type="slidenum">
+              <a:rPr lang="bg-BG" smtClean="0"/>
+              <a:t>‹#›</a:t>
+            </a:fld>
+            <a:endParaRPr lang="bg-BG"/>
+          </a:p>
+        </p:txBody>
+      </p:sp>
+    </p:spTree>
+    <p:extLst>
+      <p:ext uri="{BB962C8B-B14F-4D97-AF65-F5344CB8AC3E}">
+        <p14:creationId xmlns:p14="http://schemas.microsoft.com/office/powerpoint/2010/main" val="1411490795"/>
+      </p:ext>
+    </p:extLst>
+  </p:cSld>
+  <p:clrMapOvr>
+    <a:masterClrMapping/>
+  </p:clrMapOvr>
+</p:sldLayout>
+</file>
+
+<file path=ppt/slideLayouts/slideLayout12.xml><?xml version="1.0" encoding="utf-8"?>
+<p:sldLayout xmlns:a="http://schemas.openxmlformats.org/drawingml/2006/main" xmlns:r="http://schemas.openxmlformats.org/officeDocument/2006/relationships" xmlns:p="http://schemas.openxmlformats.org/presentationml/2006/main" preserve="1">
+  <p:cSld name="Quote with Caption">
+    <p:spTree>
+      <p:nvGrpSpPr>
+        <p:cNvPr id="1" name=""/>
+        <p:cNvGrpSpPr/>
+        <p:nvPr/>
+      </p:nvGrpSpPr>
+      <p:grpSpPr>
+        <a:xfrm>
+          <a:off x="0" y="0"/>
+          <a:ext cx="0" cy="0"/>
+          <a:chOff x="0" y="0"/>
+          <a:chExt cx="0" cy="0"/>
+        </a:xfrm>
+      </p:grpSpPr>
+      <p:pic>
+        <p:nvPicPr>
+          <p:cNvPr id="17" name="Picture 16" descr="Celestia-R1---OverlayContentSD.png"/>
+          <p:cNvPicPr>
+            <a:picLocks noChangeAspect="1"/>
+          </p:cNvPicPr>
+          <p:nvPr/>
+        </p:nvPicPr>
+        <p:blipFill>
+          <a:blip r:embed="rId2">
+            <a:extLst>
+              <a:ext uri="{28A0092B-C50C-407E-A947-70E740481C1C}">
+                <a14:useLocalDpi xmlns:a14="http://schemas.microsoft.com/office/drawing/2010/main" val="0"/>
+              </a:ext>
+            </a:extLst>
+          </a:blip>
+          <a:stretch>
+            <a:fillRect/>
+          </a:stretch>
+        </p:blipFill>
+        <p:spPr>
+          <a:xfrm>
+            <a:off x="23076" y="0"/>
+            <a:ext cx="15077352" cy="21383625"/>
+          </a:xfrm>
+          <a:prstGeom prst="rect">
+            <a:avLst/>
+          </a:prstGeom>
+        </p:spPr>
+      </p:pic>
+      <p:sp>
+        <p:nvSpPr>
+          <p:cNvPr id="11" name="TextBox 10"/>
+          <p:cNvSpPr txBox="1"/>
+          <p:nvPr/>
+        </p:nvSpPr>
+        <p:spPr>
+          <a:xfrm>
+            <a:off x="697429" y="2239119"/>
+            <a:ext cx="756164" cy="1823364"/>
+          </a:xfrm>
+          <a:prstGeom prst="rect">
+            <a:avLst/>
+          </a:prstGeom>
+        </p:spPr>
+        <p:txBody>
+          <a:bodyPr vert="horz" lIns="151194" tIns="75597" rIns="151194" bIns="75597" rtlCol="0" anchor="ctr">
+            <a:noAutofit/>
+          </a:bodyPr>
+          <a:lstStyle>
+            <a:lvl1pPr>
+              <a:spcBef>
+                <a:spcPct val="0"/>
+              </a:spcBef>
+              <a:buNone/>
+              <a:defRPr sz="3200" b="0" cap="all">
+                <a:ln w="3175" cmpd="sng">
+                  <a:noFill/>
+                </a:ln>
+                <a:effectLst>
+                  <a:glow rad="38100">
+                    <a:schemeClr val="bg1">
+                      <a:lumMod val="65000"/>
+                      <a:lumOff val="35000"/>
+                      <a:alpha val="40000"/>
+                    </a:schemeClr>
+                  </a:glow>
+                  <a:outerShdw blurRad="28575" dist="38100" dir="14040000" algn="tl" rotWithShape="0">
+                    <a:srgbClr val="000000">
+                      <a:alpha val="25000"/>
+                    </a:srgbClr>
+                  </a:outerShdw>
+                </a:effectLst>
+              </a:defRPr>
+            </a:lvl1pPr>
+            <a:lvl2pPr>
+              <a:defRPr>
+                <a:solidFill>
+                  <a:schemeClr val="tx2"/>
+                </a:solidFill>
+              </a:defRPr>
+            </a:lvl2pPr>
+            <a:lvl3pPr>
+              <a:defRPr>
+                <a:solidFill>
+                  <a:schemeClr val="tx2"/>
+                </a:solidFill>
+              </a:defRPr>
+            </a:lvl3pPr>
+            <a:lvl4pPr>
+              <a:defRPr>
+                <a:solidFill>
+                  <a:schemeClr val="tx2"/>
+                </a:solidFill>
+              </a:defRPr>
+            </a:lvl4pPr>
+            <a:lvl5pPr>
+              <a:defRPr>
+                <a:solidFill>
+                  <a:schemeClr val="tx2"/>
+                </a:solidFill>
+              </a:defRPr>
+            </a:lvl5pPr>
+            <a:lvl6pPr>
+              <a:defRPr>
+                <a:solidFill>
+                  <a:schemeClr val="tx2"/>
+                </a:solidFill>
+              </a:defRPr>
+            </a:lvl6pPr>
+            <a:lvl7pPr>
+              <a:defRPr>
+                <a:solidFill>
+                  <a:schemeClr val="tx2"/>
+                </a:solidFill>
+              </a:defRPr>
+            </a:lvl7pPr>
+            <a:lvl8pPr>
+              <a:defRPr>
+                <a:solidFill>
+                  <a:schemeClr val="tx2"/>
+                </a:solidFill>
+              </a:defRPr>
+            </a:lvl8pPr>
+            <a:lvl9pPr>
+              <a:defRPr>
+                <a:solidFill>
+                  <a:schemeClr val="tx2"/>
+                </a:solidFill>
+              </a:defRPr>
+            </a:lvl9pPr>
+          </a:lstStyle>
+          <a:p>
+            <a:pPr lvl="0"/>
+            <a:r>
+              <a:rPr lang="en-US" sz="13228" dirty="0">
+                <a:solidFill>
+                  <a:schemeClr val="tx1"/>
+                </a:solidFill>
+                <a:effectLst/>
+              </a:rPr>
+              <a:t>“</a:t>
+            </a:r>
+          </a:p>
+        </p:txBody>
+      </p:sp>
+      <p:sp>
+        <p:nvSpPr>
+          <p:cNvPr id="12" name="TextBox 11"/>
+          <p:cNvSpPr txBox="1"/>
+          <p:nvPr/>
+        </p:nvSpPr>
+        <p:spPr>
+          <a:xfrm>
+            <a:off x="12790931" y="8579863"/>
+            <a:ext cx="756164" cy="1823364"/>
+          </a:xfrm>
+          <a:prstGeom prst="rect">
+            <a:avLst/>
+          </a:prstGeom>
+        </p:spPr>
+        <p:txBody>
+          <a:bodyPr vert="horz" lIns="151194" tIns="75597" rIns="151194" bIns="75597" rtlCol="0" anchor="ctr">
+            <a:noAutofit/>
+          </a:bodyPr>
+          <a:lstStyle>
+            <a:lvl1pPr>
+              <a:spcBef>
+                <a:spcPct val="0"/>
+              </a:spcBef>
+              <a:buNone/>
+              <a:defRPr sz="3200" b="0" cap="all">
+                <a:ln w="3175" cmpd="sng">
+                  <a:noFill/>
+                </a:ln>
+                <a:effectLst>
+                  <a:glow rad="38100">
+                    <a:schemeClr val="bg1">
+                      <a:lumMod val="65000"/>
+                      <a:lumOff val="35000"/>
+                      <a:alpha val="40000"/>
+                    </a:schemeClr>
+                  </a:glow>
+                  <a:outerShdw blurRad="28575" dist="38100" dir="14040000" algn="tl" rotWithShape="0">
+                    <a:srgbClr val="000000">
+                      <a:alpha val="25000"/>
+                    </a:srgbClr>
+                  </a:outerShdw>
+                </a:effectLst>
+              </a:defRPr>
+            </a:lvl1pPr>
+            <a:lvl2pPr>
+              <a:defRPr>
+                <a:solidFill>
+                  <a:schemeClr val="tx2"/>
+                </a:solidFill>
+              </a:defRPr>
+            </a:lvl2pPr>
+            <a:lvl3pPr>
+              <a:defRPr>
+                <a:solidFill>
+                  <a:schemeClr val="tx2"/>
+                </a:solidFill>
+              </a:defRPr>
+            </a:lvl3pPr>
+            <a:lvl4pPr>
+              <a:defRPr>
+                <a:solidFill>
+                  <a:schemeClr val="tx2"/>
+                </a:solidFill>
+              </a:defRPr>
+            </a:lvl4pPr>
+            <a:lvl5pPr>
+              <a:defRPr>
+                <a:solidFill>
+                  <a:schemeClr val="tx2"/>
+                </a:solidFill>
+              </a:defRPr>
+            </a:lvl5pPr>
+            <a:lvl6pPr>
+              <a:defRPr>
+                <a:solidFill>
+                  <a:schemeClr val="tx2"/>
+                </a:solidFill>
+              </a:defRPr>
+            </a:lvl6pPr>
+            <a:lvl7pPr>
+              <a:defRPr>
+                <a:solidFill>
+                  <a:schemeClr val="tx2"/>
+                </a:solidFill>
+              </a:defRPr>
+            </a:lvl7pPr>
+            <a:lvl8pPr>
+              <a:defRPr>
+                <a:solidFill>
+                  <a:schemeClr val="tx2"/>
+                </a:solidFill>
+              </a:defRPr>
+            </a:lvl8pPr>
+            <a:lvl9pPr>
+              <a:defRPr>
+                <a:solidFill>
+                  <a:schemeClr val="tx2"/>
+                </a:solidFill>
+              </a:defRPr>
+            </a:lvl9pPr>
+          </a:lstStyle>
+          <a:p>
+            <a:pPr lvl="0" algn="r"/>
+            <a:r>
+              <a:rPr lang="en-US" sz="13228" dirty="0">
+                <a:solidFill>
+                  <a:schemeClr val="tx1"/>
+                </a:solidFill>
+                <a:effectLst/>
+              </a:rPr>
+              <a:t>”</a:t>
+            </a:r>
+          </a:p>
+        </p:txBody>
+      </p:sp>
+      <p:sp>
+        <p:nvSpPr>
+          <p:cNvPr id="13" name="Title 1"/>
+          <p:cNvSpPr>
+            <a:spLocks noGrp="1"/>
+          </p:cNvSpPr>
+          <p:nvPr>
+            <p:ph type="title"/>
+          </p:nvPr>
+        </p:nvSpPr>
+        <p:spPr>
+          <a:xfrm>
+            <a:off x="1453593" y="1900774"/>
+            <a:ext cx="11725263" cy="8553447"/>
+          </a:xfrm>
+        </p:spPr>
+        <p:txBody>
+          <a:bodyPr anchor="ctr">
+            <a:normAutofit/>
+          </a:bodyPr>
+          <a:lstStyle>
+            <a:lvl1pPr algn="l">
+              <a:defRPr sz="5291" b="0" cap="none">
+                <a:solidFill>
+                  <a:schemeClr val="tx1"/>
+                </a:solidFill>
+              </a:defRPr>
+            </a:lvl1pPr>
+          </a:lstStyle>
+          <a:p>
+            <a:r>
+              <a:rPr lang="en-US" smtClean="0"/>
+              <a:t>Click to edit Master title style</a:t>
+            </a:r>
+            <a:endParaRPr lang="en-US" dirty="0"/>
+          </a:p>
+        </p:txBody>
+      </p:sp>
+      <p:sp>
+        <p:nvSpPr>
+          <p:cNvPr id="16" name="Text Placeholder 9"/>
+          <p:cNvSpPr>
+            <a:spLocks noGrp="1"/>
+          </p:cNvSpPr>
+          <p:nvPr>
+            <p:ph type="body" sz="quarter" idx="13"/>
+          </p:nvPr>
+        </p:nvSpPr>
+        <p:spPr>
+          <a:xfrm>
+            <a:off x="1634741" y="10454217"/>
+            <a:ext cx="11369495" cy="1187979"/>
+          </a:xfrm>
+        </p:spPr>
+        <p:txBody>
+          <a:bodyPr anchor="ctr">
+            <a:normAutofit/>
+          </a:bodyPr>
+          <a:lstStyle>
+            <a:lvl1pPr marL="0" indent="0">
+              <a:buFontTx/>
+              <a:buNone/>
+              <a:defRPr sz="2646"/>
+            </a:lvl1pPr>
+            <a:lvl2pPr marL="755980" indent="0">
+              <a:buFontTx/>
+              <a:buNone/>
+              <a:defRPr/>
+            </a:lvl2pPr>
+            <a:lvl3pPr marL="1511960" indent="0">
+              <a:buFontTx/>
+              <a:buNone/>
+              <a:defRPr/>
+            </a:lvl3pPr>
+            <a:lvl4pPr marL="2267941" indent="0">
+              <a:buFontTx/>
+              <a:buNone/>
+              <a:defRPr/>
+            </a:lvl4pPr>
+            <a:lvl5pPr marL="3023921" indent="0">
+              <a:buFontTx/>
+              <a:buNone/>
+              <a:defRPr/>
+            </a:lvl5pPr>
+          </a:lstStyle>
+          <a:p>
+            <a:pPr lvl="0"/>
+            <a:r>
+              <a:rPr lang="en-US" smtClean="0"/>
+              <a:t>Edit Master text styles</a:t>
+            </a:r>
+          </a:p>
+        </p:txBody>
+      </p:sp>
+      <p:sp>
+        <p:nvSpPr>
+          <p:cNvPr id="3" name="Text Placeholder 2"/>
+          <p:cNvSpPr>
+            <a:spLocks noGrp="1"/>
+          </p:cNvSpPr>
+          <p:nvPr>
+            <p:ph type="body" idx="1"/>
+          </p:nvPr>
+        </p:nvSpPr>
+        <p:spPr>
+          <a:xfrm>
+            <a:off x="764344" y="13542962"/>
+            <a:ext cx="12851448" cy="4514321"/>
+          </a:xfrm>
+        </p:spPr>
+        <p:txBody>
+          <a:bodyPr anchor="ctr">
+            <a:normAutofit/>
+          </a:bodyPr>
+          <a:lstStyle>
+            <a:lvl1pPr marL="0" indent="0" algn="l">
+              <a:buNone/>
+              <a:defRPr sz="3307">
+                <a:solidFill>
+                  <a:schemeClr val="tx1"/>
+                </a:solidFill>
+              </a:defRPr>
+            </a:lvl1pPr>
+            <a:lvl2pPr marL="755980" indent="0">
+              <a:buNone/>
+              <a:defRPr sz="2976">
+                <a:solidFill>
+                  <a:schemeClr val="tx1">
+                    <a:tint val="75000"/>
+                  </a:schemeClr>
+                </a:solidFill>
+              </a:defRPr>
+            </a:lvl2pPr>
+            <a:lvl3pPr marL="1511960" indent="0">
+              <a:buNone/>
+              <a:defRPr sz="2646">
+                <a:solidFill>
+                  <a:schemeClr val="tx1">
+                    <a:tint val="75000"/>
+                  </a:schemeClr>
+                </a:solidFill>
+              </a:defRPr>
+            </a:lvl3pPr>
+            <a:lvl4pPr marL="2267941" indent="0">
+              <a:buNone/>
+              <a:defRPr sz="2315">
+                <a:solidFill>
+                  <a:schemeClr val="tx1">
+                    <a:tint val="75000"/>
+                  </a:schemeClr>
+                </a:solidFill>
+              </a:defRPr>
+            </a:lvl4pPr>
+            <a:lvl5pPr marL="3023921" indent="0">
+              <a:buNone/>
+              <a:defRPr sz="2315">
+                <a:solidFill>
+                  <a:schemeClr val="tx1">
+                    <a:tint val="75000"/>
+                  </a:schemeClr>
+                </a:solidFill>
+              </a:defRPr>
+            </a:lvl5pPr>
+            <a:lvl6pPr marL="3779901" indent="0">
+              <a:buNone/>
+              <a:defRPr sz="2315">
+                <a:solidFill>
+                  <a:schemeClr val="tx1">
+                    <a:tint val="75000"/>
+                  </a:schemeClr>
+                </a:solidFill>
+              </a:defRPr>
+            </a:lvl6pPr>
+            <a:lvl7pPr marL="4535881" indent="0">
+              <a:buNone/>
+              <a:defRPr sz="2315">
+                <a:solidFill>
+                  <a:schemeClr val="tx1">
+                    <a:tint val="75000"/>
+                  </a:schemeClr>
+                </a:solidFill>
+              </a:defRPr>
+            </a:lvl7pPr>
+            <a:lvl8pPr marL="5291861" indent="0">
+              <a:buNone/>
+              <a:defRPr sz="2315">
+                <a:solidFill>
+                  <a:schemeClr val="tx1">
+                    <a:tint val="75000"/>
+                  </a:schemeClr>
+                </a:solidFill>
+              </a:defRPr>
+            </a:lvl8pPr>
+            <a:lvl9pPr marL="6047842" indent="0">
+              <a:buNone/>
+              <a:defRPr sz="2315">
+                <a:solidFill>
+                  <a:schemeClr val="tx1">
+                    <a:tint val="75000"/>
+                  </a:schemeClr>
+                </a:solidFill>
+              </a:defRPr>
+            </a:lvl9pPr>
+          </a:lstStyle>
+          <a:p>
+            <a:pPr lvl="0"/>
+            <a:r>
+              <a:rPr lang="en-US" smtClean="0"/>
+              <a:t>Edit Master text styles</a:t>
+            </a:r>
+          </a:p>
+        </p:txBody>
+      </p:sp>
+      <p:sp>
+        <p:nvSpPr>
+          <p:cNvPr id="4" name="Date Placeholder 3"/>
+          <p:cNvSpPr>
+            <a:spLocks noGrp="1"/>
+          </p:cNvSpPr>
+          <p:nvPr>
+            <p:ph type="dt" sz="half" idx="10"/>
+          </p:nvPr>
+        </p:nvSpPr>
+        <p:spPr/>
+        <p:txBody>
+          <a:bodyPr/>
+          <a:lstStyle/>
+          <a:p>
+            <a:fld id="{E1180FB8-4ADF-47CC-B7C0-7387B91BF917}" type="datetimeFigureOut">
+              <a:rPr lang="bg-BG" smtClean="0"/>
+              <a:t>06.04.2022</a:t>
+            </a:fld>
+            <a:endParaRPr lang="bg-BG"/>
+          </a:p>
+        </p:txBody>
+      </p:sp>
+      <p:sp>
+        <p:nvSpPr>
+          <p:cNvPr id="5" name="Footer Placeholder 4"/>
+          <p:cNvSpPr>
+            <a:spLocks noGrp="1"/>
+          </p:cNvSpPr>
+          <p:nvPr>
+            <p:ph type="ftr" sz="quarter" idx="11"/>
+          </p:nvPr>
+        </p:nvSpPr>
+        <p:spPr/>
+        <p:txBody>
+          <a:bodyPr/>
+          <a:lstStyle/>
+          <a:p>
+            <a:endParaRPr lang="bg-BG"/>
+          </a:p>
+        </p:txBody>
+      </p:sp>
+      <p:sp>
+        <p:nvSpPr>
+          <p:cNvPr id="6" name="Slide Number Placeholder 5"/>
+          <p:cNvSpPr>
+            <a:spLocks noGrp="1"/>
+          </p:cNvSpPr>
+          <p:nvPr>
+            <p:ph type="sldNum" sz="quarter" idx="12"/>
+          </p:nvPr>
+        </p:nvSpPr>
+        <p:spPr/>
+        <p:txBody>
+          <a:bodyPr/>
+          <a:lstStyle/>
+          <a:p>
+            <a:fld id="{08B2E43B-7BAB-4207-A7AC-F0CC0DAF4400}" type="slidenum">
+              <a:rPr lang="bg-BG" smtClean="0"/>
+              <a:t>‹#›</a:t>
+            </a:fld>
+            <a:endParaRPr lang="bg-BG"/>
+          </a:p>
+        </p:txBody>
+      </p:sp>
+    </p:spTree>
+    <p:extLst>
+      <p:ext uri="{BB962C8B-B14F-4D97-AF65-F5344CB8AC3E}">
+        <p14:creationId xmlns:p14="http://schemas.microsoft.com/office/powerpoint/2010/main" val="1520322846"/>
+      </p:ext>
+    </p:extLst>
+  </p:cSld>
+  <p:clrMapOvr>
+    <a:masterClrMapping/>
+  </p:clrMapOvr>
+</p:sldLayout>
+</file>
+
+<file path=ppt/slideLayouts/slideLayout13.xml><?xml version="1.0" encoding="utf-8"?>
+<p:sldLayout xmlns:a="http://schemas.openxmlformats.org/drawingml/2006/main" xmlns:r="http://schemas.openxmlformats.org/officeDocument/2006/relationships" xmlns:p="http://schemas.openxmlformats.org/presentationml/2006/main" preserve="1">
+  <p:cSld name="Name Card">
+    <p:spTree>
+      <p:nvGrpSpPr>
+        <p:cNvPr id="1" name=""/>
+        <p:cNvGrpSpPr/>
+        <p:nvPr/>
+      </p:nvGrpSpPr>
+      <p:grpSpPr>
+        <a:xfrm>
+          <a:off x="0" y="0"/>
+          <a:ext cx="0" cy="0"/>
+          <a:chOff x="0" y="0"/>
+          <a:chExt cx="0" cy="0"/>
+        </a:xfrm>
+      </p:grpSpPr>
+      <p:pic>
+        <p:nvPicPr>
+          <p:cNvPr id="7" name="Picture 6" descr="Celestia-R1---OverlayContentSD.png"/>
+          <p:cNvPicPr>
+            <a:picLocks noChangeAspect="1"/>
+          </p:cNvPicPr>
+          <p:nvPr/>
+        </p:nvPicPr>
+        <p:blipFill>
+          <a:blip r:embed="rId2">
+            <a:extLst>
+              <a:ext uri="{28A0092B-C50C-407E-A947-70E740481C1C}">
+                <a14:useLocalDpi xmlns:a14="http://schemas.microsoft.com/office/drawing/2010/main" val="0"/>
+              </a:ext>
+            </a:extLst>
+          </a:blip>
+          <a:stretch>
+            <a:fillRect/>
+          </a:stretch>
+        </p:blipFill>
+        <p:spPr>
+          <a:xfrm>
+            <a:off x="23076" y="0"/>
+            <a:ext cx="15077352" cy="21383625"/>
+          </a:xfrm>
+          <a:prstGeom prst="rect">
+            <a:avLst/>
+          </a:prstGeom>
+        </p:spPr>
+      </p:pic>
+      <p:sp>
+        <p:nvSpPr>
+          <p:cNvPr id="2" name="Title 1"/>
+          <p:cNvSpPr>
+            <a:spLocks noGrp="1"/>
+          </p:cNvSpPr>
+          <p:nvPr>
+            <p:ph type="title"/>
+          </p:nvPr>
+        </p:nvSpPr>
+        <p:spPr>
+          <a:xfrm>
+            <a:off x="755970" y="10263541"/>
+            <a:ext cx="12851449" cy="4579800"/>
+          </a:xfrm>
+        </p:spPr>
+        <p:txBody>
+          <a:bodyPr anchor="b">
+            <a:normAutofit/>
+          </a:bodyPr>
+          <a:lstStyle>
+            <a:lvl1pPr algn="l">
+              <a:defRPr sz="4630" b="0" cap="none"/>
+            </a:lvl1pPr>
+          </a:lstStyle>
+          <a:p>
+            <a:r>
+              <a:rPr lang="en-US" smtClean="0"/>
+              <a:t>Click to edit Master title style</a:t>
+            </a:r>
+            <a:endParaRPr lang="en-US" dirty="0"/>
+          </a:p>
+        </p:txBody>
+      </p:sp>
+      <p:sp>
+        <p:nvSpPr>
+          <p:cNvPr id="3" name="Text Placeholder 2"/>
+          <p:cNvSpPr>
+            <a:spLocks noGrp="1"/>
+          </p:cNvSpPr>
+          <p:nvPr>
+            <p:ph type="body" idx="1"/>
+          </p:nvPr>
+        </p:nvSpPr>
+        <p:spPr>
+          <a:xfrm>
+            <a:off x="755967" y="14843341"/>
+            <a:ext cx="12851451" cy="2682775"/>
+          </a:xfrm>
+        </p:spPr>
+        <p:txBody>
+          <a:bodyPr anchor="t">
+            <a:normAutofit/>
+          </a:bodyPr>
+          <a:lstStyle>
+            <a:lvl1pPr marL="0" indent="0" algn="l">
+              <a:buNone/>
+              <a:defRPr sz="2976">
+                <a:solidFill>
+                  <a:schemeClr val="tx1"/>
+                </a:solidFill>
+              </a:defRPr>
+            </a:lvl1pPr>
+            <a:lvl2pPr marL="755980" indent="0">
+              <a:buNone/>
+              <a:defRPr sz="2976">
+                <a:solidFill>
+                  <a:schemeClr val="tx1">
+                    <a:tint val="75000"/>
+                  </a:schemeClr>
+                </a:solidFill>
+              </a:defRPr>
+            </a:lvl2pPr>
+            <a:lvl3pPr marL="1511960" indent="0">
+              <a:buNone/>
+              <a:defRPr sz="2646">
+                <a:solidFill>
+                  <a:schemeClr val="tx1">
+                    <a:tint val="75000"/>
+                  </a:schemeClr>
+                </a:solidFill>
+              </a:defRPr>
+            </a:lvl3pPr>
+            <a:lvl4pPr marL="2267941" indent="0">
+              <a:buNone/>
+              <a:defRPr sz="2315">
+                <a:solidFill>
+                  <a:schemeClr val="tx1">
+                    <a:tint val="75000"/>
+                  </a:schemeClr>
+                </a:solidFill>
+              </a:defRPr>
+            </a:lvl4pPr>
+            <a:lvl5pPr marL="3023921" indent="0">
+              <a:buNone/>
+              <a:defRPr sz="2315">
+                <a:solidFill>
+                  <a:schemeClr val="tx1">
+                    <a:tint val="75000"/>
+                  </a:schemeClr>
+                </a:solidFill>
+              </a:defRPr>
+            </a:lvl5pPr>
+            <a:lvl6pPr marL="3779901" indent="0">
+              <a:buNone/>
+              <a:defRPr sz="2315">
+                <a:solidFill>
+                  <a:schemeClr val="tx1">
+                    <a:tint val="75000"/>
+                  </a:schemeClr>
+                </a:solidFill>
+              </a:defRPr>
+            </a:lvl6pPr>
+            <a:lvl7pPr marL="4535881" indent="0">
+              <a:buNone/>
+              <a:defRPr sz="2315">
+                <a:solidFill>
+                  <a:schemeClr val="tx1">
+                    <a:tint val="75000"/>
+                  </a:schemeClr>
+                </a:solidFill>
+              </a:defRPr>
+            </a:lvl7pPr>
+            <a:lvl8pPr marL="5291861" indent="0">
+              <a:buNone/>
+              <a:defRPr sz="2315">
+                <a:solidFill>
+                  <a:schemeClr val="tx1">
+                    <a:tint val="75000"/>
+                  </a:schemeClr>
+                </a:solidFill>
+              </a:defRPr>
+            </a:lvl8pPr>
+            <a:lvl9pPr marL="6047842" indent="0">
+              <a:buNone/>
+              <a:defRPr sz="2315">
+                <a:solidFill>
+                  <a:schemeClr val="tx1">
+                    <a:tint val="75000"/>
+                  </a:schemeClr>
+                </a:solidFill>
+              </a:defRPr>
+            </a:lvl9pPr>
+          </a:lstStyle>
+          <a:p>
+            <a:pPr lvl="0"/>
+            <a:r>
+              <a:rPr lang="en-US" smtClean="0"/>
+              <a:t>Edit Master text styles</a:t>
+            </a:r>
+          </a:p>
+        </p:txBody>
+      </p:sp>
+      <p:sp>
+        <p:nvSpPr>
+          <p:cNvPr id="4" name="Date Placeholder 3"/>
+          <p:cNvSpPr>
+            <a:spLocks noGrp="1"/>
+          </p:cNvSpPr>
+          <p:nvPr>
+            <p:ph type="dt" sz="half" idx="10"/>
+          </p:nvPr>
+        </p:nvSpPr>
+        <p:spPr/>
+        <p:txBody>
+          <a:bodyPr/>
+          <a:lstStyle/>
+          <a:p>
+            <a:fld id="{E1180FB8-4ADF-47CC-B7C0-7387B91BF917}" type="datetimeFigureOut">
+              <a:rPr lang="bg-BG" smtClean="0"/>
+              <a:t>06.04.2022</a:t>
+            </a:fld>
+            <a:endParaRPr lang="bg-BG"/>
+          </a:p>
+        </p:txBody>
+      </p:sp>
+      <p:sp>
+        <p:nvSpPr>
+          <p:cNvPr id="5" name="Footer Placeholder 4"/>
+          <p:cNvSpPr>
+            <a:spLocks noGrp="1"/>
+          </p:cNvSpPr>
+          <p:nvPr>
+            <p:ph type="ftr" sz="quarter" idx="11"/>
+          </p:nvPr>
+        </p:nvSpPr>
+        <p:spPr/>
+        <p:txBody>
+          <a:bodyPr/>
+          <a:lstStyle/>
+          <a:p>
+            <a:endParaRPr lang="bg-BG"/>
+          </a:p>
+        </p:txBody>
+      </p:sp>
+      <p:sp>
+        <p:nvSpPr>
+          <p:cNvPr id="6" name="Slide Number Placeholder 5"/>
+          <p:cNvSpPr>
+            <a:spLocks noGrp="1"/>
+          </p:cNvSpPr>
+          <p:nvPr>
+            <p:ph type="sldNum" sz="quarter" idx="12"/>
+          </p:nvPr>
+        </p:nvSpPr>
+        <p:spPr/>
+        <p:txBody>
+          <a:bodyPr/>
+          <a:lstStyle/>
+          <a:p>
+            <a:fld id="{08B2E43B-7BAB-4207-A7AC-F0CC0DAF4400}" type="slidenum">
+              <a:rPr lang="bg-BG" smtClean="0"/>
+              <a:t>‹#›</a:t>
+            </a:fld>
+            <a:endParaRPr lang="bg-BG"/>
+          </a:p>
+        </p:txBody>
+      </p:sp>
+    </p:spTree>
+    <p:extLst>
+      <p:ext uri="{BB962C8B-B14F-4D97-AF65-F5344CB8AC3E}">
+        <p14:creationId xmlns:p14="http://schemas.microsoft.com/office/powerpoint/2010/main" val="2833451264"/>
+      </p:ext>
+    </p:extLst>
+  </p:cSld>
+  <p:clrMapOvr>
+    <a:masterClrMapping/>
+  </p:clrMapOvr>
+</p:sldLayout>
+</file>
+
+<file path=ppt/slideLayouts/slideLayout14.xml><?xml version="1.0" encoding="utf-8"?>
+<p:sldLayout xmlns:a="http://schemas.openxmlformats.org/drawingml/2006/main" xmlns:r="http://schemas.openxmlformats.org/officeDocument/2006/relationships" xmlns:p="http://schemas.openxmlformats.org/presentationml/2006/main" preserve="1">
+  <p:cSld name="Quote Name Card">
+    <p:spTree>
+      <p:nvGrpSpPr>
+        <p:cNvPr id="1" name=""/>
+        <p:cNvGrpSpPr/>
+        <p:nvPr/>
+      </p:nvGrpSpPr>
+      <p:grpSpPr>
+        <a:xfrm>
+          <a:off x="0" y="0"/>
+          <a:ext cx="0" cy="0"/>
+          <a:chOff x="0" y="0"/>
+          <a:chExt cx="0" cy="0"/>
+        </a:xfrm>
+      </p:grpSpPr>
+      <p:pic>
+        <p:nvPicPr>
+          <p:cNvPr id="13" name="Picture 12" descr="Celestia-R1---OverlayContentSD.png"/>
+          <p:cNvPicPr>
+            <a:picLocks noChangeAspect="1"/>
+          </p:cNvPicPr>
+          <p:nvPr/>
+        </p:nvPicPr>
+        <p:blipFill>
+          <a:blip r:embed="rId2">
+            <a:extLst>
+              <a:ext uri="{28A0092B-C50C-407E-A947-70E740481C1C}">
+                <a14:useLocalDpi xmlns:a14="http://schemas.microsoft.com/office/drawing/2010/main" val="0"/>
+              </a:ext>
+            </a:extLst>
+          </a:blip>
+          <a:stretch>
+            <a:fillRect/>
+          </a:stretch>
+        </p:blipFill>
+        <p:spPr>
+          <a:xfrm>
+            <a:off x="23076" y="0"/>
+            <a:ext cx="15077352" cy="21383625"/>
+          </a:xfrm>
+          <a:prstGeom prst="rect">
+            <a:avLst/>
+          </a:prstGeom>
+        </p:spPr>
+      </p:pic>
+      <p:sp>
+        <p:nvSpPr>
+          <p:cNvPr id="11" name="TextBox 10"/>
+          <p:cNvSpPr txBox="1"/>
+          <p:nvPr/>
+        </p:nvSpPr>
+        <p:spPr>
+          <a:xfrm>
+            <a:off x="697429" y="2239119"/>
+            <a:ext cx="756164" cy="1823364"/>
+          </a:xfrm>
+          <a:prstGeom prst="rect">
+            <a:avLst/>
+          </a:prstGeom>
+        </p:spPr>
+        <p:txBody>
+          <a:bodyPr vert="horz" lIns="151194" tIns="75597" rIns="151194" bIns="75597" rtlCol="0" anchor="ctr">
+            <a:noAutofit/>
+          </a:bodyPr>
+          <a:lstStyle>
+            <a:lvl1pPr>
+              <a:spcBef>
+                <a:spcPct val="0"/>
+              </a:spcBef>
+              <a:buNone/>
+              <a:defRPr sz="3200" b="0" cap="all">
+                <a:ln w="3175" cmpd="sng">
+                  <a:noFill/>
+                </a:ln>
+                <a:effectLst>
+                  <a:glow rad="38100">
+                    <a:schemeClr val="bg1">
+                      <a:lumMod val="65000"/>
+                      <a:lumOff val="35000"/>
+                      <a:alpha val="40000"/>
+                    </a:schemeClr>
+                  </a:glow>
+                  <a:outerShdw blurRad="28575" dist="38100" dir="14040000" algn="tl" rotWithShape="0">
+                    <a:srgbClr val="000000">
+                      <a:alpha val="25000"/>
+                    </a:srgbClr>
+                  </a:outerShdw>
+                </a:effectLst>
+              </a:defRPr>
+            </a:lvl1pPr>
+            <a:lvl2pPr>
+              <a:defRPr>
+                <a:solidFill>
+                  <a:schemeClr val="tx2"/>
+                </a:solidFill>
+              </a:defRPr>
+            </a:lvl2pPr>
+            <a:lvl3pPr>
+              <a:defRPr>
+                <a:solidFill>
+                  <a:schemeClr val="tx2"/>
+                </a:solidFill>
+              </a:defRPr>
+            </a:lvl3pPr>
+            <a:lvl4pPr>
+              <a:defRPr>
+                <a:solidFill>
+                  <a:schemeClr val="tx2"/>
+                </a:solidFill>
+              </a:defRPr>
+            </a:lvl4pPr>
+            <a:lvl5pPr>
+              <a:defRPr>
+                <a:solidFill>
+                  <a:schemeClr val="tx2"/>
+                </a:solidFill>
+              </a:defRPr>
+            </a:lvl5pPr>
+            <a:lvl6pPr>
+              <a:defRPr>
+                <a:solidFill>
+                  <a:schemeClr val="tx2"/>
+                </a:solidFill>
+              </a:defRPr>
+            </a:lvl6pPr>
+            <a:lvl7pPr>
+              <a:defRPr>
+                <a:solidFill>
+                  <a:schemeClr val="tx2"/>
+                </a:solidFill>
+              </a:defRPr>
+            </a:lvl7pPr>
+            <a:lvl8pPr>
+              <a:defRPr>
+                <a:solidFill>
+                  <a:schemeClr val="tx2"/>
+                </a:solidFill>
+              </a:defRPr>
+            </a:lvl8pPr>
+            <a:lvl9pPr>
+              <a:defRPr>
+                <a:solidFill>
+                  <a:schemeClr val="tx2"/>
+                </a:solidFill>
+              </a:defRPr>
+            </a:lvl9pPr>
+          </a:lstStyle>
+          <a:p>
+            <a:pPr lvl="0"/>
+            <a:r>
+              <a:rPr lang="en-US" sz="13228" dirty="0">
+                <a:solidFill>
+                  <a:schemeClr val="tx1"/>
+                </a:solidFill>
+                <a:effectLst/>
+              </a:rPr>
+              <a:t>“</a:t>
+            </a:r>
+          </a:p>
+        </p:txBody>
+      </p:sp>
+      <p:sp>
+        <p:nvSpPr>
+          <p:cNvPr id="12" name="TextBox 11"/>
+          <p:cNvSpPr txBox="1"/>
+          <p:nvPr/>
+        </p:nvSpPr>
+        <p:spPr>
+          <a:xfrm>
+            <a:off x="12790931" y="8579863"/>
+            <a:ext cx="756164" cy="1823364"/>
+          </a:xfrm>
+          <a:prstGeom prst="rect">
+            <a:avLst/>
+          </a:prstGeom>
+        </p:spPr>
+        <p:txBody>
+          <a:bodyPr vert="horz" lIns="151194" tIns="75597" rIns="151194" bIns="75597" rtlCol="0" anchor="ctr">
+            <a:noAutofit/>
+          </a:bodyPr>
+          <a:lstStyle>
+            <a:lvl1pPr>
+              <a:spcBef>
+                <a:spcPct val="0"/>
+              </a:spcBef>
+              <a:buNone/>
+              <a:defRPr sz="3200" b="0" cap="all">
+                <a:ln w="3175" cmpd="sng">
+                  <a:noFill/>
+                </a:ln>
+                <a:effectLst>
+                  <a:glow rad="38100">
+                    <a:schemeClr val="bg1">
+                      <a:lumMod val="65000"/>
+                      <a:lumOff val="35000"/>
+                      <a:alpha val="40000"/>
+                    </a:schemeClr>
+                  </a:glow>
+                  <a:outerShdw blurRad="28575" dist="38100" dir="14040000" algn="tl" rotWithShape="0">
+                    <a:srgbClr val="000000">
+                      <a:alpha val="25000"/>
+                    </a:srgbClr>
+                  </a:outerShdw>
+                </a:effectLst>
+              </a:defRPr>
+            </a:lvl1pPr>
+            <a:lvl2pPr>
+              <a:defRPr>
+                <a:solidFill>
+                  <a:schemeClr val="tx2"/>
+                </a:solidFill>
+              </a:defRPr>
+            </a:lvl2pPr>
+            <a:lvl3pPr>
+              <a:defRPr>
+                <a:solidFill>
+                  <a:schemeClr val="tx2"/>
+                </a:solidFill>
+              </a:defRPr>
+            </a:lvl3pPr>
+            <a:lvl4pPr>
+              <a:defRPr>
+                <a:solidFill>
+                  <a:schemeClr val="tx2"/>
+                </a:solidFill>
+              </a:defRPr>
+            </a:lvl4pPr>
+            <a:lvl5pPr>
+              <a:defRPr>
+                <a:solidFill>
+                  <a:schemeClr val="tx2"/>
+                </a:solidFill>
+              </a:defRPr>
+            </a:lvl5pPr>
+            <a:lvl6pPr>
+              <a:defRPr>
+                <a:solidFill>
+                  <a:schemeClr val="tx2"/>
+                </a:solidFill>
+              </a:defRPr>
+            </a:lvl6pPr>
+            <a:lvl7pPr>
+              <a:defRPr>
+                <a:solidFill>
+                  <a:schemeClr val="tx2"/>
+                </a:solidFill>
+              </a:defRPr>
+            </a:lvl7pPr>
+            <a:lvl8pPr>
+              <a:defRPr>
+                <a:solidFill>
+                  <a:schemeClr val="tx2"/>
+                </a:solidFill>
+              </a:defRPr>
+            </a:lvl8pPr>
+            <a:lvl9pPr>
+              <a:defRPr>
+                <a:solidFill>
+                  <a:schemeClr val="tx2"/>
+                </a:solidFill>
+              </a:defRPr>
+            </a:lvl9pPr>
+          </a:lstStyle>
+          <a:p>
+            <a:pPr lvl="0" algn="r"/>
+            <a:r>
+              <a:rPr lang="en-US" sz="13228" dirty="0">
+                <a:solidFill>
+                  <a:schemeClr val="tx1"/>
+                </a:solidFill>
+                <a:effectLst/>
+              </a:rPr>
+              <a:t>”</a:t>
+            </a:r>
+          </a:p>
+        </p:txBody>
+      </p:sp>
+      <p:sp>
+        <p:nvSpPr>
+          <p:cNvPr id="16" name="Title 1"/>
+          <p:cNvSpPr>
+            <a:spLocks noGrp="1"/>
+          </p:cNvSpPr>
+          <p:nvPr>
+            <p:ph type="title"/>
+          </p:nvPr>
+        </p:nvSpPr>
+        <p:spPr>
+          <a:xfrm>
+            <a:off x="1453593" y="1900774"/>
+            <a:ext cx="11725263" cy="8553447"/>
+          </a:xfrm>
+        </p:spPr>
+        <p:txBody>
+          <a:bodyPr anchor="ctr">
+            <a:normAutofit/>
+          </a:bodyPr>
+          <a:lstStyle>
+            <a:lvl1pPr algn="l">
+              <a:defRPr sz="5291" b="0" cap="none">
+                <a:solidFill>
+                  <a:schemeClr val="tx1"/>
+                </a:solidFill>
+              </a:defRPr>
+            </a:lvl1pPr>
+          </a:lstStyle>
+          <a:p>
+            <a:r>
+              <a:rPr lang="en-US" smtClean="0"/>
+              <a:t>Click to edit Master title style</a:t>
+            </a:r>
+            <a:endParaRPr lang="en-US" dirty="0"/>
+          </a:p>
+        </p:txBody>
+      </p:sp>
+      <p:sp>
+        <p:nvSpPr>
+          <p:cNvPr id="10" name="Text Placeholder 9"/>
+          <p:cNvSpPr>
+            <a:spLocks noGrp="1"/>
+          </p:cNvSpPr>
+          <p:nvPr>
+            <p:ph type="body" sz="quarter" idx="13"/>
+          </p:nvPr>
+        </p:nvSpPr>
+        <p:spPr>
+          <a:xfrm>
+            <a:off x="755968" y="12117388"/>
+            <a:ext cx="12851449" cy="2771951"/>
+          </a:xfrm>
+        </p:spPr>
+        <p:txBody>
+          <a:bodyPr vert="horz" lIns="91440" tIns="45720" rIns="91440" bIns="45720" rtlCol="0" anchor="b">
+            <a:normAutofit/>
+          </a:bodyPr>
+          <a:lstStyle>
+            <a:lvl1pPr>
+              <a:buNone/>
+              <a:defRPr lang="en-US" sz="3307" b="0" cap="none" dirty="0">
+                <a:ln w="3175" cmpd="sng">
+                  <a:noFill/>
+                </a:ln>
+                <a:solidFill>
+                  <a:schemeClr val="tx1"/>
+                </a:solidFill>
+                <a:effectLst/>
+              </a:defRPr>
+            </a:lvl1pPr>
+          </a:lstStyle>
+          <a:p>
+            <a:pPr marL="0" lvl="0">
+              <a:spcBef>
+                <a:spcPct val="0"/>
+              </a:spcBef>
+              <a:buNone/>
+            </a:pPr>
+            <a:r>
+              <a:rPr lang="en-US" smtClean="0"/>
+              <a:t>Edit Master text styles</a:t>
+            </a:r>
+          </a:p>
+        </p:txBody>
+      </p:sp>
+      <p:sp>
+        <p:nvSpPr>
+          <p:cNvPr id="3" name="Text Placeholder 2"/>
+          <p:cNvSpPr>
+            <a:spLocks noGrp="1"/>
+          </p:cNvSpPr>
+          <p:nvPr>
+            <p:ph type="body" idx="1"/>
+          </p:nvPr>
+        </p:nvSpPr>
+        <p:spPr>
+          <a:xfrm>
+            <a:off x="755968" y="14889339"/>
+            <a:ext cx="12851449" cy="3167944"/>
+          </a:xfrm>
+        </p:spPr>
+        <p:txBody>
+          <a:bodyPr anchor="t">
+            <a:normAutofit/>
+          </a:bodyPr>
+          <a:lstStyle>
+            <a:lvl1pPr marL="0" indent="0" algn="l">
+              <a:buNone/>
+              <a:defRPr sz="2646">
+                <a:solidFill>
+                  <a:schemeClr val="tx1"/>
+                </a:solidFill>
+              </a:defRPr>
+            </a:lvl1pPr>
+            <a:lvl2pPr marL="755980" indent="0">
+              <a:buNone/>
+              <a:defRPr sz="2646">
+                <a:solidFill>
+                  <a:schemeClr val="tx1">
+                    <a:tint val="75000"/>
+                  </a:schemeClr>
+                </a:solidFill>
+              </a:defRPr>
+            </a:lvl2pPr>
+            <a:lvl3pPr marL="1511960" indent="0">
+              <a:buNone/>
+              <a:defRPr sz="2646">
+                <a:solidFill>
+                  <a:schemeClr val="tx1">
+                    <a:tint val="75000"/>
+                  </a:schemeClr>
+                </a:solidFill>
+              </a:defRPr>
+            </a:lvl3pPr>
+            <a:lvl4pPr marL="2267941" indent="0">
+              <a:buNone/>
+              <a:defRPr sz="2315">
+                <a:solidFill>
+                  <a:schemeClr val="tx1">
+                    <a:tint val="75000"/>
+                  </a:schemeClr>
+                </a:solidFill>
+              </a:defRPr>
+            </a:lvl4pPr>
+            <a:lvl5pPr marL="3023921" indent="0">
+              <a:buNone/>
+              <a:defRPr sz="2315">
+                <a:solidFill>
+                  <a:schemeClr val="tx1">
+                    <a:tint val="75000"/>
+                  </a:schemeClr>
+                </a:solidFill>
+              </a:defRPr>
+            </a:lvl5pPr>
+            <a:lvl6pPr marL="3779901" indent="0">
+              <a:buNone/>
+              <a:defRPr sz="2315">
+                <a:solidFill>
+                  <a:schemeClr val="tx1">
+                    <a:tint val="75000"/>
+                  </a:schemeClr>
+                </a:solidFill>
+              </a:defRPr>
+            </a:lvl6pPr>
+            <a:lvl7pPr marL="4535881" indent="0">
+              <a:buNone/>
+              <a:defRPr sz="2315">
+                <a:solidFill>
+                  <a:schemeClr val="tx1">
+                    <a:tint val="75000"/>
+                  </a:schemeClr>
+                </a:solidFill>
+              </a:defRPr>
+            </a:lvl7pPr>
+            <a:lvl8pPr marL="5291861" indent="0">
+              <a:buNone/>
+              <a:defRPr sz="2315">
+                <a:solidFill>
+                  <a:schemeClr val="tx1">
+                    <a:tint val="75000"/>
+                  </a:schemeClr>
+                </a:solidFill>
+              </a:defRPr>
+            </a:lvl8pPr>
+            <a:lvl9pPr marL="6047842" indent="0">
+              <a:buNone/>
+              <a:defRPr sz="2315">
+                <a:solidFill>
+                  <a:schemeClr val="tx1">
+                    <a:tint val="75000"/>
+                  </a:schemeClr>
+                </a:solidFill>
+              </a:defRPr>
+            </a:lvl9pPr>
+          </a:lstStyle>
+          <a:p>
+            <a:pPr lvl="0"/>
+            <a:r>
+              <a:rPr lang="en-US" smtClean="0"/>
+              <a:t>Edit Master text styles</a:t>
+            </a:r>
+          </a:p>
+        </p:txBody>
+      </p:sp>
+      <p:sp>
+        <p:nvSpPr>
+          <p:cNvPr id="4" name="Date Placeholder 3"/>
+          <p:cNvSpPr>
+            <a:spLocks noGrp="1"/>
+          </p:cNvSpPr>
+          <p:nvPr>
+            <p:ph type="dt" sz="half" idx="10"/>
+          </p:nvPr>
+        </p:nvSpPr>
+        <p:spPr/>
+        <p:txBody>
+          <a:bodyPr/>
+          <a:lstStyle/>
+          <a:p>
+            <a:fld id="{E1180FB8-4ADF-47CC-B7C0-7387B91BF917}" type="datetimeFigureOut">
+              <a:rPr lang="bg-BG" smtClean="0"/>
+              <a:t>06.04.2022</a:t>
+            </a:fld>
+            <a:endParaRPr lang="bg-BG"/>
+          </a:p>
+        </p:txBody>
+      </p:sp>
+      <p:sp>
+        <p:nvSpPr>
+          <p:cNvPr id="5" name="Footer Placeholder 4"/>
+          <p:cNvSpPr>
+            <a:spLocks noGrp="1"/>
+          </p:cNvSpPr>
+          <p:nvPr>
+            <p:ph type="ftr" sz="quarter" idx="11"/>
+          </p:nvPr>
+        </p:nvSpPr>
+        <p:spPr/>
+        <p:txBody>
+          <a:bodyPr/>
+          <a:lstStyle/>
+          <a:p>
+            <a:endParaRPr lang="bg-BG"/>
+          </a:p>
+        </p:txBody>
+      </p:sp>
+      <p:sp>
+        <p:nvSpPr>
+          <p:cNvPr id="6" name="Slide Number Placeholder 5"/>
+          <p:cNvSpPr>
+            <a:spLocks noGrp="1"/>
+          </p:cNvSpPr>
+          <p:nvPr>
+            <p:ph type="sldNum" sz="quarter" idx="12"/>
+          </p:nvPr>
+        </p:nvSpPr>
+        <p:spPr/>
+        <p:txBody>
+          <a:bodyPr/>
+          <a:lstStyle/>
+          <a:p>
+            <a:fld id="{08B2E43B-7BAB-4207-A7AC-F0CC0DAF4400}" type="slidenum">
+              <a:rPr lang="bg-BG" smtClean="0"/>
+              <a:t>‹#›</a:t>
+            </a:fld>
+            <a:endParaRPr lang="bg-BG"/>
+          </a:p>
+        </p:txBody>
+      </p:sp>
+    </p:spTree>
+    <p:extLst>
+      <p:ext uri="{BB962C8B-B14F-4D97-AF65-F5344CB8AC3E}">
+        <p14:creationId xmlns:p14="http://schemas.microsoft.com/office/powerpoint/2010/main" val="531232575"/>
+      </p:ext>
+    </p:extLst>
+  </p:cSld>
+  <p:clrMapOvr>
+    <a:masterClrMapping/>
+  </p:clrMapOvr>
+</p:sldLayout>
+</file>
+
+<file path=ppt/slideLayouts/slideLayout15.xml><?xml version="1.0" encoding="utf-8"?>
+<p:sldLayout xmlns:a="http://schemas.openxmlformats.org/drawingml/2006/main" xmlns:r="http://schemas.openxmlformats.org/officeDocument/2006/relationships" xmlns:p="http://schemas.openxmlformats.org/presentationml/2006/main" preserve="1">
+  <p:cSld name="True or False">
+    <p:spTree>
+      <p:nvGrpSpPr>
+        <p:cNvPr id="1" name=""/>
+        <p:cNvGrpSpPr/>
+        <p:nvPr/>
+      </p:nvGrpSpPr>
+      <p:grpSpPr>
+        <a:xfrm>
+          <a:off x="0" y="0"/>
+          <a:ext cx="0" cy="0"/>
+          <a:chOff x="0" y="0"/>
+          <a:chExt cx="0" cy="0"/>
+        </a:xfrm>
+      </p:grpSpPr>
+      <p:pic>
+        <p:nvPicPr>
+          <p:cNvPr id="8" name="Picture 7" descr="Celestia-R1---OverlayContentSD.png"/>
+          <p:cNvPicPr>
+            <a:picLocks noChangeAspect="1"/>
+          </p:cNvPicPr>
+          <p:nvPr/>
+        </p:nvPicPr>
+        <p:blipFill>
+          <a:blip r:embed="rId2">
+            <a:extLst>
+              <a:ext uri="{28A0092B-C50C-407E-A947-70E740481C1C}">
+                <a14:useLocalDpi xmlns:a14="http://schemas.microsoft.com/office/drawing/2010/main" val="0"/>
+              </a:ext>
+            </a:extLst>
+          </a:blip>
+          <a:stretch>
+            <a:fillRect/>
+          </a:stretch>
+        </p:blipFill>
+        <p:spPr>
+          <a:xfrm>
+            <a:off x="23076" y="0"/>
+            <a:ext cx="15077352" cy="21383625"/>
+          </a:xfrm>
+          <a:prstGeom prst="rect">
+            <a:avLst/>
+          </a:prstGeom>
+        </p:spPr>
+      </p:pic>
+      <p:sp>
+        <p:nvSpPr>
+          <p:cNvPr id="2" name="Title 1"/>
+          <p:cNvSpPr>
+            <a:spLocks noGrp="1"/>
+          </p:cNvSpPr>
+          <p:nvPr>
+            <p:ph type="title"/>
+          </p:nvPr>
+        </p:nvSpPr>
+        <p:spPr>
+          <a:xfrm>
+            <a:off x="767940" y="1900774"/>
+            <a:ext cx="12851449" cy="8553447"/>
+          </a:xfrm>
+        </p:spPr>
+        <p:txBody>
+          <a:bodyPr vert="horz" lIns="91440" tIns="45720" rIns="91440" bIns="45720" rtlCol="0" anchor="ctr">
+            <a:normAutofit/>
+          </a:bodyPr>
+          <a:lstStyle>
+            <a:lvl1pPr>
+              <a:defRPr lang="en-US" sz="4630" b="0" dirty="0"/>
+            </a:lvl1pPr>
+          </a:lstStyle>
+          <a:p>
+            <a:pPr marL="0" lvl="0"/>
+            <a:r>
+              <a:rPr lang="en-US" smtClean="0"/>
+              <a:t>Click to edit Master title style</a:t>
+            </a:r>
+            <a:endParaRPr lang="en-US" dirty="0"/>
+          </a:p>
+        </p:txBody>
+      </p:sp>
+      <p:sp>
+        <p:nvSpPr>
+          <p:cNvPr id="10" name="Text Placeholder 9"/>
+          <p:cNvSpPr>
+            <a:spLocks noGrp="1"/>
+          </p:cNvSpPr>
+          <p:nvPr>
+            <p:ph type="body" sz="quarter" idx="13"/>
+          </p:nvPr>
+        </p:nvSpPr>
+        <p:spPr>
+          <a:xfrm>
+            <a:off x="767940" y="10929408"/>
+            <a:ext cx="12851449" cy="2613554"/>
+          </a:xfrm>
+        </p:spPr>
+        <p:txBody>
+          <a:bodyPr vert="horz" lIns="91440" tIns="45720" rIns="91440" bIns="45720" rtlCol="0" anchor="b">
+            <a:normAutofit/>
+          </a:bodyPr>
+          <a:lstStyle>
+            <a:lvl1pPr>
+              <a:buNone/>
+              <a:defRPr lang="en-US" sz="3307" b="0" cap="none" dirty="0">
+                <a:ln w="3175" cmpd="sng">
+                  <a:noFill/>
+                </a:ln>
+                <a:solidFill>
+                  <a:schemeClr val="tx1"/>
+                </a:solidFill>
+                <a:effectLst/>
+              </a:defRPr>
+            </a:lvl1pPr>
+          </a:lstStyle>
+          <a:p>
+            <a:pPr marL="0" lvl="0">
+              <a:spcBef>
+                <a:spcPct val="0"/>
+              </a:spcBef>
+              <a:buNone/>
+            </a:pPr>
+            <a:r>
+              <a:rPr lang="en-US" smtClean="0"/>
+              <a:t>Edit Master text styles</a:t>
+            </a:r>
+          </a:p>
+        </p:txBody>
+      </p:sp>
+      <p:sp>
+        <p:nvSpPr>
+          <p:cNvPr id="3" name="Text Placeholder 2"/>
+          <p:cNvSpPr>
+            <a:spLocks noGrp="1"/>
+          </p:cNvSpPr>
+          <p:nvPr>
+            <p:ph type="body" idx="1"/>
+          </p:nvPr>
+        </p:nvSpPr>
+        <p:spPr>
+          <a:xfrm>
+            <a:off x="767938" y="13542962"/>
+            <a:ext cx="12851449" cy="4514321"/>
+          </a:xfrm>
+        </p:spPr>
+        <p:txBody>
+          <a:bodyPr anchor="t">
+            <a:normAutofit/>
+          </a:bodyPr>
+          <a:lstStyle>
+            <a:lvl1pPr marL="0" indent="0" algn="l">
+              <a:buNone/>
+              <a:defRPr sz="2646">
+                <a:solidFill>
+                  <a:schemeClr val="tx1"/>
+                </a:solidFill>
+              </a:defRPr>
+            </a:lvl1pPr>
+            <a:lvl2pPr marL="755980" indent="0">
+              <a:buNone/>
+              <a:defRPr sz="2646">
+                <a:solidFill>
+                  <a:schemeClr val="tx1">
+                    <a:tint val="75000"/>
+                  </a:schemeClr>
+                </a:solidFill>
+              </a:defRPr>
+            </a:lvl2pPr>
+            <a:lvl3pPr marL="1511960" indent="0">
+              <a:buNone/>
+              <a:defRPr sz="2646">
+                <a:solidFill>
+                  <a:schemeClr val="tx1">
+                    <a:tint val="75000"/>
+                  </a:schemeClr>
+                </a:solidFill>
+              </a:defRPr>
+            </a:lvl3pPr>
+            <a:lvl4pPr marL="2267941" indent="0">
+              <a:buNone/>
+              <a:defRPr sz="2315">
+                <a:solidFill>
+                  <a:schemeClr val="tx1">
+                    <a:tint val="75000"/>
+                  </a:schemeClr>
+                </a:solidFill>
+              </a:defRPr>
+            </a:lvl4pPr>
+            <a:lvl5pPr marL="3023921" indent="0">
+              <a:buNone/>
+              <a:defRPr sz="2315">
+                <a:solidFill>
+                  <a:schemeClr val="tx1">
+                    <a:tint val="75000"/>
+                  </a:schemeClr>
+                </a:solidFill>
+              </a:defRPr>
+            </a:lvl5pPr>
+            <a:lvl6pPr marL="3779901" indent="0">
+              <a:buNone/>
+              <a:defRPr sz="2315">
+                <a:solidFill>
+                  <a:schemeClr val="tx1">
+                    <a:tint val="75000"/>
+                  </a:schemeClr>
+                </a:solidFill>
+              </a:defRPr>
+            </a:lvl6pPr>
+            <a:lvl7pPr marL="4535881" indent="0">
+              <a:buNone/>
+              <a:defRPr sz="2315">
+                <a:solidFill>
+                  <a:schemeClr val="tx1">
+                    <a:tint val="75000"/>
+                  </a:schemeClr>
+                </a:solidFill>
+              </a:defRPr>
+            </a:lvl7pPr>
+            <a:lvl8pPr marL="5291861" indent="0">
+              <a:buNone/>
+              <a:defRPr sz="2315">
+                <a:solidFill>
+                  <a:schemeClr val="tx1">
+                    <a:tint val="75000"/>
+                  </a:schemeClr>
+                </a:solidFill>
+              </a:defRPr>
+            </a:lvl8pPr>
+            <a:lvl9pPr marL="6047842" indent="0">
+              <a:buNone/>
+              <a:defRPr sz="2315">
+                <a:solidFill>
+                  <a:schemeClr val="tx1">
+                    <a:tint val="75000"/>
+                  </a:schemeClr>
+                </a:solidFill>
+              </a:defRPr>
+            </a:lvl9pPr>
+          </a:lstStyle>
+          <a:p>
+            <a:pPr lvl="0"/>
+            <a:r>
+              <a:rPr lang="en-US" smtClean="0"/>
+              <a:t>Edit Master text styles</a:t>
+            </a:r>
+          </a:p>
+        </p:txBody>
+      </p:sp>
+      <p:sp>
+        <p:nvSpPr>
+          <p:cNvPr id="4" name="Date Placeholder 3"/>
+          <p:cNvSpPr>
+            <a:spLocks noGrp="1"/>
+          </p:cNvSpPr>
+          <p:nvPr>
+            <p:ph type="dt" sz="half" idx="10"/>
+          </p:nvPr>
+        </p:nvSpPr>
+        <p:spPr/>
+        <p:txBody>
+          <a:bodyPr/>
+          <a:lstStyle/>
+          <a:p>
+            <a:fld id="{E1180FB8-4ADF-47CC-B7C0-7387B91BF917}" type="datetimeFigureOut">
+              <a:rPr lang="bg-BG" smtClean="0"/>
+              <a:t>06.04.2022</a:t>
+            </a:fld>
+            <a:endParaRPr lang="bg-BG"/>
+          </a:p>
+        </p:txBody>
+      </p:sp>
+      <p:sp>
+        <p:nvSpPr>
+          <p:cNvPr id="5" name="Footer Placeholder 4"/>
+          <p:cNvSpPr>
+            <a:spLocks noGrp="1"/>
+          </p:cNvSpPr>
+          <p:nvPr>
+            <p:ph type="ftr" sz="quarter" idx="11"/>
+          </p:nvPr>
+        </p:nvSpPr>
+        <p:spPr/>
+        <p:txBody>
+          <a:bodyPr/>
+          <a:lstStyle/>
+          <a:p>
+            <a:endParaRPr lang="bg-BG"/>
+          </a:p>
+        </p:txBody>
+      </p:sp>
+      <p:sp>
+        <p:nvSpPr>
+          <p:cNvPr id="6" name="Slide Number Placeholder 5"/>
+          <p:cNvSpPr>
+            <a:spLocks noGrp="1"/>
+          </p:cNvSpPr>
+          <p:nvPr>
+            <p:ph type="sldNum" sz="quarter" idx="12"/>
+          </p:nvPr>
+        </p:nvSpPr>
+        <p:spPr/>
+        <p:txBody>
+          <a:bodyPr/>
+          <a:lstStyle/>
+          <a:p>
+            <a:fld id="{08B2E43B-7BAB-4207-A7AC-F0CC0DAF4400}" type="slidenum">
+              <a:rPr lang="bg-BG" smtClean="0"/>
+              <a:t>‹#›</a:t>
+            </a:fld>
+            <a:endParaRPr lang="bg-BG"/>
+          </a:p>
+        </p:txBody>
+      </p:sp>
+    </p:spTree>
+    <p:extLst>
+      <p:ext uri="{BB962C8B-B14F-4D97-AF65-F5344CB8AC3E}">
+        <p14:creationId xmlns:p14="http://schemas.microsoft.com/office/powerpoint/2010/main" val="2372643109"/>
+      </p:ext>
+    </p:extLst>
+  </p:cSld>
+  <p:clrMapOvr>
+    <a:masterClrMapping/>
+  </p:clrMapOvr>
+</p:sldLayout>
+</file>
+
+<file path=ppt/slideLayouts/slideLayout16.xml><?xml version="1.0" encoding="utf-8"?>
 <p:sldLayout xmlns:a="http://schemas.openxmlformats.org/drawingml/2006/main" xmlns:r="http://schemas.openxmlformats.org/officeDocument/2006/relationships" xmlns:p="http://schemas.openxmlformats.org/presentationml/2006/main" type="vertTx" preserve="1">
   <p:cSld name="Title and Vertical Text">
     <p:spTree>
@@ -316,14 +2733,130 @@
           <a:chExt cx="0" cy="0"/>
         </a:xfrm>
       </p:grpSpPr>
-      <p:sp>
-        <p:nvSpPr>
-          <p:cNvPr id="2" name="Title 1"/>
+      <p:pic>
+        <p:nvPicPr>
+          <p:cNvPr id="7" name="Picture 6" descr="Celestia-R1---OverlayContentSD.png"/>
+          <p:cNvPicPr>
+            <a:picLocks noChangeAspect="1"/>
+          </p:cNvPicPr>
+          <p:nvPr/>
+        </p:nvPicPr>
+        <p:blipFill>
+          <a:blip r:embed="rId2">
+            <a:extLst>
+              <a:ext uri="{28A0092B-C50C-407E-A947-70E740481C1C}">
+                <a14:useLocalDpi xmlns:a14="http://schemas.microsoft.com/office/drawing/2010/main" val="0"/>
+              </a:ext>
+            </a:extLst>
+          </a:blip>
+          <a:stretch>
+            <a:fillRect/>
+          </a:stretch>
+        </p:blipFill>
+        <p:spPr>
+          <a:xfrm>
+            <a:off x="23076" y="0"/>
+            <a:ext cx="15077352" cy="21383625"/>
+          </a:xfrm>
+          <a:prstGeom prst="rect">
+            <a:avLst/>
+          </a:prstGeom>
+        </p:spPr>
+      </p:pic>
+      <p:sp>
+        <p:nvSpPr>
+          <p:cNvPr id="8" name="Title 1"/>
           <p:cNvSpPr>
             <a:spLocks noGrp="1"/>
           </p:cNvSpPr>
           <p:nvPr>
             <p:ph type="title"/>
+          </p:nvPr>
+        </p:nvSpPr>
+        <p:spPr>
+          <a:xfrm>
+            <a:off x="755967" y="1900772"/>
+            <a:ext cx="12851448" cy="4540721"/>
+          </a:xfrm>
+        </p:spPr>
+        <p:txBody>
+          <a:bodyPr>
+            <a:normAutofit/>
+          </a:bodyPr>
+          <a:lstStyle>
+            <a:lvl1pPr>
+              <a:defRPr sz="4630"/>
+            </a:lvl1pPr>
+          </a:lstStyle>
+          <a:p>
+            <a:r>
+              <a:rPr lang="en-US" smtClean="0"/>
+              <a:t>Click to edit Master title style</a:t>
+            </a:r>
+            <a:endParaRPr lang="en-US" dirty="0"/>
+          </a:p>
+        </p:txBody>
+      </p:sp>
+      <p:sp>
+        <p:nvSpPr>
+          <p:cNvPr id="3" name="Vertical Text Placeholder 2"/>
+          <p:cNvSpPr>
+            <a:spLocks noGrp="1"/>
+          </p:cNvSpPr>
+          <p:nvPr>
+            <p:ph type="body" orient="vert" idx="1"/>
+          </p:nvPr>
+        </p:nvSpPr>
+        <p:spPr/>
+        <p:txBody>
+          <a:bodyPr vert="eaVert" anchor="t"/>
+          <a:lstStyle/>
+          <a:p>
+            <a:pPr lvl="0"/>
+            <a:r>
+              <a:rPr lang="en-US" smtClean="0"/>
+              <a:t>Edit Master text styles</a:t>
+            </a:r>
+          </a:p>
+          <a:p>
+            <a:pPr lvl="1"/>
+            <a:r>
+              <a:rPr lang="en-US" smtClean="0"/>
+              <a:t>Second level</a:t>
+            </a:r>
+          </a:p>
+          <a:p>
+            <a:pPr lvl="2"/>
+            <a:r>
+              <a:rPr lang="en-US" smtClean="0"/>
+              <a:t>Third level</a:t>
+            </a:r>
+          </a:p>
+          <a:p>
+            <a:pPr lvl="3"/>
+            <a:r>
+              <a:rPr lang="en-US" smtClean="0"/>
+              <a:t>Fourth level</a:t>
+            </a:r>
+          </a:p>
+          <a:p>
+            <a:pPr lvl="4"/>
+            <a:r>
+              <a:rPr lang="en-US" smtClean="0"/>
+              <a:t>Fifth level</a:t>
+            </a:r>
+            <a:endParaRPr lang="en-US" dirty="0"/>
+          </a:p>
+        </p:txBody>
+      </p:sp>
+      <p:sp>
+        <p:nvSpPr>
+          <p:cNvPr id="4" name="Date Placeholder 3"/>
+          <p:cNvSpPr>
+            <a:spLocks noGrp="1"/>
+          </p:cNvSpPr>
+          <p:nvPr>
+            <p:ph type="dt" sz="half" idx="10"/>
           </p:nvPr>
         </p:nvSpPr>
         <p:spPr/>
@@ -331,84 +2864,9 @@
           <a:bodyPr/>
           <a:lstStyle/>
           <a:p>
-            <a:r>
-              <a:rPr lang="en-US" smtClean="0"/>
-              <a:t>Click to edit Master title style</a:t>
-            </a:r>
-            <a:endParaRPr lang="en-US" dirty="0"/>
-          </a:p>
-        </p:txBody>
-      </p:sp>
-      <p:sp>
-        <p:nvSpPr>
-          <p:cNvPr id="3" name="Vertical Text Placeholder 2"/>
-          <p:cNvSpPr>
-            <a:spLocks noGrp="1"/>
-          </p:cNvSpPr>
-          <p:nvPr>
-            <p:ph type="body" orient="vert" idx="1"/>
-          </p:nvPr>
-        </p:nvSpPr>
-        <p:spPr/>
-        <p:txBody>
-          <a:bodyPr vert="eaVert"/>
-          <a:lstStyle/>
-          <a:p>
-            <a:pPr lvl="0"/>
-            <a:r>
-              <a:rPr lang="en-US" smtClean="0"/>
-              <a:t>Edit Master text styles</a:t>
-            </a:r>
-          </a:p>
-          <a:p>
-            <a:pPr lvl="1"/>
-            <a:r>
-              <a:rPr lang="en-US" smtClean="0"/>
-              <a:t>Second level</a:t>
-            </a:r>
-          </a:p>
-          <a:p>
-            <a:pPr lvl="2"/>
-            <a:r>
-              <a:rPr lang="en-US" smtClean="0"/>
-              <a:t>Third level</a:t>
-            </a:r>
-          </a:p>
-          <a:p>
-            <a:pPr lvl="3"/>
-            <a:r>
-              <a:rPr lang="en-US" smtClean="0"/>
-              <a:t>Fourth level</a:t>
-            </a:r>
-          </a:p>
-          <a:p>
-            <a:pPr lvl="4"/>
-            <a:r>
-              <a:rPr lang="en-US" smtClean="0"/>
-              <a:t>Fifth level</a:t>
-            </a:r>
-            <a:endParaRPr lang="en-US" dirty="0"/>
-          </a:p>
-        </p:txBody>
-      </p:sp>
-      <p:sp>
-        <p:nvSpPr>
-          <p:cNvPr id="4" name="Date Placeholder 3"/>
-          <p:cNvSpPr>
-            <a:spLocks noGrp="1"/>
-          </p:cNvSpPr>
-          <p:nvPr>
-            <p:ph type="dt" sz="half" idx="10"/>
-          </p:nvPr>
-        </p:nvSpPr>
-        <p:spPr/>
-        <p:txBody>
-          <a:bodyPr/>
-          <a:lstStyle/>
-          <a:p>
             <a:fld id="{E1180FB8-4ADF-47CC-B7C0-7387B91BF917}" type="datetimeFigureOut">
               <a:rPr lang="bg-BG" smtClean="0"/>
-              <a:t>05.04.2022</a:t>
+              <a:t>06.04.2022</a:t>
             </a:fld>
             <a:endParaRPr lang="bg-BG"/>
           </a:p>
@@ -459,7 +2917,7 @@
     </p:spTree>
     <p:extLst>
       <p:ext uri="{BB962C8B-B14F-4D97-AF65-F5344CB8AC3E}">
-        <p14:creationId xmlns:p14="http://schemas.microsoft.com/office/powerpoint/2010/main" val="1328613261"/>
+        <p14:creationId xmlns:p14="http://schemas.microsoft.com/office/powerpoint/2010/main" val="616514789"/>
       </p:ext>
     </p:extLst>
   </p:cSld>
@@ -469,7 +2927,7 @@
 </p:sldLayout>
 </file>
 
-<file path=ppt/slideLayouts/slideLayout11.xml><?xml version="1.0" encoding="utf-8"?>
+<file path=ppt/slideLayouts/slideLayout17.xml><?xml version="1.0" encoding="utf-8"?>
 <p:sldLayout xmlns:a="http://schemas.openxmlformats.org/drawingml/2006/main" xmlns:r="http://schemas.openxmlformats.org/officeDocument/2006/relationships" xmlns:p="http://schemas.openxmlformats.org/presentationml/2006/main" type="vertTitleAndTx" preserve="1">
   <p:cSld name="Vertical Title and Text">
     <p:spTree>
@@ -486,6 +2944,36 @@
           <a:chExt cx="0" cy="0"/>
         </a:xfrm>
       </p:grpSpPr>
+      <p:pic>
+        <p:nvPicPr>
+          <p:cNvPr id="7" name="Picture 6" descr="Celestia-R1---OverlayContentSD.png"/>
+          <p:cNvPicPr>
+            <a:picLocks noChangeAspect="1"/>
+          </p:cNvPicPr>
+          <p:nvPr/>
+        </p:nvPicPr>
+        <p:blipFill>
+          <a:blip r:embed="rId2">
+            <a:extLst>
+              <a:ext uri="{28A0092B-C50C-407E-A947-70E740481C1C}">
+                <a14:useLocalDpi xmlns:a14="http://schemas.microsoft.com/office/drawing/2010/main" val="0"/>
+              </a:ext>
+            </a:extLst>
+          </a:blip>
+          <a:stretch>
+            <a:fillRect/>
+          </a:stretch>
+        </p:blipFill>
+        <p:spPr>
+          <a:xfrm>
+            <a:off x="23076" y="0"/>
+            <a:ext cx="15077352" cy="21383625"/>
+          </a:xfrm>
+          <a:prstGeom prst="rect">
+            <a:avLst/>
+          </a:prstGeom>
+        </p:spPr>
+      </p:pic>
       <p:sp>
         <p:nvSpPr>
           <p:cNvPr id="2" name="Vertical Title 1"/>
@@ -498,13 +2986,19 @@
         </p:nvSpPr>
         <p:spPr>
           <a:xfrm>
-            <a:off x="10819786" y="1138480"/>
-            <a:ext cx="3260110" cy="18121634"/>
-          </a:xfrm>
-        </p:spPr>
-        <p:txBody>
-          <a:bodyPr vert="eaVert"/>
-          <a:lstStyle/>
+            <a:off x="10835168" y="1900768"/>
+            <a:ext cx="2772246" cy="16156520"/>
+          </a:xfrm>
+        </p:spPr>
+        <p:txBody>
+          <a:bodyPr vert="eaVert">
+            <a:normAutofit/>
+          </a:bodyPr>
+          <a:lstStyle>
+            <a:lvl1pPr>
+              <a:defRPr sz="4630"/>
+            </a:lvl1pPr>
+          </a:lstStyle>
           <a:p>
             <a:r>
               <a:rPr lang="en-US" smtClean="0"/>
@@ -526,12 +3020,12 @@
         </p:nvSpPr>
         <p:spPr>
           <a:xfrm>
-            <a:off x="1039456" y="1138480"/>
-            <a:ext cx="9591338" cy="18121634"/>
-          </a:xfrm>
-        </p:spPr>
-        <p:txBody>
-          <a:bodyPr vert="eaVert"/>
+            <a:off x="755967" y="1900767"/>
+            <a:ext cx="9904603" cy="16156517"/>
+          </a:xfrm>
+        </p:spPr>
+        <p:txBody>
+          <a:bodyPr vert="eaVert" anchor="t"/>
           <a:lstStyle/>
           <a:p>
             <a:pPr lvl="0"/>
@@ -588,7 +3082,7 @@
           <a:p>
             <a:fld id="{E1180FB8-4ADF-47CC-B7C0-7387B91BF917}" type="datetimeFigureOut">
               <a:rPr lang="bg-BG" smtClean="0"/>
-              <a:t>05.04.2022</a:t>
+              <a:t>06.04.2022</a:t>
             </a:fld>
             <a:endParaRPr lang="bg-BG"/>
           </a:p>
@@ -639,7 +3133,7 @@
     </p:spTree>
     <p:extLst>
       <p:ext uri="{BB962C8B-B14F-4D97-AF65-F5344CB8AC3E}">
-        <p14:creationId xmlns:p14="http://schemas.microsoft.com/office/powerpoint/2010/main" val="805312934"/>
+        <p14:creationId xmlns:p14="http://schemas.microsoft.com/office/powerpoint/2010/main" val="1600117777"/>
       </p:ext>
     </p:extLst>
   </p:cSld>
@@ -666,6 +3160,36 @@
           <a:chExt cx="0" cy="0"/>
         </a:xfrm>
       </p:grpSpPr>
+      <p:pic>
+        <p:nvPicPr>
+          <p:cNvPr id="8" name="Picture 7" descr="Celestia-R1---OverlayContentSD.png"/>
+          <p:cNvPicPr>
+            <a:picLocks noChangeAspect="1"/>
+          </p:cNvPicPr>
+          <p:nvPr/>
+        </p:nvPicPr>
+        <p:blipFill>
+          <a:blip r:embed="rId2">
+            <a:extLst>
+              <a:ext uri="{28A0092B-C50C-407E-A947-70E740481C1C}">
+                <a14:useLocalDpi xmlns:a14="http://schemas.microsoft.com/office/drawing/2010/main" val="0"/>
+              </a:ext>
+            </a:extLst>
+          </a:blip>
+          <a:stretch>
+            <a:fillRect/>
+          </a:stretch>
+        </p:blipFill>
+        <p:spPr>
+          <a:xfrm>
+            <a:off x="23076" y="0"/>
+            <a:ext cx="15077352" cy="21383625"/>
+          </a:xfrm>
+          <a:prstGeom prst="rect">
+            <a:avLst/>
+          </a:prstGeom>
+        </p:spPr>
+      </p:pic>
       <p:sp>
         <p:nvSpPr>
           <p:cNvPr id="2" name="Title 1"/>
@@ -674,6 +3198,87 @@
           </p:cNvSpPr>
           <p:nvPr>
             <p:ph type="title"/>
+          </p:nvPr>
+        </p:nvSpPr>
+        <p:spPr/>
+        <p:txBody>
+          <a:bodyPr>
+            <a:normAutofit/>
+          </a:bodyPr>
+          <a:lstStyle>
+            <a:lvl1pPr>
+              <a:defRPr sz="4630"/>
+            </a:lvl1pPr>
+          </a:lstStyle>
+          <a:p>
+            <a:r>
+              <a:rPr lang="en-US" smtClean="0"/>
+              <a:t>Click to edit Master title style</a:t>
+            </a:r>
+            <a:endParaRPr lang="en-US" dirty="0"/>
+          </a:p>
+        </p:txBody>
+      </p:sp>
+      <p:sp>
+        <p:nvSpPr>
+          <p:cNvPr id="3" name="Content Placeholder 2"/>
+          <p:cNvSpPr>
+            <a:spLocks noGrp="1"/>
+          </p:cNvSpPr>
+          <p:nvPr>
+            <p:ph idx="1"/>
+          </p:nvPr>
+        </p:nvSpPr>
+        <p:spPr/>
+        <p:txBody>
+          <a:bodyPr anchor="ctr"/>
+          <a:lstStyle/>
+          <a:p>
+            <a:pPr lvl="0"/>
+            <a:r>
+              <a:rPr lang="en-US" smtClean="0"/>
+              <a:t>Edit Master text styles</a:t>
+            </a:r>
+          </a:p>
+          <a:p>
+            <a:pPr lvl="1"/>
+            <a:r>
+              <a:rPr lang="en-US" smtClean="0"/>
+              <a:t>Second level</a:t>
+            </a:r>
+          </a:p>
+          <a:p>
+            <a:pPr lvl="2"/>
+            <a:r>
+              <a:rPr lang="en-US" smtClean="0"/>
+              <a:t>Third level</a:t>
+            </a:r>
+          </a:p>
+          <a:p>
+            <a:pPr lvl="3"/>
+            <a:r>
+              <a:rPr lang="en-US" smtClean="0"/>
+              <a:t>Fourth level</a:t>
+            </a:r>
+          </a:p>
+          <a:p>
+            <a:pPr lvl="4"/>
+            <a:r>
+              <a:rPr lang="en-US" smtClean="0"/>
+              <a:t>Fifth level</a:t>
+            </a:r>
+            <a:endParaRPr lang="en-US" dirty="0"/>
+          </a:p>
+        </p:txBody>
+      </p:sp>
+      <p:sp>
+        <p:nvSpPr>
+          <p:cNvPr id="4" name="Date Placeholder 3"/>
+          <p:cNvSpPr>
+            <a:spLocks noGrp="1"/>
+          </p:cNvSpPr>
+          <p:nvPr>
+            <p:ph type="dt" sz="half" idx="10"/>
           </p:nvPr>
         </p:nvSpPr>
         <p:spPr/>
@@ -681,84 +3286,9 @@
           <a:bodyPr/>
           <a:lstStyle/>
           <a:p>
-            <a:r>
-              <a:rPr lang="en-US" smtClean="0"/>
-              <a:t>Click to edit Master title style</a:t>
-            </a:r>
-            <a:endParaRPr lang="en-US" dirty="0"/>
-          </a:p>
-        </p:txBody>
-      </p:sp>
-      <p:sp>
-        <p:nvSpPr>
-          <p:cNvPr id="3" name="Content Placeholder 2"/>
-          <p:cNvSpPr>
-            <a:spLocks noGrp="1"/>
-          </p:cNvSpPr>
-          <p:nvPr>
-            <p:ph idx="1"/>
-          </p:nvPr>
-        </p:nvSpPr>
-        <p:spPr/>
-        <p:txBody>
-          <a:bodyPr/>
-          <a:lstStyle/>
-          <a:p>
-            <a:pPr lvl="0"/>
-            <a:r>
-              <a:rPr lang="en-US" smtClean="0"/>
-              <a:t>Edit Master text styles</a:t>
-            </a:r>
-          </a:p>
-          <a:p>
-            <a:pPr lvl="1"/>
-            <a:r>
-              <a:rPr lang="en-US" smtClean="0"/>
-              <a:t>Second level</a:t>
-            </a:r>
-          </a:p>
-          <a:p>
-            <a:pPr lvl="2"/>
-            <a:r>
-              <a:rPr lang="en-US" smtClean="0"/>
-              <a:t>Third level</a:t>
-            </a:r>
-          </a:p>
-          <a:p>
-            <a:pPr lvl="3"/>
-            <a:r>
-              <a:rPr lang="en-US" smtClean="0"/>
-              <a:t>Fourth level</a:t>
-            </a:r>
-          </a:p>
-          <a:p>
-            <a:pPr lvl="4"/>
-            <a:r>
-              <a:rPr lang="en-US" smtClean="0"/>
-              <a:t>Fifth level</a:t>
-            </a:r>
-            <a:endParaRPr lang="en-US" dirty="0"/>
-          </a:p>
-        </p:txBody>
-      </p:sp>
-      <p:sp>
-        <p:nvSpPr>
-          <p:cNvPr id="4" name="Date Placeholder 3"/>
-          <p:cNvSpPr>
-            <a:spLocks noGrp="1"/>
-          </p:cNvSpPr>
-          <p:nvPr>
-            <p:ph type="dt" sz="half" idx="10"/>
-          </p:nvPr>
-        </p:nvSpPr>
-        <p:spPr/>
-        <p:txBody>
-          <a:bodyPr/>
-          <a:lstStyle/>
-          <a:p>
             <a:fld id="{E1180FB8-4ADF-47CC-B7C0-7387B91BF917}" type="datetimeFigureOut">
               <a:rPr lang="bg-BG" smtClean="0"/>
-              <a:t>05.04.2022</a:t>
+              <a:t>06.04.2022</a:t>
             </a:fld>
             <a:endParaRPr lang="bg-BG"/>
           </a:p>
@@ -809,7 +3339,7 @@
     </p:spTree>
     <p:extLst>
       <p:ext uri="{BB962C8B-B14F-4D97-AF65-F5344CB8AC3E}">
-        <p14:creationId xmlns:p14="http://schemas.microsoft.com/office/powerpoint/2010/main" val="1136066233"/>
+        <p14:creationId xmlns:p14="http://schemas.microsoft.com/office/powerpoint/2010/main" val="2828977710"/>
       </p:ext>
     </p:extLst>
   </p:cSld>
@@ -836,6 +3366,36 @@
           <a:chExt cx="0" cy="0"/>
         </a:xfrm>
       </p:grpSpPr>
+      <p:pic>
+        <p:nvPicPr>
+          <p:cNvPr id="8" name="Picture 7" descr="Celestia-R1---OverlayContentSD.png"/>
+          <p:cNvPicPr>
+            <a:picLocks noChangeAspect="1"/>
+          </p:cNvPicPr>
+          <p:nvPr/>
+        </p:nvPicPr>
+        <p:blipFill>
+          <a:blip r:embed="rId2">
+            <a:extLst>
+              <a:ext uri="{28A0092B-C50C-407E-A947-70E740481C1C}">
+                <a14:useLocalDpi xmlns:a14="http://schemas.microsoft.com/office/drawing/2010/main" val="0"/>
+              </a:ext>
+            </a:extLst>
+          </a:blip>
+          <a:stretch>
+            <a:fillRect/>
+          </a:stretch>
+        </p:blipFill>
+        <p:spPr>
+          <a:xfrm>
+            <a:off x="23076" y="0"/>
+            <a:ext cx="15077352" cy="21383625"/>
+          </a:xfrm>
+          <a:prstGeom prst="rect">
+            <a:avLst/>
+          </a:prstGeom>
+        </p:spPr>
+      </p:pic>
       <p:sp>
         <p:nvSpPr>
           <p:cNvPr id="2" name="Title 1"/>
@@ -848,15 +3408,17 @@
         </p:nvSpPr>
         <p:spPr>
           <a:xfrm>
-            <a:off x="1031582" y="5331063"/>
-            <a:ext cx="13040439" cy="8894992"/>
-          </a:xfrm>
-        </p:spPr>
-        <p:txBody>
-          <a:bodyPr anchor="b"/>
+            <a:off x="755971" y="10316339"/>
+            <a:ext cx="12851448" cy="4579800"/>
+          </a:xfrm>
+        </p:spPr>
+        <p:txBody>
+          <a:bodyPr anchor="b">
+            <a:normAutofit/>
+          </a:bodyPr>
           <a:lstStyle>
-            <a:lvl1pPr>
-              <a:defRPr sz="9921"/>
+            <a:lvl1pPr algn="l">
+              <a:defRPr sz="5291" b="0" cap="all"/>
             </a:lvl1pPr>
           </a:lstStyle>
           <a:p>
@@ -880,16 +3442,18 @@
         </p:nvSpPr>
         <p:spPr>
           <a:xfrm>
-            <a:off x="1031582" y="14310205"/>
-            <a:ext cx="13040439" cy="4677666"/>
-          </a:xfrm>
-        </p:spPr>
-        <p:txBody>
-          <a:bodyPr/>
+            <a:off x="755969" y="14896139"/>
+            <a:ext cx="12851448" cy="2682775"/>
+          </a:xfrm>
+        </p:spPr>
+        <p:txBody>
+          <a:bodyPr anchor="t">
+            <a:normAutofit/>
+          </a:bodyPr>
           <a:lstStyle>
-            <a:lvl1pPr marL="0" indent="0">
-              <a:buNone/>
-              <a:defRPr sz="3968">
+            <a:lvl1pPr marL="0" indent="0" algn="l">
+              <a:buNone/>
+              <a:defRPr sz="2976" cap="all">
                 <a:solidFill>
                   <a:schemeClr val="tx1"/>
                 </a:solidFill>
@@ -897,7 +3461,7 @@
             </a:lvl1pPr>
             <a:lvl2pPr marL="755980" indent="0">
               <a:buNone/>
-              <a:defRPr sz="3307">
+              <a:defRPr sz="2976">
                 <a:solidFill>
                   <a:schemeClr val="tx1">
                     <a:tint val="75000"/>
@@ -907,7 +3471,7 @@
             </a:lvl2pPr>
             <a:lvl3pPr marL="1511960" indent="0">
               <a:buNone/>
-              <a:defRPr sz="2976">
+              <a:defRPr sz="2646">
                 <a:solidFill>
                   <a:schemeClr val="tx1">
                     <a:tint val="75000"/>
@@ -917,7 +3481,7 @@
             </a:lvl3pPr>
             <a:lvl4pPr marL="2267941" indent="0">
               <a:buNone/>
-              <a:defRPr sz="2646">
+              <a:defRPr sz="2315">
                 <a:solidFill>
                   <a:schemeClr val="tx1">
                     <a:tint val="75000"/>
@@ -927,7 +3491,7 @@
             </a:lvl4pPr>
             <a:lvl5pPr marL="3023921" indent="0">
               <a:buNone/>
-              <a:defRPr sz="2646">
+              <a:defRPr sz="2315">
                 <a:solidFill>
                   <a:schemeClr val="tx1">
                     <a:tint val="75000"/>
@@ -937,7 +3501,7 @@
             </a:lvl5pPr>
             <a:lvl6pPr marL="3779901" indent="0">
               <a:buNone/>
-              <a:defRPr sz="2646">
+              <a:defRPr sz="2315">
                 <a:solidFill>
                   <a:schemeClr val="tx1">
                     <a:tint val="75000"/>
@@ -947,7 +3511,7 @@
             </a:lvl6pPr>
             <a:lvl7pPr marL="4535881" indent="0">
               <a:buNone/>
-              <a:defRPr sz="2646">
+              <a:defRPr sz="2315">
                 <a:solidFill>
                   <a:schemeClr val="tx1">
                     <a:tint val="75000"/>
@@ -957,7 +3521,7 @@
             </a:lvl7pPr>
             <a:lvl8pPr marL="5291861" indent="0">
               <a:buNone/>
-              <a:defRPr sz="2646">
+              <a:defRPr sz="2315">
                 <a:solidFill>
                   <a:schemeClr val="tx1">
                     <a:tint val="75000"/>
@@ -967,7 +3531,7 @@
             </a:lvl8pPr>
             <a:lvl9pPr marL="6047842" indent="0">
               <a:buNone/>
-              <a:defRPr sz="2646">
+              <a:defRPr sz="2315">
                 <a:solidFill>
                   <a:schemeClr val="tx1">
                     <a:tint val="75000"/>
@@ -1002,7 +3566,7 @@
           <a:p>
             <a:fld id="{E1180FB8-4ADF-47CC-B7C0-7387B91BF917}" type="datetimeFigureOut">
               <a:rPr lang="bg-BG" smtClean="0"/>
-              <a:t>05.04.2022</a:t>
+              <a:t>06.04.2022</a:t>
             </a:fld>
             <a:endParaRPr lang="bg-BG"/>
           </a:p>
@@ -1053,7 +3617,7 @@
     </p:spTree>
     <p:extLst>
       <p:ext uri="{BB962C8B-B14F-4D97-AF65-F5344CB8AC3E}">
-        <p14:creationId xmlns:p14="http://schemas.microsoft.com/office/powerpoint/2010/main" val="3241005336"/>
+        <p14:creationId xmlns:p14="http://schemas.microsoft.com/office/powerpoint/2010/main" val="788863240"/>
       </p:ext>
     </p:extLst>
   </p:cSld>
@@ -1080,6 +3644,36 @@
           <a:chExt cx="0" cy="0"/>
         </a:xfrm>
       </p:grpSpPr>
+      <p:pic>
+        <p:nvPicPr>
+          <p:cNvPr id="10" name="Picture 9" descr="Celestia-R1---OverlayContentSD.png"/>
+          <p:cNvPicPr>
+            <a:picLocks noChangeAspect="1"/>
+          </p:cNvPicPr>
+          <p:nvPr/>
+        </p:nvPicPr>
+        <p:blipFill>
+          <a:blip r:embed="rId2">
+            <a:extLst>
+              <a:ext uri="{28A0092B-C50C-407E-A947-70E740481C1C}">
+                <a14:useLocalDpi xmlns:a14="http://schemas.microsoft.com/office/drawing/2010/main" val="0"/>
+              </a:ext>
+            </a:extLst>
+          </a:blip>
+          <a:stretch>
+            <a:fillRect/>
+          </a:stretch>
+        </p:blipFill>
+        <p:spPr>
+          <a:xfrm>
+            <a:off x="23076" y="0"/>
+            <a:ext cx="15077352" cy="21383625"/>
+          </a:xfrm>
+          <a:prstGeom prst="rect">
+            <a:avLst/>
+          </a:prstGeom>
+        </p:spPr>
+      </p:pic>
       <p:sp>
         <p:nvSpPr>
           <p:cNvPr id="2" name="Title 1"/>
@@ -1115,126 +3709,130 @@
         </p:nvSpPr>
         <p:spPr>
           <a:xfrm>
-            <a:off x="1039455" y="5692400"/>
-            <a:ext cx="6425724" cy="13567714"/>
-          </a:xfrm>
-        </p:spPr>
+            <a:off x="755969" y="6679087"/>
+            <a:ext cx="6304769" cy="11378203"/>
+          </a:xfrm>
+        </p:spPr>
+        <p:txBody>
+          <a:bodyPr>
+            <a:normAutofit/>
+          </a:bodyPr>
+          <a:lstStyle/>
+          <a:p>
+            <a:pPr lvl="0"/>
+            <a:r>
+              <a:rPr lang="en-US" smtClean="0"/>
+              <a:t>Edit Master text styles</a:t>
+            </a:r>
+          </a:p>
+          <a:p>
+            <a:pPr lvl="1"/>
+            <a:r>
+              <a:rPr lang="en-US" smtClean="0"/>
+              <a:t>Second level</a:t>
+            </a:r>
+          </a:p>
+          <a:p>
+            <a:pPr lvl="2"/>
+            <a:r>
+              <a:rPr lang="en-US" smtClean="0"/>
+              <a:t>Third level</a:t>
+            </a:r>
+          </a:p>
+          <a:p>
+            <a:pPr lvl="3"/>
+            <a:r>
+              <a:rPr lang="en-US" smtClean="0"/>
+              <a:t>Fourth level</a:t>
+            </a:r>
+          </a:p>
+          <a:p>
+            <a:pPr lvl="4"/>
+            <a:r>
+              <a:rPr lang="en-US" smtClean="0"/>
+              <a:t>Fifth level</a:t>
+            </a:r>
+            <a:endParaRPr lang="en-US" dirty="0"/>
+          </a:p>
+        </p:txBody>
+      </p:sp>
+      <p:sp>
+        <p:nvSpPr>
+          <p:cNvPr id="4" name="Content Placeholder 3"/>
+          <p:cNvSpPr>
+            <a:spLocks noGrp="1"/>
+          </p:cNvSpPr>
+          <p:nvPr>
+            <p:ph sz="half" idx="2"/>
+          </p:nvPr>
+        </p:nvSpPr>
+        <p:spPr>
+          <a:xfrm>
+            <a:off x="7302648" y="6679089"/>
+            <a:ext cx="6304769" cy="11378199"/>
+          </a:xfrm>
+        </p:spPr>
+        <p:txBody>
+          <a:bodyPr>
+            <a:normAutofit/>
+          </a:bodyPr>
+          <a:lstStyle/>
+          <a:p>
+            <a:pPr lvl="0"/>
+            <a:r>
+              <a:rPr lang="en-US" smtClean="0"/>
+              <a:t>Edit Master text styles</a:t>
+            </a:r>
+          </a:p>
+          <a:p>
+            <a:pPr lvl="1"/>
+            <a:r>
+              <a:rPr lang="en-US" smtClean="0"/>
+              <a:t>Second level</a:t>
+            </a:r>
+          </a:p>
+          <a:p>
+            <a:pPr lvl="2"/>
+            <a:r>
+              <a:rPr lang="en-US" smtClean="0"/>
+              <a:t>Third level</a:t>
+            </a:r>
+          </a:p>
+          <a:p>
+            <a:pPr lvl="3"/>
+            <a:r>
+              <a:rPr lang="en-US" smtClean="0"/>
+              <a:t>Fourth level</a:t>
+            </a:r>
+          </a:p>
+          <a:p>
+            <a:pPr lvl="4"/>
+            <a:r>
+              <a:rPr lang="en-US" smtClean="0"/>
+              <a:t>Fifth level</a:t>
+            </a:r>
+            <a:endParaRPr lang="en-US" dirty="0"/>
+          </a:p>
+        </p:txBody>
+      </p:sp>
+      <p:sp>
+        <p:nvSpPr>
+          <p:cNvPr id="5" name="Date Placeholder 4"/>
+          <p:cNvSpPr>
+            <a:spLocks noGrp="1"/>
+          </p:cNvSpPr>
+          <p:nvPr>
+            <p:ph type="dt" sz="half" idx="10"/>
+          </p:nvPr>
+        </p:nvSpPr>
+        <p:spPr/>
         <p:txBody>
           <a:bodyPr/>
           <a:lstStyle/>
           <a:p>
-            <a:pPr lvl="0"/>
-            <a:r>
-              <a:rPr lang="en-US" smtClean="0"/>
-              <a:t>Edit Master text styles</a:t>
-            </a:r>
-          </a:p>
-          <a:p>
-            <a:pPr lvl="1"/>
-            <a:r>
-              <a:rPr lang="en-US" smtClean="0"/>
-              <a:t>Second level</a:t>
-            </a:r>
-          </a:p>
-          <a:p>
-            <a:pPr lvl="2"/>
-            <a:r>
-              <a:rPr lang="en-US" smtClean="0"/>
-              <a:t>Third level</a:t>
-            </a:r>
-          </a:p>
-          <a:p>
-            <a:pPr lvl="3"/>
-            <a:r>
-              <a:rPr lang="en-US" smtClean="0"/>
-              <a:t>Fourth level</a:t>
-            </a:r>
-          </a:p>
-          <a:p>
-            <a:pPr lvl="4"/>
-            <a:r>
-              <a:rPr lang="en-US" smtClean="0"/>
-              <a:t>Fifth level</a:t>
-            </a:r>
-            <a:endParaRPr lang="en-US" dirty="0"/>
-          </a:p>
-        </p:txBody>
-      </p:sp>
-      <p:sp>
-        <p:nvSpPr>
-          <p:cNvPr id="4" name="Content Placeholder 3"/>
-          <p:cNvSpPr>
-            <a:spLocks noGrp="1"/>
-          </p:cNvSpPr>
-          <p:nvPr>
-            <p:ph sz="half" idx="2"/>
-          </p:nvPr>
-        </p:nvSpPr>
-        <p:spPr>
-          <a:xfrm>
-            <a:off x="7654171" y="5692400"/>
-            <a:ext cx="6425724" cy="13567714"/>
-          </a:xfrm>
-        </p:spPr>
-        <p:txBody>
-          <a:bodyPr/>
-          <a:lstStyle/>
-          <a:p>
-            <a:pPr lvl="0"/>
-            <a:r>
-              <a:rPr lang="en-US" smtClean="0"/>
-              <a:t>Edit Master text styles</a:t>
-            </a:r>
-          </a:p>
-          <a:p>
-            <a:pPr lvl="1"/>
-            <a:r>
-              <a:rPr lang="en-US" smtClean="0"/>
-              <a:t>Second level</a:t>
-            </a:r>
-          </a:p>
-          <a:p>
-            <a:pPr lvl="2"/>
-            <a:r>
-              <a:rPr lang="en-US" smtClean="0"/>
-              <a:t>Third level</a:t>
-            </a:r>
-          </a:p>
-          <a:p>
-            <a:pPr lvl="3"/>
-            <a:r>
-              <a:rPr lang="en-US" smtClean="0"/>
-              <a:t>Fourth level</a:t>
-            </a:r>
-          </a:p>
-          <a:p>
-            <a:pPr lvl="4"/>
-            <a:r>
-              <a:rPr lang="en-US" smtClean="0"/>
-              <a:t>Fifth level</a:t>
-            </a:r>
-            <a:endParaRPr lang="en-US" dirty="0"/>
-          </a:p>
-        </p:txBody>
-      </p:sp>
-      <p:sp>
-        <p:nvSpPr>
-          <p:cNvPr id="5" name="Date Placeholder 4"/>
-          <p:cNvSpPr>
-            <a:spLocks noGrp="1"/>
-          </p:cNvSpPr>
-          <p:nvPr>
-            <p:ph type="dt" sz="half" idx="10"/>
-          </p:nvPr>
-        </p:nvSpPr>
-        <p:spPr/>
-        <p:txBody>
-          <a:bodyPr/>
-          <a:lstStyle/>
-          <a:p>
             <a:fld id="{E1180FB8-4ADF-47CC-B7C0-7387B91BF917}" type="datetimeFigureOut">
               <a:rPr lang="bg-BG" smtClean="0"/>
-              <a:t>05.04.2022</a:t>
+              <a:t>06.04.2022</a:t>
             </a:fld>
             <a:endParaRPr lang="bg-BG"/>
           </a:p>
@@ -1285,7 +3883,7 @@
     </p:spTree>
     <p:extLst>
       <p:ext uri="{BB962C8B-B14F-4D97-AF65-F5344CB8AC3E}">
-        <p14:creationId xmlns:p14="http://schemas.microsoft.com/office/powerpoint/2010/main" val="1314860230"/>
+        <p14:creationId xmlns:p14="http://schemas.microsoft.com/office/powerpoint/2010/main" val="2085668310"/>
       </p:ext>
     </p:extLst>
   </p:cSld>
@@ -1312,6 +3910,36 @@
           <a:chExt cx="0" cy="0"/>
         </a:xfrm>
       </p:grpSpPr>
+      <p:pic>
+        <p:nvPicPr>
+          <p:cNvPr id="13" name="Picture 12" descr="Celestia-R1---OverlayContentSD.png"/>
+          <p:cNvPicPr>
+            <a:picLocks noChangeAspect="1"/>
+          </p:cNvPicPr>
+          <p:nvPr/>
+        </p:nvPicPr>
+        <p:blipFill>
+          <a:blip r:embed="rId2">
+            <a:extLst>
+              <a:ext uri="{28A0092B-C50C-407E-A947-70E740481C1C}">
+                <a14:useLocalDpi xmlns:a14="http://schemas.microsoft.com/office/drawing/2010/main" val="0"/>
+              </a:ext>
+            </a:extLst>
+          </a:blip>
+          <a:stretch>
+            <a:fillRect/>
+          </a:stretch>
+        </p:blipFill>
+        <p:spPr>
+          <a:xfrm>
+            <a:off x="23076" y="0"/>
+            <a:ext cx="15077352" cy="21383625"/>
+          </a:xfrm>
+          <a:prstGeom prst="rect">
+            <a:avLst/>
+          </a:prstGeom>
+        </p:spPr>
+      </p:pic>
       <p:sp>
         <p:nvSpPr>
           <p:cNvPr id="2" name="Title 1"/>
@@ -1322,46 +3950,49 @@
             <p:ph type="title"/>
           </p:nvPr>
         </p:nvSpPr>
+        <p:spPr/>
+        <p:txBody>
+          <a:bodyPr>
+            <a:normAutofit/>
+          </a:bodyPr>
+          <a:lstStyle>
+            <a:lvl1pPr>
+              <a:defRPr sz="5291"/>
+            </a:lvl1pPr>
+          </a:lstStyle>
+          <a:p>
+            <a:r>
+              <a:rPr lang="en-US" smtClean="0"/>
+              <a:t>Click to edit Master title style</a:t>
+            </a:r>
+            <a:endParaRPr lang="en-US" dirty="0"/>
+          </a:p>
+        </p:txBody>
+      </p:sp>
+      <p:sp>
+        <p:nvSpPr>
+          <p:cNvPr id="3" name="Text Placeholder 2"/>
+          <p:cNvSpPr>
+            <a:spLocks noGrp="1"/>
+          </p:cNvSpPr>
+          <p:nvPr>
+            <p:ph type="body" idx="1"/>
+          </p:nvPr>
+        </p:nvSpPr>
         <p:spPr>
           <a:xfrm>
-            <a:off x="1041425" y="1138485"/>
-            <a:ext cx="13040439" cy="4133179"/>
-          </a:xfrm>
-        </p:spPr>
-        <p:txBody>
-          <a:bodyPr/>
-          <a:lstStyle/>
-          <a:p>
-            <a:r>
-              <a:rPr lang="en-US" smtClean="0"/>
-              <a:t>Click to edit Master title style</a:t>
-            </a:r>
-            <a:endParaRPr lang="en-US" dirty="0"/>
-          </a:p>
-        </p:txBody>
-      </p:sp>
-      <p:sp>
-        <p:nvSpPr>
-          <p:cNvPr id="3" name="Text Placeholder 2"/>
-          <p:cNvSpPr>
-            <a:spLocks noGrp="1"/>
-          </p:cNvSpPr>
-          <p:nvPr>
-            <p:ph type="body" idx="1"/>
-          </p:nvPr>
-        </p:nvSpPr>
-        <p:spPr>
-          <a:xfrm>
-            <a:off x="1041426" y="5241960"/>
-            <a:ext cx="6396193" cy="2569003"/>
-          </a:xfrm>
-        </p:spPr>
-        <p:txBody>
-          <a:bodyPr anchor="b"/>
+            <a:off x="1229324" y="6916680"/>
+            <a:ext cx="5854289" cy="1796817"/>
+          </a:xfrm>
+        </p:spPr>
+        <p:txBody>
+          <a:bodyPr anchor="b">
+            <a:noAutofit/>
+          </a:bodyPr>
           <a:lstStyle>
             <a:lvl1pPr marL="0" indent="0">
               <a:buNone/>
-              <a:defRPr sz="3968" b="1"/>
+              <a:defRPr sz="3968" b="0"/>
             </a:lvl1pPr>
             <a:lvl2pPr marL="755980" indent="0">
               <a:buNone/>
@@ -1417,12 +4048,14 @@
         </p:nvSpPr>
         <p:spPr>
           <a:xfrm>
-            <a:off x="1041426" y="7810963"/>
-            <a:ext cx="6396193" cy="11488750"/>
-          </a:xfrm>
-        </p:spPr>
-        <p:txBody>
-          <a:bodyPr/>
+            <a:off x="755967" y="8949446"/>
+            <a:ext cx="6304769" cy="9107834"/>
+          </a:xfrm>
+        </p:spPr>
+        <p:txBody>
+          <a:bodyPr anchor="t">
+            <a:normAutofit/>
+          </a:bodyPr>
           <a:lstStyle/>
           <a:p>
             <a:pPr lvl="0"/>
@@ -1474,16 +4107,18 @@
         </p:nvSpPr>
         <p:spPr>
           <a:xfrm>
-            <a:off x="7654172" y="5241960"/>
-            <a:ext cx="6427693" cy="2569003"/>
-          </a:xfrm>
-        </p:spPr>
-        <p:txBody>
-          <a:bodyPr anchor="b"/>
+            <a:off x="7789706" y="6916680"/>
+            <a:ext cx="5817709" cy="1796817"/>
+          </a:xfrm>
+        </p:spPr>
+        <p:txBody>
+          <a:bodyPr anchor="b">
+            <a:noAutofit/>
+          </a:bodyPr>
           <a:lstStyle>
             <a:lvl1pPr marL="0" indent="0">
               <a:buNone/>
-              <a:defRPr sz="3968" b="1"/>
+              <a:defRPr sz="3968" b="0"/>
             </a:lvl1pPr>
             <a:lvl2pPr marL="755980" indent="0">
               <a:buNone/>
@@ -1539,69 +4174,71 @@
         </p:nvSpPr>
         <p:spPr>
           <a:xfrm>
-            <a:off x="7654172" y="7810963"/>
-            <a:ext cx="6427693" cy="11488750"/>
-          </a:xfrm>
-        </p:spPr>
+            <a:off x="7302646" y="8949446"/>
+            <a:ext cx="6304769" cy="9107834"/>
+          </a:xfrm>
+        </p:spPr>
+        <p:txBody>
+          <a:bodyPr anchor="t">
+            <a:normAutofit/>
+          </a:bodyPr>
+          <a:lstStyle/>
+          <a:p>
+            <a:pPr lvl="0"/>
+            <a:r>
+              <a:rPr lang="en-US" smtClean="0"/>
+              <a:t>Edit Master text styles</a:t>
+            </a:r>
+          </a:p>
+          <a:p>
+            <a:pPr lvl="1"/>
+            <a:r>
+              <a:rPr lang="en-US" smtClean="0"/>
+              <a:t>Second level</a:t>
+            </a:r>
+          </a:p>
+          <a:p>
+            <a:pPr lvl="2"/>
+            <a:r>
+              <a:rPr lang="en-US" smtClean="0"/>
+              <a:t>Third level</a:t>
+            </a:r>
+          </a:p>
+          <a:p>
+            <a:pPr lvl="3"/>
+            <a:r>
+              <a:rPr lang="en-US" smtClean="0"/>
+              <a:t>Fourth level</a:t>
+            </a:r>
+          </a:p>
+          <a:p>
+            <a:pPr lvl="4"/>
+            <a:r>
+              <a:rPr lang="en-US" smtClean="0"/>
+              <a:t>Fifth level</a:t>
+            </a:r>
+            <a:endParaRPr lang="en-US" dirty="0"/>
+          </a:p>
+        </p:txBody>
+      </p:sp>
+      <p:sp>
+        <p:nvSpPr>
+          <p:cNvPr id="7" name="Date Placeholder 6"/>
+          <p:cNvSpPr>
+            <a:spLocks noGrp="1"/>
+          </p:cNvSpPr>
+          <p:nvPr>
+            <p:ph type="dt" sz="half" idx="10"/>
+          </p:nvPr>
+        </p:nvSpPr>
+        <p:spPr/>
         <p:txBody>
           <a:bodyPr/>
           <a:lstStyle/>
           <a:p>
-            <a:pPr lvl="0"/>
-            <a:r>
-              <a:rPr lang="en-US" smtClean="0"/>
-              <a:t>Edit Master text styles</a:t>
-            </a:r>
-          </a:p>
-          <a:p>
-            <a:pPr lvl="1"/>
-            <a:r>
-              <a:rPr lang="en-US" smtClean="0"/>
-              <a:t>Second level</a:t>
-            </a:r>
-          </a:p>
-          <a:p>
-            <a:pPr lvl="2"/>
-            <a:r>
-              <a:rPr lang="en-US" smtClean="0"/>
-              <a:t>Third level</a:t>
-            </a:r>
-          </a:p>
-          <a:p>
-            <a:pPr lvl="3"/>
-            <a:r>
-              <a:rPr lang="en-US" smtClean="0"/>
-              <a:t>Fourth level</a:t>
-            </a:r>
-          </a:p>
-          <a:p>
-            <a:pPr lvl="4"/>
-            <a:r>
-              <a:rPr lang="en-US" smtClean="0"/>
-              <a:t>Fifth level</a:t>
-            </a:r>
-            <a:endParaRPr lang="en-US" dirty="0"/>
-          </a:p>
-        </p:txBody>
-      </p:sp>
-      <p:sp>
-        <p:nvSpPr>
-          <p:cNvPr id="7" name="Date Placeholder 6"/>
-          <p:cNvSpPr>
-            <a:spLocks noGrp="1"/>
-          </p:cNvSpPr>
-          <p:nvPr>
-            <p:ph type="dt" sz="half" idx="10"/>
-          </p:nvPr>
-        </p:nvSpPr>
-        <p:spPr/>
-        <p:txBody>
-          <a:bodyPr/>
-          <a:lstStyle/>
-          <a:p>
             <a:fld id="{E1180FB8-4ADF-47CC-B7C0-7387B91BF917}" type="datetimeFigureOut">
               <a:rPr lang="bg-BG" smtClean="0"/>
-              <a:t>05.04.2022</a:t>
+              <a:t>06.04.2022</a:t>
             </a:fld>
             <a:endParaRPr lang="bg-BG"/>
           </a:p>
@@ -1652,7 +4289,7 @@
     </p:spTree>
     <p:extLst>
       <p:ext uri="{BB962C8B-B14F-4D97-AF65-F5344CB8AC3E}">
-        <p14:creationId xmlns:p14="http://schemas.microsoft.com/office/powerpoint/2010/main" val="3505445804"/>
+        <p14:creationId xmlns:p14="http://schemas.microsoft.com/office/powerpoint/2010/main" val="3887721468"/>
       </p:ext>
     </p:extLst>
   </p:cSld>
@@ -1679,6 +4316,36 @@
           <a:chExt cx="0" cy="0"/>
         </a:xfrm>
       </p:grpSpPr>
+      <p:pic>
+        <p:nvPicPr>
+          <p:cNvPr id="6" name="Picture 5" descr="Celestia-R1---OverlayContentSD.png"/>
+          <p:cNvPicPr>
+            <a:picLocks noChangeAspect="1"/>
+          </p:cNvPicPr>
+          <p:nvPr/>
+        </p:nvPicPr>
+        <p:blipFill>
+          <a:blip r:embed="rId2">
+            <a:extLst>
+              <a:ext uri="{28A0092B-C50C-407E-A947-70E740481C1C}">
+                <a14:useLocalDpi xmlns:a14="http://schemas.microsoft.com/office/drawing/2010/main" val="0"/>
+              </a:ext>
+            </a:extLst>
+          </a:blip>
+          <a:stretch>
+            <a:fillRect/>
+          </a:stretch>
+        </p:blipFill>
+        <p:spPr>
+          <a:xfrm>
+            <a:off x="23076" y="0"/>
+            <a:ext cx="15077352" cy="21383625"/>
+          </a:xfrm>
+          <a:prstGeom prst="rect">
+            <a:avLst/>
+          </a:prstGeom>
+        </p:spPr>
+      </p:pic>
       <p:sp>
         <p:nvSpPr>
           <p:cNvPr id="2" name="Title 1"/>
@@ -1687,6 +4354,40 @@
           </p:cNvSpPr>
           <p:nvPr>
             <p:ph type="title"/>
+          </p:nvPr>
+        </p:nvSpPr>
+        <p:spPr>
+          <a:xfrm>
+            <a:off x="755969" y="1900772"/>
+            <a:ext cx="12851448" cy="4540721"/>
+          </a:xfrm>
+        </p:spPr>
+        <p:txBody>
+          <a:bodyPr>
+            <a:normAutofit/>
+          </a:bodyPr>
+          <a:lstStyle>
+            <a:lvl1pPr>
+              <a:defRPr sz="5291"/>
+            </a:lvl1pPr>
+          </a:lstStyle>
+          <a:p>
+            <a:r>
+              <a:rPr lang="en-US" smtClean="0"/>
+              <a:t>Click to edit Master title style</a:t>
+            </a:r>
+            <a:endParaRPr lang="en-US" dirty="0"/>
+          </a:p>
+        </p:txBody>
+      </p:sp>
+      <p:sp>
+        <p:nvSpPr>
+          <p:cNvPr id="3" name="Date Placeholder 2"/>
+          <p:cNvSpPr>
+            <a:spLocks noGrp="1"/>
+          </p:cNvSpPr>
+          <p:nvPr>
+            <p:ph type="dt" sz="half" idx="10"/>
           </p:nvPr>
         </p:nvSpPr>
         <p:spPr/>
@@ -1694,32 +4395,9 @@
           <a:bodyPr/>
           <a:lstStyle/>
           <a:p>
-            <a:r>
-              <a:rPr lang="en-US" smtClean="0"/>
-              <a:t>Click to edit Master title style</a:t>
-            </a:r>
-            <a:endParaRPr lang="en-US" dirty="0"/>
-          </a:p>
-        </p:txBody>
-      </p:sp>
-      <p:sp>
-        <p:nvSpPr>
-          <p:cNvPr id="3" name="Date Placeholder 2"/>
-          <p:cNvSpPr>
-            <a:spLocks noGrp="1"/>
-          </p:cNvSpPr>
-          <p:nvPr>
-            <p:ph type="dt" sz="half" idx="10"/>
-          </p:nvPr>
-        </p:nvSpPr>
-        <p:spPr/>
-        <p:txBody>
-          <a:bodyPr/>
-          <a:lstStyle/>
-          <a:p>
             <a:fld id="{E1180FB8-4ADF-47CC-B7C0-7387B91BF917}" type="datetimeFigureOut">
               <a:rPr lang="bg-BG" smtClean="0"/>
-              <a:t>05.04.2022</a:t>
+              <a:t>06.04.2022</a:t>
             </a:fld>
             <a:endParaRPr lang="bg-BG"/>
           </a:p>
@@ -1770,7 +4448,7 @@
     </p:spTree>
     <p:extLst>
       <p:ext uri="{BB962C8B-B14F-4D97-AF65-F5344CB8AC3E}">
-        <p14:creationId xmlns:p14="http://schemas.microsoft.com/office/powerpoint/2010/main" val="1696203234"/>
+        <p14:creationId xmlns:p14="http://schemas.microsoft.com/office/powerpoint/2010/main" val="3711387781"/>
       </p:ext>
     </p:extLst>
   </p:cSld>
@@ -1797,6 +4475,36 @@
           <a:chExt cx="0" cy="0"/>
         </a:xfrm>
       </p:grpSpPr>
+      <p:pic>
+        <p:nvPicPr>
+          <p:cNvPr id="5" name="Picture 4" descr="Celestia-R1---OverlayContentSD.png"/>
+          <p:cNvPicPr>
+            <a:picLocks noChangeAspect="1"/>
+          </p:cNvPicPr>
+          <p:nvPr/>
+        </p:nvPicPr>
+        <p:blipFill>
+          <a:blip r:embed="rId2">
+            <a:extLst>
+              <a:ext uri="{28A0092B-C50C-407E-A947-70E740481C1C}">
+                <a14:useLocalDpi xmlns:a14="http://schemas.microsoft.com/office/drawing/2010/main" val="0"/>
+              </a:ext>
+            </a:extLst>
+          </a:blip>
+          <a:stretch>
+            <a:fillRect/>
+          </a:stretch>
+        </p:blipFill>
+        <p:spPr>
+          <a:xfrm>
+            <a:off x="23076" y="0"/>
+            <a:ext cx="15077352" cy="21383625"/>
+          </a:xfrm>
+          <a:prstGeom prst="rect">
+            <a:avLst/>
+          </a:prstGeom>
+        </p:spPr>
+      </p:pic>
       <p:sp>
         <p:nvSpPr>
           <p:cNvPr id="2" name="Date Placeholder 1"/>
@@ -1814,7 +4522,7 @@
           <a:p>
             <a:fld id="{E1180FB8-4ADF-47CC-B7C0-7387B91BF917}" type="datetimeFigureOut">
               <a:rPr lang="bg-BG" smtClean="0"/>
-              <a:t>05.04.2022</a:t>
+              <a:t>06.04.2022</a:t>
             </a:fld>
             <a:endParaRPr lang="bg-BG"/>
           </a:p>
@@ -1865,7 +4573,7 @@
     </p:spTree>
     <p:extLst>
       <p:ext uri="{BB962C8B-B14F-4D97-AF65-F5344CB8AC3E}">
-        <p14:creationId xmlns:p14="http://schemas.microsoft.com/office/powerpoint/2010/main" val="1878150656"/>
+        <p14:creationId xmlns:p14="http://schemas.microsoft.com/office/powerpoint/2010/main" val="1040487807"/>
       </p:ext>
     </p:extLst>
   </p:cSld>
@@ -1892,6 +4600,36 @@
           <a:chExt cx="0" cy="0"/>
         </a:xfrm>
       </p:grpSpPr>
+      <p:pic>
+        <p:nvPicPr>
+          <p:cNvPr id="12" name="Picture 11" descr="Celestia-R1---OverlayContentSD.png"/>
+          <p:cNvPicPr>
+            <a:picLocks noChangeAspect="1"/>
+          </p:cNvPicPr>
+          <p:nvPr/>
+        </p:nvPicPr>
+        <p:blipFill>
+          <a:blip r:embed="rId2">
+            <a:extLst>
+              <a:ext uri="{28A0092B-C50C-407E-A947-70E740481C1C}">
+                <a14:useLocalDpi xmlns:a14="http://schemas.microsoft.com/office/drawing/2010/main" val="0"/>
+              </a:ext>
+            </a:extLst>
+          </a:blip>
+          <a:stretch>
+            <a:fillRect/>
+          </a:stretch>
+        </p:blipFill>
+        <p:spPr>
+          <a:xfrm>
+            <a:off x="23076" y="0"/>
+            <a:ext cx="15077352" cy="21383625"/>
+          </a:xfrm>
+          <a:prstGeom prst="rect">
+            <a:avLst/>
+          </a:prstGeom>
+        </p:spPr>
+      </p:pic>
       <p:sp>
         <p:nvSpPr>
           <p:cNvPr id="2" name="Title 1"/>
@@ -1904,15 +4642,17 @@
         </p:nvSpPr>
         <p:spPr>
           <a:xfrm>
-            <a:off x="1041425" y="1425575"/>
-            <a:ext cx="4876384" cy="4989513"/>
-          </a:xfrm>
-        </p:spPr>
-        <p:txBody>
-          <a:bodyPr anchor="b"/>
+            <a:off x="763438" y="4857519"/>
+            <a:ext cx="4733742" cy="4487917"/>
+          </a:xfrm>
+        </p:spPr>
+        <p:txBody>
+          <a:bodyPr anchor="b">
+            <a:normAutofit/>
+          </a:bodyPr>
           <a:lstStyle>
-            <a:lvl1pPr>
-              <a:defRPr sz="5291"/>
+            <a:lvl1pPr algn="l">
+              <a:defRPr sz="3968" b="0"/>
             </a:lvl1pPr>
           </a:lstStyle>
           <a:p>
@@ -1936,39 +4676,109 @@
         </p:nvSpPr>
         <p:spPr>
           <a:xfrm>
-            <a:off x="6427693" y="3078850"/>
-            <a:ext cx="7654171" cy="15196234"/>
-          </a:xfrm>
-        </p:spPr>
-        <p:txBody>
-          <a:bodyPr/>
+            <a:off x="5962660" y="1900770"/>
+            <a:ext cx="7652228" cy="16156517"/>
+          </a:xfrm>
+        </p:spPr>
+        <p:txBody>
+          <a:bodyPr anchor="ctr">
+            <a:normAutofit/>
+          </a:bodyPr>
+          <a:lstStyle/>
+          <a:p>
+            <a:pPr lvl="0"/>
+            <a:r>
+              <a:rPr lang="en-US" smtClean="0"/>
+              <a:t>Edit Master text styles</a:t>
+            </a:r>
+          </a:p>
+          <a:p>
+            <a:pPr lvl="1"/>
+            <a:r>
+              <a:rPr lang="en-US" smtClean="0"/>
+              <a:t>Second level</a:t>
+            </a:r>
+          </a:p>
+          <a:p>
+            <a:pPr lvl="2"/>
+            <a:r>
+              <a:rPr lang="en-US" smtClean="0"/>
+              <a:t>Third level</a:t>
+            </a:r>
+          </a:p>
+          <a:p>
+            <a:pPr lvl="3"/>
+            <a:r>
+              <a:rPr lang="en-US" smtClean="0"/>
+              <a:t>Fourth level</a:t>
+            </a:r>
+          </a:p>
+          <a:p>
+            <a:pPr lvl="4"/>
+            <a:r>
+              <a:rPr lang="en-US" smtClean="0"/>
+              <a:t>Fifth level</a:t>
+            </a:r>
+            <a:endParaRPr lang="en-US" dirty="0"/>
+          </a:p>
+        </p:txBody>
+      </p:sp>
+      <p:sp>
+        <p:nvSpPr>
+          <p:cNvPr id="4" name="Text Placeholder 3"/>
+          <p:cNvSpPr>
+            <a:spLocks noGrp="1"/>
+          </p:cNvSpPr>
+          <p:nvPr>
+            <p:ph type="body" sz="half" idx="2"/>
+          </p:nvPr>
+        </p:nvSpPr>
+        <p:spPr>
+          <a:xfrm>
+            <a:off x="763438" y="9345438"/>
+            <a:ext cx="4733742" cy="5755104"/>
+          </a:xfrm>
+        </p:spPr>
+        <p:txBody>
+          <a:bodyPr anchor="t">
+            <a:normAutofit/>
+          </a:bodyPr>
           <a:lstStyle>
-            <a:lvl1pPr>
-              <a:defRPr sz="5291"/>
+            <a:lvl1pPr marL="0" indent="0">
+              <a:buNone/>
+              <a:defRPr sz="2315"/>
             </a:lvl1pPr>
-            <a:lvl2pPr>
-              <a:defRPr sz="4630"/>
+            <a:lvl2pPr marL="755980" indent="0">
+              <a:buNone/>
+              <a:defRPr sz="1984"/>
             </a:lvl2pPr>
-            <a:lvl3pPr>
-              <a:defRPr sz="3968"/>
+            <a:lvl3pPr marL="1511960" indent="0">
+              <a:buNone/>
+              <a:defRPr sz="1654"/>
             </a:lvl3pPr>
-            <a:lvl4pPr>
-              <a:defRPr sz="3307"/>
+            <a:lvl4pPr marL="2267941" indent="0">
+              <a:buNone/>
+              <a:defRPr sz="1488"/>
             </a:lvl4pPr>
-            <a:lvl5pPr>
-              <a:defRPr sz="3307"/>
+            <a:lvl5pPr marL="3023921" indent="0">
+              <a:buNone/>
+              <a:defRPr sz="1488"/>
             </a:lvl5pPr>
-            <a:lvl6pPr>
-              <a:defRPr sz="3307"/>
+            <a:lvl6pPr marL="3779901" indent="0">
+              <a:buNone/>
+              <a:defRPr sz="1488"/>
             </a:lvl6pPr>
-            <a:lvl7pPr>
-              <a:defRPr sz="3307"/>
+            <a:lvl7pPr marL="4535881" indent="0">
+              <a:buNone/>
+              <a:defRPr sz="1488"/>
             </a:lvl7pPr>
-            <a:lvl8pPr>
-              <a:defRPr sz="3307"/>
+            <a:lvl8pPr marL="5291861" indent="0">
+              <a:buNone/>
+              <a:defRPr sz="1488"/>
             </a:lvl8pPr>
-            <a:lvl9pPr>
-              <a:defRPr sz="3307"/>
+            <a:lvl9pPr marL="6047842" indent="0">
+              <a:buNone/>
+              <a:defRPr sz="1488"/>
             </a:lvl9pPr>
           </a:lstStyle>
           <a:p>
@@ -1978,100 +4788,6 @@
               <a:t>Edit Master text styles</a:t>
             </a:r>
           </a:p>
-          <a:p>
-            <a:pPr lvl="1"/>
-            <a:r>
-              <a:rPr lang="en-US" smtClean="0"/>
-              <a:t>Second level</a:t>
-            </a:r>
-          </a:p>
-          <a:p>
-            <a:pPr lvl="2"/>
-            <a:r>
-              <a:rPr lang="en-US" smtClean="0"/>
-              <a:t>Third level</a:t>
-            </a:r>
-          </a:p>
-          <a:p>
-            <a:pPr lvl="3"/>
-            <a:r>
-              <a:rPr lang="en-US" smtClean="0"/>
-              <a:t>Fourth level</a:t>
-            </a:r>
-          </a:p>
-          <a:p>
-            <a:pPr lvl="4"/>
-            <a:r>
-              <a:rPr lang="en-US" smtClean="0"/>
-              <a:t>Fifth level</a:t>
-            </a:r>
-            <a:endParaRPr lang="en-US" dirty="0"/>
-          </a:p>
-        </p:txBody>
-      </p:sp>
-      <p:sp>
-        <p:nvSpPr>
-          <p:cNvPr id="4" name="Text Placeholder 3"/>
-          <p:cNvSpPr>
-            <a:spLocks noGrp="1"/>
-          </p:cNvSpPr>
-          <p:nvPr>
-            <p:ph type="body" sz="half" idx="2"/>
-          </p:nvPr>
-        </p:nvSpPr>
-        <p:spPr>
-          <a:xfrm>
-            <a:off x="1041425" y="6415088"/>
-            <a:ext cx="4876384" cy="11884743"/>
-          </a:xfrm>
-        </p:spPr>
-        <p:txBody>
-          <a:bodyPr/>
-          <a:lstStyle>
-            <a:lvl1pPr marL="0" indent="0">
-              <a:buNone/>
-              <a:defRPr sz="2646"/>
-            </a:lvl1pPr>
-            <a:lvl2pPr marL="755980" indent="0">
-              <a:buNone/>
-              <a:defRPr sz="2315"/>
-            </a:lvl2pPr>
-            <a:lvl3pPr marL="1511960" indent="0">
-              <a:buNone/>
-              <a:defRPr sz="1984"/>
-            </a:lvl3pPr>
-            <a:lvl4pPr marL="2267941" indent="0">
-              <a:buNone/>
-              <a:defRPr sz="1654"/>
-            </a:lvl4pPr>
-            <a:lvl5pPr marL="3023921" indent="0">
-              <a:buNone/>
-              <a:defRPr sz="1654"/>
-            </a:lvl5pPr>
-            <a:lvl6pPr marL="3779901" indent="0">
-              <a:buNone/>
-              <a:defRPr sz="1654"/>
-            </a:lvl6pPr>
-            <a:lvl7pPr marL="4535881" indent="0">
-              <a:buNone/>
-              <a:defRPr sz="1654"/>
-            </a:lvl7pPr>
-            <a:lvl8pPr marL="5291861" indent="0">
-              <a:buNone/>
-              <a:defRPr sz="1654"/>
-            </a:lvl8pPr>
-            <a:lvl9pPr marL="6047842" indent="0">
-              <a:buNone/>
-              <a:defRPr sz="1654"/>
-            </a:lvl9pPr>
-          </a:lstStyle>
-          <a:p>
-            <a:pPr lvl="0"/>
-            <a:r>
-              <a:rPr lang="en-US" smtClean="0"/>
-              <a:t>Edit Master text styles</a:t>
-            </a:r>
-          </a:p>
         </p:txBody>
       </p:sp>
       <p:sp>
@@ -2091,7 +4807,7 @@
           <a:p>
             <a:fld id="{E1180FB8-4ADF-47CC-B7C0-7387B91BF917}" type="datetimeFigureOut">
               <a:rPr lang="bg-BG" smtClean="0"/>
-              <a:t>05.04.2022</a:t>
+              <a:t>06.04.2022</a:t>
             </a:fld>
             <a:endParaRPr lang="bg-BG"/>
           </a:p>
@@ -2142,7 +4858,7 @@
     </p:spTree>
     <p:extLst>
       <p:ext uri="{BB962C8B-B14F-4D97-AF65-F5344CB8AC3E}">
-        <p14:creationId xmlns:p14="http://schemas.microsoft.com/office/powerpoint/2010/main" val="2657221321"/>
+        <p14:creationId xmlns:p14="http://schemas.microsoft.com/office/powerpoint/2010/main" val="758028120"/>
       </p:ext>
     </p:extLst>
   </p:cSld>
@@ -2169,6 +4885,36 @@
           <a:chExt cx="0" cy="0"/>
         </a:xfrm>
       </p:grpSpPr>
+      <p:pic>
+        <p:nvPicPr>
+          <p:cNvPr id="11" name="Picture 10" descr="Celestia-R1---OverlayContentSD.png"/>
+          <p:cNvPicPr>
+            <a:picLocks noChangeAspect="1"/>
+          </p:cNvPicPr>
+          <p:nvPr/>
+        </p:nvPicPr>
+        <p:blipFill>
+          <a:blip r:embed="rId2">
+            <a:extLst>
+              <a:ext uri="{28A0092B-C50C-407E-A947-70E740481C1C}">
+                <a14:useLocalDpi xmlns:a14="http://schemas.microsoft.com/office/drawing/2010/main" val="0"/>
+              </a:ext>
+            </a:extLst>
+          </a:blip>
+          <a:stretch>
+            <a:fillRect/>
+          </a:stretch>
+        </p:blipFill>
+        <p:spPr>
+          <a:xfrm>
+            <a:off x="23076" y="0"/>
+            <a:ext cx="15077352" cy="21383625"/>
+          </a:xfrm>
+          <a:prstGeom prst="rect">
+            <a:avLst/>
+          </a:prstGeom>
+        </p:spPr>
+      </p:pic>
       <p:sp>
         <p:nvSpPr>
           <p:cNvPr id="2" name="Title 1"/>
@@ -2181,21 +4927,91 @@
         </p:nvSpPr>
         <p:spPr>
           <a:xfrm>
-            <a:off x="1041425" y="1425575"/>
-            <a:ext cx="4876384" cy="4989513"/>
-          </a:xfrm>
-        </p:spPr>
-        <p:txBody>
-          <a:bodyPr anchor="b"/>
+            <a:off x="764116" y="5411922"/>
+            <a:ext cx="6774613" cy="4276725"/>
+          </a:xfrm>
+        </p:spPr>
+        <p:txBody>
+          <a:bodyPr anchor="b">
+            <a:normAutofit/>
+          </a:bodyPr>
+          <a:lstStyle>
+            <a:lvl1pPr algn="l">
+              <a:defRPr sz="3968" b="0"/>
+            </a:lvl1pPr>
+          </a:lstStyle>
+          <a:p>
+            <a:r>
+              <a:rPr lang="en-US" smtClean="0"/>
+              <a:t>Click to edit Master title style</a:t>
+            </a:r>
+            <a:endParaRPr lang="en-US" dirty="0"/>
+          </a:p>
+        </p:txBody>
+      </p:sp>
+      <p:sp>
+        <p:nvSpPr>
+          <p:cNvPr id="14" name="Picture Placeholder 2"/>
+          <p:cNvSpPr>
+            <a:spLocks noGrp="1" noChangeAspect="1"/>
+          </p:cNvSpPr>
+          <p:nvPr>
+            <p:ph type="pic" idx="1"/>
+          </p:nvPr>
+        </p:nvSpPr>
+        <p:spPr>
+          <a:xfrm>
+            <a:off x="8315642" y="2851150"/>
+            <a:ext cx="5291773" cy="14255750"/>
+          </a:xfrm>
+          <a:prstGeom prst="roundRect">
+            <a:avLst>
+              <a:gd name="adj" fmla="val 4280"/>
+            </a:avLst>
+          </a:prstGeom>
+          <a:ln w="50800" cap="sq" cmpd="dbl">
+            <a:gradFill flip="none" rotWithShape="1">
+              <a:gsLst>
+                <a:gs pos="0">
+                  <a:srgbClr val="FFFFFF"/>
+                </a:gs>
+                <a:gs pos="100000">
+                  <a:schemeClr val="tx1">
+                    <a:alpha val="0"/>
+                  </a:schemeClr>
+                </a:gs>
+              </a:gsLst>
+              <a:path path="circle">
+                <a:fillToRect l="50000" t="50000" r="50000" b="50000"/>
+              </a:path>
+              <a:tileRect/>
+            </a:gradFill>
+            <a:miter lim="800000"/>
+          </a:ln>
+          <a:effectLst>
+            <a:outerShdw blurRad="254000" algn="tl" rotWithShape="0">
+              <a:srgbClr val="000000">
+                <a:alpha val="43000"/>
+              </a:srgbClr>
+            </a:outerShdw>
+          </a:effectLst>
+        </p:spPr>
+        <p:txBody>
+          <a:bodyPr vert="horz" lIns="91440" tIns="45720" rIns="91440" bIns="45720" rtlCol="0" anchor="t">
+            <a:normAutofit/>
+          </a:bodyPr>
           <a:lstStyle>
             <a:lvl1pPr>
-              <a:defRPr sz="5291"/>
+              <a:defRPr lang="en-US" sz="2646" dirty="0"/>
             </a:lvl1pPr>
           </a:lstStyle>
           <a:p>
-            <a:r>
-              <a:rPr lang="en-US" smtClean="0"/>
-              <a:t>Click to edit Master title style</a:t>
+            <a:pPr marL="0" lvl="0" indent="0" algn="ctr">
+              <a:buNone/>
+            </a:pPr>
+            <a:r>
+              <a:rPr lang="en-US" smtClean="0"/>
+              <a:t>Click icon to add picture</a:t>
             </a:r>
             <a:endParaRPr lang="en-US" dirty="0"/>
           </a:p>
@@ -2203,87 +5019,24 @@
       </p:sp>
       <p:sp>
         <p:nvSpPr>
-          <p:cNvPr id="3" name="Picture Placeholder 2"/>
-          <p:cNvSpPr>
-            <a:spLocks noGrp="1" noChangeAspect="1"/>
-          </p:cNvSpPr>
-          <p:nvPr>
-            <p:ph type="pic" idx="1"/>
+          <p:cNvPr id="4" name="Text Placeholder 3"/>
+          <p:cNvSpPr>
+            <a:spLocks noGrp="1"/>
+          </p:cNvSpPr>
+          <p:nvPr>
+            <p:ph type="body" sz="half" idx="2"/>
           </p:nvPr>
         </p:nvSpPr>
         <p:spPr>
           <a:xfrm>
-            <a:off x="6427693" y="3078850"/>
-            <a:ext cx="7654171" cy="15196234"/>
-          </a:xfrm>
-        </p:spPr>
-        <p:txBody>
-          <a:bodyPr anchor="t"/>
-          <a:lstStyle>
-            <a:lvl1pPr marL="0" indent="0">
-              <a:buNone/>
-              <a:defRPr sz="5291"/>
-            </a:lvl1pPr>
-            <a:lvl2pPr marL="755980" indent="0">
-              <a:buNone/>
-              <a:defRPr sz="4630"/>
-            </a:lvl2pPr>
-            <a:lvl3pPr marL="1511960" indent="0">
-              <a:buNone/>
-              <a:defRPr sz="3968"/>
-            </a:lvl3pPr>
-            <a:lvl4pPr marL="2267941" indent="0">
-              <a:buNone/>
-              <a:defRPr sz="3307"/>
-            </a:lvl4pPr>
-            <a:lvl5pPr marL="3023921" indent="0">
-              <a:buNone/>
-              <a:defRPr sz="3307"/>
-            </a:lvl5pPr>
-            <a:lvl6pPr marL="3779901" indent="0">
-              <a:buNone/>
-              <a:defRPr sz="3307"/>
-            </a:lvl6pPr>
-            <a:lvl7pPr marL="4535881" indent="0">
-              <a:buNone/>
-              <a:defRPr sz="3307"/>
-            </a:lvl7pPr>
-            <a:lvl8pPr marL="5291861" indent="0">
-              <a:buNone/>
-              <a:defRPr sz="3307"/>
-            </a:lvl8pPr>
-            <a:lvl9pPr marL="6047842" indent="0">
-              <a:buNone/>
-              <a:defRPr sz="3307"/>
-            </a:lvl9pPr>
-          </a:lstStyle>
-          <a:p>
-            <a:r>
-              <a:rPr lang="en-US" smtClean="0"/>
-              <a:t>Click icon to add picture</a:t>
-            </a:r>
-            <a:endParaRPr lang="en-US" dirty="0"/>
-          </a:p>
-        </p:txBody>
-      </p:sp>
-      <p:sp>
-        <p:nvSpPr>
-          <p:cNvPr id="4" name="Text Placeholder 3"/>
-          <p:cNvSpPr>
-            <a:spLocks noGrp="1"/>
-          </p:cNvSpPr>
-          <p:nvPr>
-            <p:ph type="body" sz="half" idx="2"/>
-          </p:nvPr>
-        </p:nvSpPr>
-        <p:spPr>
-          <a:xfrm>
-            <a:off x="1041425" y="6415088"/>
-            <a:ext cx="4876384" cy="11884743"/>
-          </a:xfrm>
-        </p:spPr>
-        <p:txBody>
-          <a:bodyPr/>
+            <a:off x="764116" y="9688647"/>
+            <a:ext cx="6774613" cy="5702300"/>
+          </a:xfrm>
+        </p:spPr>
+        <p:txBody>
+          <a:bodyPr anchor="t">
+            <a:normAutofit/>
+          </a:bodyPr>
           <a:lstStyle>
             <a:lvl1pPr marL="0" indent="0">
               <a:buNone/>
@@ -2291,35 +5044,35 @@
             </a:lvl1pPr>
             <a:lvl2pPr marL="755980" indent="0">
               <a:buNone/>
-              <a:defRPr sz="2315"/>
+              <a:defRPr sz="1984"/>
             </a:lvl2pPr>
             <a:lvl3pPr marL="1511960" indent="0">
               <a:buNone/>
-              <a:defRPr sz="1984"/>
+              <a:defRPr sz="1654"/>
             </a:lvl3pPr>
             <a:lvl4pPr marL="2267941" indent="0">
               <a:buNone/>
-              <a:defRPr sz="1654"/>
+              <a:defRPr sz="1488"/>
             </a:lvl4pPr>
             <a:lvl5pPr marL="3023921" indent="0">
               <a:buNone/>
-              <a:defRPr sz="1654"/>
+              <a:defRPr sz="1488"/>
             </a:lvl5pPr>
             <a:lvl6pPr marL="3779901" indent="0">
               <a:buNone/>
-              <a:defRPr sz="1654"/>
+              <a:defRPr sz="1488"/>
             </a:lvl6pPr>
             <a:lvl7pPr marL="4535881" indent="0">
               <a:buNone/>
-              <a:defRPr sz="1654"/>
+              <a:defRPr sz="1488"/>
             </a:lvl7pPr>
             <a:lvl8pPr marL="5291861" indent="0">
               <a:buNone/>
-              <a:defRPr sz="1654"/>
+              <a:defRPr sz="1488"/>
             </a:lvl8pPr>
             <a:lvl9pPr marL="6047842" indent="0">
               <a:buNone/>
-              <a:defRPr sz="1654"/>
+              <a:defRPr sz="1488"/>
             </a:lvl9pPr>
           </a:lstStyle>
           <a:p>
@@ -2348,7 +5101,7 @@
           <a:p>
             <a:fld id="{E1180FB8-4ADF-47CC-B7C0-7387B91BF917}" type="datetimeFigureOut">
               <a:rPr lang="bg-BG" smtClean="0"/>
-              <a:t>05.04.2022</a:t>
+              <a:t>06.04.2022</a:t>
             </a:fld>
             <a:endParaRPr lang="bg-BG"/>
           </a:p>
@@ -2399,7 +5152,7 @@
     </p:spTree>
     <p:extLst>
       <p:ext uri="{BB962C8B-B14F-4D97-AF65-F5344CB8AC3E}">
-        <p14:creationId xmlns:p14="http://schemas.microsoft.com/office/powerpoint/2010/main" val="331875278"/>
+        <p14:creationId xmlns:p14="http://schemas.microsoft.com/office/powerpoint/2010/main" val="1486507173"/>
       </p:ext>
     </p:extLst>
   </p:cSld>
@@ -2413,8 +5166,8 @@
 <p:sldMaster xmlns:a="http://schemas.openxmlformats.org/drawingml/2006/main" xmlns:r="http://schemas.openxmlformats.org/officeDocument/2006/relationships" xmlns:p="http://schemas.openxmlformats.org/presentationml/2006/main">
   <p:cSld>
     <p:bg>
-      <p:bgRef idx="1001">
-        <a:schemeClr val="bg1"/>
+      <p:bgRef idx="1003">
+        <a:schemeClr val="bg2"/>
       </p:bgRef>
     </p:bg>
     <p:spTree>
@@ -2443,12 +5196,13 @@
         </p:nvSpPr>
         <p:spPr>
           <a:xfrm>
-            <a:off x="1039456" y="1138485"/>
-            <a:ext cx="13040439" cy="4133179"/>
+            <a:off x="755967" y="1900772"/>
+            <a:ext cx="12851448" cy="4540721"/>
           </a:xfrm>
           <a:prstGeom prst="rect">
             <a:avLst/>
           </a:prstGeom>
+          <a:effectLst/>
         </p:spPr>
         <p:txBody>
           <a:bodyPr vert="horz" lIns="91440" tIns="45720" rIns="91440" bIns="45720" rtlCol="0" anchor="ctr">
@@ -2476,15 +5230,15 @@
         </p:nvSpPr>
         <p:spPr>
           <a:xfrm>
-            <a:off x="1039456" y="5692400"/>
-            <a:ext cx="13040439" cy="13567714"/>
+            <a:off x="755967" y="6679089"/>
+            <a:ext cx="12851448" cy="11378199"/>
           </a:xfrm>
           <a:prstGeom prst="rect">
             <a:avLst/>
           </a:prstGeom>
         </p:spPr>
         <p:txBody>
-          <a:bodyPr vert="horz" lIns="91440" tIns="45720" rIns="91440" bIns="45720" rtlCol="0">
+          <a:bodyPr vert="horz" lIns="91440" tIns="45720" rIns="91440" bIns="45720" rtlCol="0" anchor="ctr">
             <a:normAutofit/>
           </a:bodyPr>
           <a:lstStyle/>
@@ -2538,8 +5292,8 @@
         </p:nvSpPr>
         <p:spPr>
           <a:xfrm>
-            <a:off x="1039455" y="19819457"/>
-            <a:ext cx="3401854" cy="1138480"/>
+            <a:off x="10786778" y="18304784"/>
+            <a:ext cx="2004294" cy="1178079"/>
           </a:xfrm>
           <a:prstGeom prst="rect">
             <a:avLst/>
@@ -2548,20 +5302,20 @@
         <p:txBody>
           <a:bodyPr vert="horz" lIns="91440" tIns="45720" rIns="91440" bIns="45720" rtlCol="0" anchor="ctr"/>
           <a:lstStyle>
-            <a:lvl1pPr algn="l">
-              <a:defRPr sz="1984">
-                <a:solidFill>
-                  <a:schemeClr val="tx1">
-                    <a:tint val="75000"/>
-                  </a:schemeClr>
-                </a:solidFill>
+            <a:lvl1pPr algn="r">
+              <a:defRPr sz="1654" b="0" i="0">
+                <a:solidFill>
+                  <a:schemeClr val="tx1"/>
+                </a:solidFill>
+                <a:effectLst/>
+                <a:latin typeface="+mn-lt"/>
               </a:defRPr>
             </a:lvl1pPr>
           </a:lstStyle>
           <a:p>
             <a:fld id="{E1180FB8-4ADF-47CC-B7C0-7387B91BF917}" type="datetimeFigureOut">
               <a:rPr lang="bg-BG" smtClean="0"/>
-              <a:t>05.04.2022</a:t>
+              <a:t>06.04.2022</a:t>
             </a:fld>
             <a:endParaRPr lang="bg-BG"/>
           </a:p>
@@ -2579,8 +5333,8 @@
         </p:nvSpPr>
         <p:spPr>
           <a:xfrm>
-            <a:off x="5008285" y="19819457"/>
-            <a:ext cx="5102781" cy="1138480"/>
+            <a:off x="755968" y="18304784"/>
+            <a:ext cx="9904813" cy="1178079"/>
           </a:xfrm>
           <a:prstGeom prst="rect">
             <a:avLst/>
@@ -2589,13 +5343,13 @@
         <p:txBody>
           <a:bodyPr vert="horz" lIns="91440" tIns="45720" rIns="91440" bIns="45720" rtlCol="0" anchor="ctr"/>
           <a:lstStyle>
-            <a:lvl1pPr algn="ctr">
-              <a:defRPr sz="1984">
-                <a:solidFill>
-                  <a:schemeClr val="tx1">
-                    <a:tint val="75000"/>
-                  </a:schemeClr>
-                </a:solidFill>
+            <a:lvl1pPr algn="l">
+              <a:defRPr sz="1654" b="0" i="0">
+                <a:solidFill>
+                  <a:schemeClr val="tx1"/>
+                </a:solidFill>
+                <a:effectLst/>
+                <a:latin typeface="+mn-lt"/>
               </a:defRPr>
             </a:lvl1pPr>
           </a:lstStyle>
@@ -2616,8 +5370,8 @@
         </p:nvSpPr>
         <p:spPr>
           <a:xfrm>
-            <a:off x="10678041" y="19819457"/>
-            <a:ext cx="3401854" cy="1138480"/>
+            <a:off x="12917066" y="18304784"/>
+            <a:ext cx="690351" cy="1178079"/>
           </a:xfrm>
           <a:prstGeom prst="rect">
             <a:avLst/>
@@ -2627,12 +5381,12 @@
           <a:bodyPr vert="horz" lIns="91440" tIns="45720" rIns="91440" bIns="45720" rtlCol="0" anchor="ctr"/>
           <a:lstStyle>
             <a:lvl1pPr algn="r">
-              <a:defRPr sz="1984">
-                <a:solidFill>
-                  <a:schemeClr val="tx1">
-                    <a:tint val="75000"/>
-                  </a:schemeClr>
-                </a:solidFill>
+              <a:defRPr sz="1654" b="0" i="0">
+                <a:solidFill>
+                  <a:schemeClr val="tx1"/>
+                </a:solidFill>
+                <a:effectLst/>
+                <a:latin typeface="+mn-lt"/>
               </a:defRPr>
             </a:lvl1pPr>
           </a:lstStyle>
@@ -2648,202 +5402,310 @@
     </p:spTree>
     <p:extLst>
       <p:ext uri="{BB962C8B-B14F-4D97-AF65-F5344CB8AC3E}">
-        <p14:creationId xmlns:p14="http://schemas.microsoft.com/office/powerpoint/2010/main" val="3081036142"/>
+        <p14:creationId xmlns:p14="http://schemas.microsoft.com/office/powerpoint/2010/main" val="766961736"/>
       </p:ext>
     </p:extLst>
   </p:cSld>
-  <p:clrMap bg1="lt1" tx1="dk1" bg2="lt2" tx2="dk2" accent1="accent1" accent2="accent2" accent3="accent3" accent4="accent4" accent5="accent5" accent6="accent6" hlink="hlink" folHlink="folHlink"/>
+  <p:clrMap bg1="dk1" tx1="lt1" bg2="dk2" tx2="lt2" accent1="accent1" accent2="accent2" accent3="accent3" accent4="accent4" accent5="accent5" accent6="accent6" hlink="hlink" folHlink="folHlink"/>
   <p:sldLayoutIdLst>
-    <p:sldLayoutId id="2147483661" r:id="rId1"/>
-    <p:sldLayoutId id="2147483662" r:id="rId2"/>
-    <p:sldLayoutId id="2147483663" r:id="rId3"/>
-    <p:sldLayoutId id="2147483664" r:id="rId4"/>
-    <p:sldLayoutId id="2147483665" r:id="rId5"/>
-    <p:sldLayoutId id="2147483666" r:id="rId6"/>
-    <p:sldLayoutId id="2147483667" r:id="rId7"/>
-    <p:sldLayoutId id="2147483668" r:id="rId8"/>
-    <p:sldLayoutId id="2147483669" r:id="rId9"/>
-    <p:sldLayoutId id="2147483670" r:id="rId10"/>
-    <p:sldLayoutId id="2147483671" r:id="rId11"/>
+    <p:sldLayoutId id="2147483691" r:id="rId1"/>
+    <p:sldLayoutId id="2147483692" r:id="rId2"/>
+    <p:sldLayoutId id="2147483693" r:id="rId3"/>
+    <p:sldLayoutId id="2147483694" r:id="rId4"/>
+    <p:sldLayoutId id="2147483695" r:id="rId5"/>
+    <p:sldLayoutId id="2147483696" r:id="rId6"/>
+    <p:sldLayoutId id="2147483697" r:id="rId7"/>
+    <p:sldLayoutId id="2147483698" r:id="rId8"/>
+    <p:sldLayoutId id="2147483699" r:id="rId9"/>
+    <p:sldLayoutId id="2147483700" r:id="rId10"/>
+    <p:sldLayoutId id="2147483701" r:id="rId11"/>
+    <p:sldLayoutId id="2147483702" r:id="rId12"/>
+    <p:sldLayoutId id="2147483703" r:id="rId13"/>
+    <p:sldLayoutId id="2147483704" r:id="rId14"/>
+    <p:sldLayoutId id="2147483705" r:id="rId15"/>
+    <p:sldLayoutId id="2147483706" r:id="rId16"/>
+    <p:sldLayoutId id="2147483707" r:id="rId17"/>
   </p:sldLayoutIdLst>
   <p:txStyles>
     <p:titleStyle>
-      <a:lvl1pPr algn="l" defTabSz="1511960" rtl="0" eaLnBrk="1" latinLnBrk="0" hangingPunct="1">
-        <a:lnSpc>
-          <a:spcPct val="90000"/>
-        </a:lnSpc>
+      <a:lvl1pPr algn="l" defTabSz="755980" rtl="0" eaLnBrk="1" latinLnBrk="0" hangingPunct="1">
         <a:spcBef>
           <a:spcPct val="0"/>
         </a:spcBef>
         <a:buNone/>
-        <a:defRPr sz="7275" kern="1200">
+        <a:defRPr sz="5291" kern="1200" cap="all">
+          <a:ln w="3175" cmpd="sng">
+            <a:noFill/>
+          </a:ln>
           <a:solidFill>
             <a:schemeClr val="tx1"/>
           </a:solidFill>
+          <a:effectLst/>
           <a:latin typeface="+mj-lt"/>
           <a:ea typeface="+mj-ea"/>
           <a:cs typeface="+mj-cs"/>
         </a:defRPr>
       </a:lvl1pPr>
+      <a:lvl2pPr eaLnBrk="1" hangingPunct="1">
+        <a:defRPr>
+          <a:solidFill>
+            <a:schemeClr val="tx2"/>
+          </a:solidFill>
+        </a:defRPr>
+      </a:lvl2pPr>
+      <a:lvl3pPr eaLnBrk="1" hangingPunct="1">
+        <a:defRPr>
+          <a:solidFill>
+            <a:schemeClr val="tx2"/>
+          </a:solidFill>
+        </a:defRPr>
+      </a:lvl3pPr>
+      <a:lvl4pPr eaLnBrk="1" hangingPunct="1">
+        <a:defRPr>
+          <a:solidFill>
+            <a:schemeClr val="tx2"/>
+          </a:solidFill>
+        </a:defRPr>
+      </a:lvl4pPr>
+      <a:lvl5pPr eaLnBrk="1" hangingPunct="1">
+        <a:defRPr>
+          <a:solidFill>
+            <a:schemeClr val="tx2"/>
+          </a:solidFill>
+        </a:defRPr>
+      </a:lvl5pPr>
+      <a:lvl6pPr eaLnBrk="1" hangingPunct="1">
+        <a:defRPr>
+          <a:solidFill>
+            <a:schemeClr val="tx2"/>
+          </a:solidFill>
+        </a:defRPr>
+      </a:lvl6pPr>
+      <a:lvl7pPr eaLnBrk="1" hangingPunct="1">
+        <a:defRPr>
+          <a:solidFill>
+            <a:schemeClr val="tx2"/>
+          </a:solidFill>
+        </a:defRPr>
+      </a:lvl7pPr>
+      <a:lvl8pPr eaLnBrk="1" hangingPunct="1">
+        <a:defRPr>
+          <a:solidFill>
+            <a:schemeClr val="tx2"/>
+          </a:solidFill>
+        </a:defRPr>
+      </a:lvl8pPr>
+      <a:lvl9pPr eaLnBrk="1" hangingPunct="1">
+        <a:defRPr>
+          <a:solidFill>
+            <a:schemeClr val="tx2"/>
+          </a:solidFill>
+        </a:defRPr>
+      </a:lvl9pPr>
     </p:titleStyle>
     <p:bodyStyle>
-      <a:lvl1pPr marL="377990" indent="-377990" algn="l" defTabSz="1511960" rtl="0" eaLnBrk="1" latinLnBrk="0" hangingPunct="1">
-        <a:lnSpc>
-          <a:spcPct val="90000"/>
-        </a:lnSpc>
+      <a:lvl1pPr marL="472488" indent="-472488" algn="l" defTabSz="755980" rtl="0" eaLnBrk="1" latinLnBrk="0" hangingPunct="1">
         <a:spcBef>
+          <a:spcPts val="0"/>
+        </a:spcBef>
+        <a:spcAft>
           <a:spcPts val="1654"/>
-        </a:spcBef>
-        <a:buFont typeface="Arial" panose="020B0604020202020204" pitchFamily="34" charset="0"/>
+        </a:spcAft>
+        <a:buClr>
+          <a:schemeClr val="tx1"/>
+        </a:buClr>
+        <a:buSzPct val="100000"/>
+        <a:buFont typeface="Arial"/>
         <a:buChar char="•"/>
-        <a:defRPr sz="4630" kern="1200">
+        <a:defRPr sz="2976" kern="1200" cap="none">
           <a:solidFill>
             <a:schemeClr val="tx1"/>
           </a:solidFill>
+          <a:effectLst/>
           <a:latin typeface="+mn-lt"/>
           <a:ea typeface="+mn-ea"/>
           <a:cs typeface="+mn-cs"/>
         </a:defRPr>
       </a:lvl1pPr>
-      <a:lvl2pPr marL="1133970" indent="-377990" algn="l" defTabSz="1511960" rtl="0" eaLnBrk="1" latinLnBrk="0" hangingPunct="1">
-        <a:lnSpc>
-          <a:spcPct val="90000"/>
-        </a:lnSpc>
+      <a:lvl2pPr marL="1228468" indent="-472488" algn="l" defTabSz="755980" rtl="0" eaLnBrk="1" latinLnBrk="0" hangingPunct="1">
         <a:spcBef>
-          <a:spcPts val="827"/>
+          <a:spcPts val="0"/>
         </a:spcBef>
-        <a:buFont typeface="Arial" panose="020B0604020202020204" pitchFamily="34" charset="0"/>
+        <a:spcAft>
+          <a:spcPts val="1654"/>
+        </a:spcAft>
+        <a:buClr>
+          <a:schemeClr val="tx1"/>
+        </a:buClr>
+        <a:buSzPct val="100000"/>
+        <a:buFont typeface="Arial"/>
         <a:buChar char="•"/>
-        <a:defRPr sz="3968" kern="1200">
+        <a:defRPr sz="2646" kern="1200" cap="none">
           <a:solidFill>
             <a:schemeClr val="tx1"/>
           </a:solidFill>
+          <a:effectLst/>
           <a:latin typeface="+mn-lt"/>
           <a:ea typeface="+mn-ea"/>
           <a:cs typeface="+mn-cs"/>
         </a:defRPr>
       </a:lvl2pPr>
-      <a:lvl3pPr marL="1889951" indent="-377990" algn="l" defTabSz="1511960" rtl="0" eaLnBrk="1" latinLnBrk="0" hangingPunct="1">
-        <a:lnSpc>
-          <a:spcPct val="90000"/>
-        </a:lnSpc>
+      <a:lvl3pPr marL="1984448" indent="-472488" algn="l" defTabSz="755980" rtl="0" eaLnBrk="1" latinLnBrk="0" hangingPunct="1">
         <a:spcBef>
-          <a:spcPts val="827"/>
+          <a:spcPts val="0"/>
         </a:spcBef>
-        <a:buFont typeface="Arial" panose="020B0604020202020204" pitchFamily="34" charset="0"/>
+        <a:spcAft>
+          <a:spcPts val="1654"/>
+        </a:spcAft>
+        <a:buClr>
+          <a:schemeClr val="tx1"/>
+        </a:buClr>
+        <a:buSzPct val="100000"/>
+        <a:buFont typeface="Arial"/>
         <a:buChar char="•"/>
-        <a:defRPr sz="3307" kern="1200">
+        <a:defRPr sz="2315" kern="1200" cap="none">
           <a:solidFill>
             <a:schemeClr val="tx1"/>
           </a:solidFill>
+          <a:effectLst/>
           <a:latin typeface="+mn-lt"/>
           <a:ea typeface="+mn-ea"/>
           <a:cs typeface="+mn-cs"/>
         </a:defRPr>
       </a:lvl3pPr>
-      <a:lvl4pPr marL="2645931" indent="-377990" algn="l" defTabSz="1511960" rtl="0" eaLnBrk="1" latinLnBrk="0" hangingPunct="1">
-        <a:lnSpc>
-          <a:spcPct val="90000"/>
-        </a:lnSpc>
+      <a:lvl4pPr marL="2551433" indent="-283493" algn="l" defTabSz="755980" rtl="0" eaLnBrk="1" latinLnBrk="0" hangingPunct="1">
         <a:spcBef>
-          <a:spcPts val="827"/>
+          <a:spcPts val="0"/>
         </a:spcBef>
-        <a:buFont typeface="Arial" panose="020B0604020202020204" pitchFamily="34" charset="0"/>
+        <a:spcAft>
+          <a:spcPts val="1654"/>
+        </a:spcAft>
+        <a:buClr>
+          <a:schemeClr val="tx1"/>
+        </a:buClr>
+        <a:buSzPct val="100000"/>
+        <a:buFont typeface="Arial"/>
         <a:buChar char="•"/>
-        <a:defRPr sz="2976" kern="1200">
+        <a:defRPr sz="1984" kern="1200" cap="none">
           <a:solidFill>
             <a:schemeClr val="tx1"/>
           </a:solidFill>
+          <a:effectLst/>
           <a:latin typeface="+mn-lt"/>
           <a:ea typeface="+mn-ea"/>
           <a:cs typeface="+mn-cs"/>
         </a:defRPr>
       </a:lvl4pPr>
-      <a:lvl5pPr marL="3401911" indent="-377990" algn="l" defTabSz="1511960" rtl="0" eaLnBrk="1" latinLnBrk="0" hangingPunct="1">
-        <a:lnSpc>
-          <a:spcPct val="90000"/>
-        </a:lnSpc>
+      <a:lvl5pPr marL="3307413" indent="-283493" algn="l" defTabSz="755980" rtl="0" eaLnBrk="1" latinLnBrk="0" hangingPunct="1">
         <a:spcBef>
-          <a:spcPts val="827"/>
+          <a:spcPts val="0"/>
         </a:spcBef>
-        <a:buFont typeface="Arial" panose="020B0604020202020204" pitchFamily="34" charset="0"/>
+        <a:spcAft>
+          <a:spcPts val="1654"/>
+        </a:spcAft>
+        <a:buClr>
+          <a:schemeClr val="tx1"/>
+        </a:buClr>
+        <a:buSzPct val="100000"/>
+        <a:buFont typeface="Arial"/>
         <a:buChar char="•"/>
-        <a:defRPr sz="2976" kern="1200">
+        <a:defRPr sz="1984" kern="1200" cap="none">
           <a:solidFill>
             <a:schemeClr val="tx1"/>
           </a:solidFill>
+          <a:effectLst/>
           <a:latin typeface="+mn-lt"/>
           <a:ea typeface="+mn-ea"/>
           <a:cs typeface="+mn-cs"/>
         </a:defRPr>
       </a:lvl5pPr>
-      <a:lvl6pPr marL="4157891" indent="-377990" algn="l" defTabSz="1511960" rtl="0" eaLnBrk="1" latinLnBrk="0" hangingPunct="1">
-        <a:lnSpc>
-          <a:spcPct val="90000"/>
-        </a:lnSpc>
+      <a:lvl6pPr marL="4157891" indent="-377990" algn="l" defTabSz="755980" rtl="0" eaLnBrk="1" latinLnBrk="0" hangingPunct="1">
         <a:spcBef>
-          <a:spcPts val="827"/>
+          <a:spcPts val="0"/>
         </a:spcBef>
-        <a:buFont typeface="Arial" panose="020B0604020202020204" pitchFamily="34" charset="0"/>
+        <a:spcAft>
+          <a:spcPts val="1654"/>
+        </a:spcAft>
+        <a:buClr>
+          <a:schemeClr val="tx1"/>
+        </a:buClr>
+        <a:buSzPct val="100000"/>
+        <a:buFont typeface="Arial"/>
         <a:buChar char="•"/>
-        <a:defRPr sz="2976" kern="1200">
+        <a:defRPr sz="1984" kern="1200" cap="none">
           <a:solidFill>
             <a:schemeClr val="tx1"/>
           </a:solidFill>
+          <a:effectLst/>
           <a:latin typeface="+mn-lt"/>
           <a:ea typeface="+mn-ea"/>
           <a:cs typeface="+mn-cs"/>
         </a:defRPr>
       </a:lvl6pPr>
-      <a:lvl7pPr marL="4913871" indent="-377990" algn="l" defTabSz="1511960" rtl="0" eaLnBrk="1" latinLnBrk="0" hangingPunct="1">
-        <a:lnSpc>
-          <a:spcPct val="90000"/>
-        </a:lnSpc>
+      <a:lvl7pPr marL="4913871" indent="-377990" algn="l" defTabSz="755980" rtl="0" eaLnBrk="1" latinLnBrk="0" hangingPunct="1">
         <a:spcBef>
-          <a:spcPts val="827"/>
+          <a:spcPts val="0"/>
         </a:spcBef>
-        <a:buFont typeface="Arial" panose="020B0604020202020204" pitchFamily="34" charset="0"/>
+        <a:spcAft>
+          <a:spcPts val="1654"/>
+        </a:spcAft>
+        <a:buClr>
+          <a:schemeClr val="tx1"/>
+        </a:buClr>
+        <a:buSzPct val="100000"/>
+        <a:buFont typeface="Arial"/>
         <a:buChar char="•"/>
-        <a:defRPr sz="2976" kern="1200">
+        <a:defRPr sz="1984" kern="1200" cap="none">
           <a:solidFill>
             <a:schemeClr val="tx1"/>
           </a:solidFill>
+          <a:effectLst/>
           <a:latin typeface="+mn-lt"/>
           <a:ea typeface="+mn-ea"/>
           <a:cs typeface="+mn-cs"/>
         </a:defRPr>
       </a:lvl7pPr>
-      <a:lvl8pPr marL="5669852" indent="-377990" algn="l" defTabSz="1511960" rtl="0" eaLnBrk="1" latinLnBrk="0" hangingPunct="1">
-        <a:lnSpc>
-          <a:spcPct val="90000"/>
-        </a:lnSpc>
+      <a:lvl8pPr marL="5669852" indent="-377990" algn="l" defTabSz="755980" rtl="0" eaLnBrk="1" latinLnBrk="0" hangingPunct="1">
         <a:spcBef>
-          <a:spcPts val="827"/>
+          <a:spcPts val="0"/>
         </a:spcBef>
-        <a:buFont typeface="Arial" panose="020B0604020202020204" pitchFamily="34" charset="0"/>
+        <a:spcAft>
+          <a:spcPts val="1654"/>
+        </a:spcAft>
+        <a:buClr>
+          <a:schemeClr val="tx1"/>
+        </a:buClr>
+        <a:buSzPct val="100000"/>
+        <a:buFont typeface="Arial"/>
         <a:buChar char="•"/>
-        <a:defRPr sz="2976" kern="1200">
+        <a:defRPr sz="1984" kern="1200" cap="none">
           <a:solidFill>
             <a:schemeClr val="tx1"/>
           </a:solidFill>
+          <a:effectLst/>
           <a:latin typeface="+mn-lt"/>
           <a:ea typeface="+mn-ea"/>
           <a:cs typeface="+mn-cs"/>
         </a:defRPr>
       </a:lvl8pPr>
-      <a:lvl9pPr marL="6425832" indent="-377990" algn="l" defTabSz="1511960" rtl="0" eaLnBrk="1" latinLnBrk="0" hangingPunct="1">
-        <a:lnSpc>
-          <a:spcPct val="90000"/>
-        </a:lnSpc>
+      <a:lvl9pPr marL="6425832" indent="-377990" algn="l" defTabSz="755980" rtl="0" eaLnBrk="1" latinLnBrk="0" hangingPunct="1">
         <a:spcBef>
-          <a:spcPts val="827"/>
+          <a:spcPts val="0"/>
         </a:spcBef>
-        <a:buFont typeface="Arial" panose="020B0604020202020204" pitchFamily="34" charset="0"/>
+        <a:spcAft>
+          <a:spcPts val="1654"/>
+        </a:spcAft>
+        <a:buClr>
+          <a:schemeClr val="tx1"/>
+        </a:buClr>
+        <a:buSzPct val="100000"/>
+        <a:buFont typeface="Arial"/>
         <a:buChar char="•"/>
-        <a:defRPr sz="2976" kern="1200">
+        <a:defRPr sz="1984" kern="1200" cap="none">
           <a:solidFill>
             <a:schemeClr val="tx1"/>
           </a:solidFill>
+          <a:effectLst/>
           <a:latin typeface="+mn-lt"/>
           <a:ea typeface="+mn-ea"/>
           <a:cs typeface="+mn-cs"/>
@@ -2854,7 +5716,7 @@
       <a:defPPr>
         <a:defRPr lang="en-US"/>
       </a:defPPr>
-      <a:lvl1pPr marL="0" algn="l" defTabSz="1511960" rtl="0" eaLnBrk="1" latinLnBrk="0" hangingPunct="1">
+      <a:lvl1pPr marL="0" algn="l" defTabSz="755980" rtl="0" eaLnBrk="1" latinLnBrk="0" hangingPunct="1">
         <a:defRPr sz="2976" kern="1200">
           <a:solidFill>
             <a:schemeClr val="tx1"/>
@@ -2864,7 +5726,7 @@
           <a:cs typeface="+mn-cs"/>
         </a:defRPr>
       </a:lvl1pPr>
-      <a:lvl2pPr marL="755980" algn="l" defTabSz="1511960" rtl="0" eaLnBrk="1" latinLnBrk="0" hangingPunct="1">
+      <a:lvl2pPr marL="755980" algn="l" defTabSz="755980" rtl="0" eaLnBrk="1" latinLnBrk="0" hangingPunct="1">
         <a:defRPr sz="2976" kern="1200">
           <a:solidFill>
             <a:schemeClr val="tx1"/>
@@ -2874,7 +5736,7 @@
           <a:cs typeface="+mn-cs"/>
         </a:defRPr>
       </a:lvl2pPr>
-      <a:lvl3pPr marL="1511960" algn="l" defTabSz="1511960" rtl="0" eaLnBrk="1" latinLnBrk="0" hangingPunct="1">
+      <a:lvl3pPr marL="1511960" algn="l" defTabSz="755980" rtl="0" eaLnBrk="1" latinLnBrk="0" hangingPunct="1">
         <a:defRPr sz="2976" kern="1200">
           <a:solidFill>
             <a:schemeClr val="tx1"/>
@@ -2884,7 +5746,7 @@
           <a:cs typeface="+mn-cs"/>
         </a:defRPr>
       </a:lvl3pPr>
-      <a:lvl4pPr marL="2267941" algn="l" defTabSz="1511960" rtl="0" eaLnBrk="1" latinLnBrk="0" hangingPunct="1">
+      <a:lvl4pPr marL="2267941" algn="l" defTabSz="755980" rtl="0" eaLnBrk="1" latinLnBrk="0" hangingPunct="1">
         <a:defRPr sz="2976" kern="1200">
           <a:solidFill>
             <a:schemeClr val="tx1"/>
@@ -2894,7 +5756,7 @@
           <a:cs typeface="+mn-cs"/>
         </a:defRPr>
       </a:lvl4pPr>
-      <a:lvl5pPr marL="3023921" algn="l" defTabSz="1511960" rtl="0" eaLnBrk="1" latinLnBrk="0" hangingPunct="1">
+      <a:lvl5pPr marL="3023921" algn="l" defTabSz="755980" rtl="0" eaLnBrk="1" latinLnBrk="0" hangingPunct="1">
         <a:defRPr sz="2976" kern="1200">
           <a:solidFill>
             <a:schemeClr val="tx1"/>
@@ -2904,7 +5766,7 @@
           <a:cs typeface="+mn-cs"/>
         </a:defRPr>
       </a:lvl5pPr>
-      <a:lvl6pPr marL="3779901" algn="l" defTabSz="1511960" rtl="0" eaLnBrk="1" latinLnBrk="0" hangingPunct="1">
+      <a:lvl6pPr marL="3779901" algn="l" defTabSz="755980" rtl="0" eaLnBrk="1" latinLnBrk="0" hangingPunct="1">
         <a:defRPr sz="2976" kern="1200">
           <a:solidFill>
             <a:schemeClr val="tx1"/>
@@ -2914,7 +5776,7 @@
           <a:cs typeface="+mn-cs"/>
         </a:defRPr>
       </a:lvl6pPr>
-      <a:lvl7pPr marL="4535881" algn="l" defTabSz="1511960" rtl="0" eaLnBrk="1" latinLnBrk="0" hangingPunct="1">
+      <a:lvl7pPr marL="4535881" algn="l" defTabSz="755980" rtl="0" eaLnBrk="1" latinLnBrk="0" hangingPunct="1">
         <a:defRPr sz="2976" kern="1200">
           <a:solidFill>
             <a:schemeClr val="tx1"/>
@@ -2924,7 +5786,7 @@
           <a:cs typeface="+mn-cs"/>
         </a:defRPr>
       </a:lvl7pPr>
-      <a:lvl8pPr marL="5291861" algn="l" defTabSz="1511960" rtl="0" eaLnBrk="1" latinLnBrk="0" hangingPunct="1">
+      <a:lvl8pPr marL="5291861" algn="l" defTabSz="755980" rtl="0" eaLnBrk="1" latinLnBrk="0" hangingPunct="1">
         <a:defRPr sz="2976" kern="1200">
           <a:solidFill>
             <a:schemeClr val="tx1"/>
@@ -2934,7 +5796,7 @@
           <a:cs typeface="+mn-cs"/>
         </a:defRPr>
       </a:lvl8pPr>
-      <a:lvl9pPr marL="6047842" algn="l" defTabSz="1511960" rtl="0" eaLnBrk="1" latinLnBrk="0" hangingPunct="1">
+      <a:lvl9pPr marL="6047842" algn="l" defTabSz="755980" rtl="0" eaLnBrk="1" latinLnBrk="0" hangingPunct="1">
         <a:defRPr sz="2976" kern="1200">
           <a:solidFill>
             <a:schemeClr val="tx1"/>
@@ -2966,6 +5828,1118 @@
           <a:chExt cx="0" cy="0"/>
         </a:xfrm>
       </p:grpSpPr>
+      <p:pic>
+        <p:nvPicPr>
+          <p:cNvPr id="10" name="Picture 9"/>
+          <p:cNvPicPr>
+            <a:picLocks noChangeAspect="1"/>
+          </p:cNvPicPr>
+          <p:nvPr/>
+        </p:nvPicPr>
+        <p:blipFill rotWithShape="1">
+          <a:blip r:embed="rId2">
+            <a:extLst>
+              <a:ext uri="{28A0092B-C50C-407E-A947-70E740481C1C}">
+                <a14:useLocalDpi xmlns:a14="http://schemas.microsoft.com/office/drawing/2010/main" val="0"/>
+              </a:ext>
+            </a:extLst>
+          </a:blip>
+          <a:srcRect l="9616" r="9616"/>
+          <a:stretch/>
+        </p:blipFill>
+        <p:spPr>
+          <a:xfrm rot="5400000">
+            <a:off x="-3132138" y="3132138"/>
+            <a:ext cx="21383625" cy="15119348"/>
+          </a:xfrm>
+          <a:prstGeom prst="rect">
+            <a:avLst/>
+          </a:prstGeom>
+          <a:blipFill dpi="0" rotWithShape="1">
+            <a:blip r:embed="rId3"/>
+            <a:srcRect/>
+            <a:stretch>
+              <a:fillRect/>
+            </a:stretch>
+          </a:blipFill>
+        </p:spPr>
+      </p:pic>
+      <p:sp>
+        <p:nvSpPr>
+          <p:cNvPr id="2" name="Rectangle 2"/>
+          <p:cNvSpPr>
+            <a:spLocks noChangeArrowheads="1"/>
+          </p:cNvSpPr>
+          <p:nvPr/>
+        </p:nvSpPr>
+        <p:spPr bwMode="auto">
+          <a:xfrm>
+            <a:off x="3016800" y="457993"/>
+            <a:ext cx="9085750" cy="2559050"/>
+          </a:xfrm>
+          <a:prstGeom prst="rect">
+            <a:avLst/>
+          </a:prstGeom>
+          <a:noFill/>
+          <a:ln>
+            <a:noFill/>
+          </a:ln>
+          <a:effectLst/>
+        </p:spPr>
+        <p:txBody>
+          <a:bodyPr vert="horz" wrap="square" lIns="36576" tIns="36576" rIns="36576" bIns="36576" numCol="1" anchor="ctr" anchorCtr="0" compatLnSpc="1">
+            <a:prstTxWarp prst="textNoShape">
+              <a:avLst/>
+            </a:prstTxWarp>
+          </a:bodyPr>
+          <a:lstStyle/>
+          <a:p>
+            <a:pPr algn="ctr"/>
+            <a:r>
+              <a:rPr lang="bg-BG" sz="4000" b="1" dirty="0" smtClean="0">
+                <a:solidFill>
+                  <a:srgbClr val="FFFF00"/>
+                </a:solidFill>
+                <a:latin typeface="Sofia Sans Cond" panose="020B0503060000020004" pitchFamily="34" charset="0"/>
+              </a:rPr>
+              <a:t>Технологично училище „Електронни системи“</a:t>
+            </a:r>
+          </a:p>
+          <a:p>
+            <a:pPr algn="ctr"/>
+            <a:r>
+              <a:rPr lang="bg-BG" sz="4000" b="1" dirty="0" smtClean="0">
+                <a:solidFill>
+                  <a:srgbClr val="FFFF00"/>
+                </a:solidFill>
+                <a:latin typeface="Sofia Sans Cond" panose="020B0503060000020004" pitchFamily="34" charset="0"/>
+              </a:rPr>
+              <a:t>Към Технически университет - София</a:t>
+            </a:r>
+            <a:endParaRPr lang="bg-BG" sz="4000" b="1" dirty="0">
+              <a:solidFill>
+                <a:srgbClr val="FFFF00"/>
+              </a:solidFill>
+              <a:latin typeface="Sofia Sans Cond" panose="020B0503060000020004" pitchFamily="34" charset="0"/>
+            </a:endParaRPr>
+          </a:p>
+        </p:txBody>
+      </p:sp>
+      <p:sp>
+        <p:nvSpPr>
+          <p:cNvPr id="3" name="Rectangle 3"/>
+          <p:cNvSpPr>
+            <a:spLocks noChangeArrowheads="1"/>
+          </p:cNvSpPr>
+          <p:nvPr/>
+        </p:nvSpPr>
+        <p:spPr bwMode="auto">
+          <a:xfrm>
+            <a:off x="457200" y="2788272"/>
+            <a:ext cx="14204950" cy="1277938"/>
+          </a:xfrm>
+          <a:prstGeom prst="rect">
+            <a:avLst/>
+          </a:prstGeom>
+          <a:noFill/>
+          <a:ln>
+            <a:noFill/>
+          </a:ln>
+          <a:effectLst/>
+        </p:spPr>
+        <p:txBody>
+          <a:bodyPr vert="horz" wrap="square" lIns="36576" tIns="36576" rIns="36576" bIns="36576" numCol="1" anchor="ctr" anchorCtr="0" compatLnSpc="1">
+            <a:prstTxWarp prst="textNoShape">
+              <a:avLst/>
+            </a:prstTxWarp>
+          </a:bodyPr>
+          <a:lstStyle/>
+          <a:p>
+            <a:pPr algn="ctr"/>
+            <a:r>
+              <a:rPr lang="en-US" sz="5600" b="1" dirty="0" smtClean="0">
+                <a:solidFill>
+                  <a:srgbClr val="FFFF00"/>
+                </a:solidFill>
+                <a:latin typeface="Sofia Sans Cond" panose="020B0503060000020004" pitchFamily="34" charset="0"/>
+              </a:rPr>
+              <a:t>HADIS</a:t>
+            </a:r>
+            <a:r>
+              <a:rPr lang="en-US" sz="4800" b="1" dirty="0" smtClean="0">
+                <a:solidFill>
+                  <a:srgbClr val="FFFF00"/>
+                </a:solidFill>
+                <a:latin typeface="Sofia Sans Cond" panose="020B0503060000020004" pitchFamily="34" charset="0"/>
+              </a:rPr>
+              <a:t/>
+            </a:r>
+            <a:br>
+              <a:rPr lang="en-US" sz="4800" b="1" dirty="0" smtClean="0">
+                <a:solidFill>
+                  <a:srgbClr val="FFFF00"/>
+                </a:solidFill>
+                <a:latin typeface="Sofia Sans Cond" panose="020B0503060000020004" pitchFamily="34" charset="0"/>
+              </a:rPr>
+            </a:br>
+            <a:r>
+              <a:rPr lang="en-US" sz="2800" b="1" dirty="0" smtClean="0">
+                <a:solidFill>
+                  <a:srgbClr val="FFFF00"/>
+                </a:solidFill>
+                <a:latin typeface="Sofia Sans Cond" panose="020B0503060000020004" pitchFamily="34" charset="0"/>
+              </a:rPr>
+              <a:t>Hunt A Duck In Space</a:t>
+            </a:r>
+            <a:endParaRPr lang="bg-BG" sz="2800" b="1" dirty="0">
+              <a:solidFill>
+                <a:srgbClr val="FFFF00"/>
+              </a:solidFill>
+              <a:latin typeface="Sofia Sans Cond" panose="020B0503060000020004" pitchFamily="34" charset="0"/>
+            </a:endParaRPr>
+          </a:p>
+        </p:txBody>
+      </p:sp>
+      <p:sp>
+        <p:nvSpPr>
+          <p:cNvPr id="4" name="Rectangle 4"/>
+          <p:cNvSpPr>
+            <a:spLocks noChangeArrowheads="1"/>
+          </p:cNvSpPr>
+          <p:nvPr/>
+        </p:nvSpPr>
+        <p:spPr bwMode="auto">
+          <a:xfrm>
+            <a:off x="457198" y="17292912"/>
+            <a:ext cx="14204951" cy="3836988"/>
+          </a:xfrm>
+          <a:prstGeom prst="rect">
+            <a:avLst/>
+          </a:prstGeom>
+          <a:noFill/>
+          <a:ln>
+            <a:noFill/>
+          </a:ln>
+          <a:effectLst/>
+        </p:spPr>
+        <p:txBody>
+          <a:bodyPr vert="horz" wrap="square" lIns="36576" tIns="36576" rIns="36576" bIns="36576" numCol="1" anchor="ctr" anchorCtr="0" compatLnSpc="1">
+            <a:prstTxWarp prst="textNoShape">
+              <a:avLst/>
+            </a:prstTxWarp>
+          </a:bodyPr>
+          <a:lstStyle/>
+          <a:p>
+            <a:pPr algn="just"/>
+            <a:r>
+              <a:rPr lang="bg-BG" sz="2800" dirty="0" smtClean="0">
+                <a:solidFill>
+                  <a:srgbClr val="FFFF00"/>
+                </a:solidFill>
+                <a:latin typeface="Sofia Sans Cond" panose="020B0503060000020004" pitchFamily="34" charset="0"/>
+              </a:rPr>
+              <a:t>	Играта е разработена от:</a:t>
+            </a:r>
+          </a:p>
+          <a:p>
+            <a:pPr marL="742950" lvl="1" indent="-285750" algn="just">
+              <a:buFontTx/>
+              <a:buChar char="-"/>
+            </a:pPr>
+            <a:r>
+              <a:rPr lang="bg-BG" sz="2800" dirty="0" smtClean="0">
+                <a:solidFill>
+                  <a:srgbClr val="FFFF00"/>
+                </a:solidFill>
+                <a:latin typeface="Sofia Sans Cond" panose="020B0503060000020004" pitchFamily="34" charset="0"/>
+              </a:rPr>
+              <a:t>Димитър Грозев, 9 „а“ клас</a:t>
+            </a:r>
+          </a:p>
+          <a:p>
+            <a:pPr marL="742950" lvl="1" indent="-285750" algn="just">
+              <a:buFontTx/>
+              <a:buChar char="-"/>
+            </a:pPr>
+            <a:r>
+              <a:rPr lang="bg-BG" sz="2800" dirty="0" smtClean="0">
+                <a:solidFill>
+                  <a:srgbClr val="FFFF00"/>
+                </a:solidFill>
+                <a:latin typeface="Sofia Sans Cond" panose="020B0503060000020004" pitchFamily="34" charset="0"/>
+              </a:rPr>
+              <a:t>Николай Захариев, 9 „а“ клас</a:t>
+            </a:r>
+            <a:endParaRPr lang="bg-BG" sz="2800" dirty="0">
+              <a:solidFill>
+                <a:srgbClr val="FFFF00"/>
+              </a:solidFill>
+              <a:latin typeface="Sofia Sans Cond" panose="020B0503060000020004" pitchFamily="34" charset="0"/>
+            </a:endParaRPr>
+          </a:p>
+        </p:txBody>
+      </p:sp>
+      <p:sp>
+        <p:nvSpPr>
+          <p:cNvPr id="5" name="Rectangle 5"/>
+          <p:cNvSpPr>
+            <a:spLocks noChangeArrowheads="1"/>
+          </p:cNvSpPr>
+          <p:nvPr/>
+        </p:nvSpPr>
+        <p:spPr bwMode="auto">
+          <a:xfrm>
+            <a:off x="457200" y="4294981"/>
+            <a:ext cx="7102800" cy="4266000"/>
+          </a:xfrm>
+          <a:prstGeom prst="rect">
+            <a:avLst/>
+          </a:prstGeom>
+          <a:noFill/>
+          <a:ln w="3175" algn="ctr">
+            <a:noFill/>
+            <a:miter lim="800000"/>
+            <a:headEnd/>
+            <a:tailEnd/>
+          </a:ln>
+          <a:effectLst/>
+        </p:spPr>
+        <p:txBody>
+          <a:bodyPr vert="horz" wrap="square" lIns="36576" tIns="36576" rIns="36576" bIns="36576" numCol="1" anchor="t" anchorCtr="0" compatLnSpc="1">
+            <a:prstTxWarp prst="textNoShape">
+              <a:avLst/>
+            </a:prstTxWarp>
+          </a:bodyPr>
+          <a:lstStyle/>
+          <a:p>
+            <a:r>
+              <a:rPr lang="bg-BG" sz="2400" dirty="0" smtClean="0">
+                <a:solidFill>
+                  <a:srgbClr val="FFFF00"/>
+                </a:solidFill>
+                <a:latin typeface="Sofia Sans Cond" panose="020B0503060000020004" pitchFamily="34" charset="0"/>
+              </a:rPr>
+              <a:t>	</a:t>
+            </a:r>
+          </a:p>
+          <a:p>
+            <a:r>
+              <a:rPr lang="bg-BG" sz="2400" dirty="0">
+                <a:solidFill>
+                  <a:srgbClr val="FFFF00"/>
+                </a:solidFill>
+                <a:latin typeface="Sofia Sans Cond" panose="020B0503060000020004" pitchFamily="34" charset="0"/>
+              </a:rPr>
+              <a:t>	</a:t>
+            </a:r>
+            <a:r>
+              <a:rPr lang="bg-BG" sz="4800" dirty="0" smtClean="0">
+                <a:solidFill>
+                  <a:srgbClr val="FFFF00"/>
+                </a:solidFill>
+                <a:latin typeface="Sofia Sans Cond" panose="020B0503060000020004" pitchFamily="34" charset="0"/>
+              </a:rPr>
+              <a:t>Какво е </a:t>
+            </a:r>
+            <a:r>
+              <a:rPr lang="en-US" sz="4800" dirty="0" smtClean="0">
+                <a:solidFill>
+                  <a:srgbClr val="FFFF00"/>
+                </a:solidFill>
+                <a:latin typeface="Sofia Sans Cond" panose="020B0503060000020004" pitchFamily="34" charset="0"/>
+              </a:rPr>
+              <a:t>HADIS?</a:t>
+            </a:r>
+            <a:endParaRPr lang="bg-BG" sz="4800" dirty="0" smtClean="0">
+              <a:solidFill>
+                <a:srgbClr val="FFFF00"/>
+              </a:solidFill>
+              <a:latin typeface="Sofia Sans Cond" panose="020B0503060000020004" pitchFamily="34" charset="0"/>
+            </a:endParaRPr>
+          </a:p>
+          <a:p>
+            <a:pPr marL="1143000" lvl="1" indent="-685800">
+              <a:buBlip>
+                <a:blip r:embed="rId4"/>
+              </a:buBlip>
+            </a:pPr>
+            <a:endParaRPr lang="bg-BG" sz="2400" dirty="0" smtClean="0">
+              <a:solidFill>
+                <a:srgbClr val="FFFF00"/>
+              </a:solidFill>
+              <a:latin typeface="Sofia Sans Cond" panose="020B0503060000020004" pitchFamily="34" charset="0"/>
+            </a:endParaRPr>
+          </a:p>
+          <a:p>
+            <a:pPr lvl="1"/>
+            <a:r>
+              <a:rPr lang="en-US" sz="2400" dirty="0" smtClean="0">
+                <a:solidFill>
+                  <a:srgbClr val="FFFF00"/>
+                </a:solidFill>
+                <a:latin typeface="Sofia Sans Cond" panose="020B0503060000020004" pitchFamily="34" charset="0"/>
+              </a:rPr>
+              <a:t>Hunt A Duck In Space </a:t>
+            </a:r>
+            <a:r>
+              <a:rPr lang="bg-BG" sz="2400" dirty="0" smtClean="0">
+                <a:solidFill>
+                  <a:srgbClr val="FFFF00"/>
+                </a:solidFill>
+                <a:latin typeface="Sofia Sans Cond" panose="020B0503060000020004" pitchFamily="34" charset="0"/>
+              </a:rPr>
+              <a:t>е игра, в която се намираш на космически кораб. Целта е с лазер да улавяш космическите патици, които прелитат покрай теб, и да ги събираш в кош. Различните патици носят различен брой точки. В играта няма различни нива, но на всяка минута резултатът ти се записва и започва нов рунд.</a:t>
+            </a:r>
+          </a:p>
+        </p:txBody>
+      </p:sp>
+      <p:pic>
+        <p:nvPicPr>
+          <p:cNvPr id="1031" name="Picture 7" descr="https://www.elsys-bg.org/web/files/news/309/main_image/thumb_420x0_thumb_980x630_logo2.png"/>
+          <p:cNvPicPr>
+            <a:picLocks noChangeAspect="1" noChangeArrowheads="1"/>
+          </p:cNvPicPr>
+          <p:nvPr/>
+        </p:nvPicPr>
+        <p:blipFill rotWithShape="1">
+          <a:blip r:embed="rId5">
+            <a:extLst>
+              <a:ext uri="{BEBA8EAE-BF5A-486C-A8C5-ECC9F3942E4B}">
+                <a14:imgProps xmlns:a14="http://schemas.microsoft.com/office/drawing/2010/main">
+                  <a14:imgLayer r:embed="rId6">
+                    <a14:imgEffect>
+                      <a14:backgroundRemoval t="0" b="100000" l="0" r="100000">
+                        <a14:foregroundMark x1="31429" y1="36667" x2="68333" y2="62593"/>
+                        <a14:foregroundMark x1="32143" y1="32222" x2="42619" y2="32963"/>
+                        <a14:foregroundMark x1="43095" y1="32593" x2="42619" y2="60370"/>
+                        <a14:foregroundMark x1="38333" y1="60370" x2="58571" y2="60000"/>
+                        <a14:foregroundMark x1="38333" y1="38519" x2="39048" y2="60000"/>
+                        <a14:foregroundMark x1="29048" y1="32593" x2="34048" y2="55185"/>
+                        <a14:foregroundMark x1="29286" y1="39259" x2="29048" y2="54444"/>
+                        <a14:foregroundMark x1="45714" y1="39630" x2="75714" y2="38889"/>
+                        <a14:foregroundMark x1="71905" y1="70741" x2="71667" y2="34444"/>
+                        <a14:foregroundMark x1="46667" y1="46667" x2="72143" y2="45185"/>
+                        <a14:foregroundMark x1="56190" y1="67037" x2="72619" y2="67037"/>
+                      </a14:backgroundRemoval>
+                    </a14:imgEffect>
+                  </a14:imgLayer>
+                </a14:imgProps>
+              </a:ext>
+              <a:ext uri="{28A0092B-C50C-407E-A947-70E740481C1C}">
+                <a14:useLocalDpi xmlns:a14="http://schemas.microsoft.com/office/drawing/2010/main" val="0"/>
+              </a:ext>
+            </a:extLst>
+          </a:blip>
+          <a:srcRect l="17857" r="17857"/>
+          <a:stretch/>
+        </p:blipFill>
+        <p:spPr bwMode="auto">
+          <a:xfrm>
+            <a:off x="457200" y="1374096"/>
+            <a:ext cx="2559600" cy="2559600"/>
+          </a:xfrm>
+          <a:prstGeom prst="ellipse">
+            <a:avLst/>
+          </a:prstGeom>
+          <a:noFill/>
+          <a:extLst>
+            <a:ext uri="{909E8E84-426E-40DD-AFC4-6F175D3DCCD1}">
+              <a14:hiddenFill xmlns:a14="http://schemas.microsoft.com/office/drawing/2010/main">
+                <a:solidFill>
+                  <a:srgbClr val="FFFFFF"/>
+                </a:solidFill>
+              </a14:hiddenFill>
+            </a:ext>
+          </a:extLst>
+        </p:spPr>
+      </p:pic>
+      <p:pic>
+        <p:nvPicPr>
+          <p:cNvPr id="1033" name="Picture 9" descr="https://elsys-bg.org/tues30/img/LogoTU-BG-blue.png"/>
+          <p:cNvPicPr>
+            <a:picLocks noChangeAspect="1" noChangeArrowheads="1"/>
+          </p:cNvPicPr>
+          <p:nvPr/>
+        </p:nvPicPr>
+        <p:blipFill>
+          <a:blip r:embed="rId7" cstate="print">
+            <a:extLst>
+              <a:ext uri="{BEBA8EAE-BF5A-486C-A8C5-ECC9F3942E4B}">
+                <a14:imgProps xmlns:a14="http://schemas.microsoft.com/office/drawing/2010/main">
+                  <a14:imgLayer r:embed="rId8">
+                    <a14:imgEffect>
+                      <a14:brightnessContrast bright="40000" contrast="40000"/>
+                    </a14:imgEffect>
+                  </a14:imgLayer>
+                </a14:imgProps>
+              </a:ext>
+              <a:ext uri="{28A0092B-C50C-407E-A947-70E740481C1C}">
+                <a14:useLocalDpi xmlns:a14="http://schemas.microsoft.com/office/drawing/2010/main" val="0"/>
+              </a:ext>
+            </a:extLst>
+          </a:blip>
+          <a:srcRect/>
+          <a:stretch>
+            <a:fillRect/>
+          </a:stretch>
+        </p:blipFill>
+        <p:spPr bwMode="auto">
+          <a:xfrm>
+            <a:off x="12111448" y="1374096"/>
+            <a:ext cx="2550702" cy="2559600"/>
+          </a:xfrm>
+          <a:prstGeom prst="rect">
+            <a:avLst/>
+          </a:prstGeom>
+          <a:noFill/>
+          <a:extLst>
+            <a:ext uri="{909E8E84-426E-40DD-AFC4-6F175D3DCCD1}">
+              <a14:hiddenFill xmlns:a14="http://schemas.microsoft.com/office/drawing/2010/main">
+                <a:solidFill>
+                  <a:srgbClr val="FFFFFF"/>
+                </a:solidFill>
+              </a14:hiddenFill>
+            </a:ext>
+          </a:extLst>
+        </p:spPr>
+      </p:pic>
+      <p:sp>
+        <p:nvSpPr>
+          <p:cNvPr id="12" name="Rectangle 5"/>
+          <p:cNvSpPr>
+            <a:spLocks noChangeArrowheads="1"/>
+          </p:cNvSpPr>
+          <p:nvPr/>
+        </p:nvSpPr>
+        <p:spPr bwMode="auto">
+          <a:xfrm>
+            <a:off x="457200" y="8558812"/>
+            <a:ext cx="7102800" cy="4266000"/>
+          </a:xfrm>
+          <a:prstGeom prst="rect">
+            <a:avLst/>
+          </a:prstGeom>
+          <a:noFill/>
+          <a:ln w="3175" algn="ctr">
+            <a:noFill/>
+            <a:miter lim="800000"/>
+            <a:headEnd/>
+            <a:tailEnd/>
+          </a:ln>
+          <a:effectLst/>
+        </p:spPr>
+        <p:txBody>
+          <a:bodyPr vert="horz" wrap="square" lIns="36576" tIns="36576" rIns="36576" bIns="36576" numCol="1" anchor="t" anchorCtr="0" compatLnSpc="1">
+            <a:prstTxWarp prst="textNoShape">
+              <a:avLst/>
+            </a:prstTxWarp>
+          </a:bodyPr>
+          <a:lstStyle/>
+          <a:p>
+            <a:r>
+              <a:rPr lang="bg-BG" sz="2400" dirty="0" smtClean="0">
+                <a:solidFill>
+                  <a:srgbClr val="FFFF00"/>
+                </a:solidFill>
+                <a:latin typeface="Sofia Sans Cond" panose="020B0503060000020004" pitchFamily="34" charset="0"/>
+              </a:rPr>
+              <a:t>	</a:t>
+            </a:r>
+            <a:r>
+              <a:rPr lang="bg-BG" sz="4800" dirty="0" smtClean="0">
+                <a:solidFill>
+                  <a:srgbClr val="FFFF00"/>
+                </a:solidFill>
+                <a:latin typeface="Sofia Sans Cond" panose="020B0503060000020004" pitchFamily="34" charset="0"/>
+              </a:rPr>
+              <a:t>Как да играем?</a:t>
+            </a:r>
+          </a:p>
+          <a:p>
+            <a:endParaRPr lang="bg-BG" sz="2400" dirty="0">
+              <a:solidFill>
+                <a:srgbClr val="FFFF00"/>
+              </a:solidFill>
+              <a:latin typeface="Sofia Sans Cond" panose="020B0503060000020004" pitchFamily="34" charset="0"/>
+            </a:endParaRPr>
+          </a:p>
+          <a:p>
+            <a:r>
+              <a:rPr lang="bg-BG" sz="2400" dirty="0" smtClean="0">
+                <a:solidFill>
+                  <a:srgbClr val="FFFF00"/>
+                </a:solidFill>
+                <a:latin typeface="Sofia Sans Cond" panose="020B0503060000020004" pitchFamily="34" charset="0"/>
+              </a:rPr>
+              <a:t>	За момента играта е налична само на нашите компютри, 	под формата на демонстрация – още има неща, които да се 	доизпипат, преди да я пуснем в Интернет.</a:t>
+            </a:r>
+          </a:p>
+          <a:p>
+            <a:r>
+              <a:rPr lang="bg-BG" sz="2400" dirty="0">
+                <a:solidFill>
+                  <a:srgbClr val="FFFF00"/>
+                </a:solidFill>
+                <a:latin typeface="Sofia Sans Cond" panose="020B0503060000020004" pitchFamily="34" charset="0"/>
+              </a:rPr>
+              <a:t>	</a:t>
+            </a:r>
+            <a:r>
+              <a:rPr lang="bg-BG" sz="2400" dirty="0" smtClean="0">
+                <a:solidFill>
+                  <a:srgbClr val="FFFF00"/>
+                </a:solidFill>
+                <a:latin typeface="Sofia Sans Cond" panose="020B0503060000020004" pitchFamily="34" charset="0"/>
+              </a:rPr>
+              <a:t>С мишката движиш лазера. Няма нужда да се натиска нищо, 	за да се хване патето – щом курсорът попадне върху 	антенката, птицата автоматично е уловена. Ако обаче 	посочиш някъде другаде, патицата започва да лети по-	бързо и да се върти неконтролируемо.</a:t>
+            </a:r>
+            <a:endParaRPr lang="bg-BG" sz="2400" dirty="0">
+              <a:solidFill>
+                <a:srgbClr val="FFFF00"/>
+              </a:solidFill>
+              <a:latin typeface="Sofia Sans Cond" panose="020B0503060000020004" pitchFamily="34" charset="0"/>
+            </a:endParaRPr>
+          </a:p>
+        </p:txBody>
+      </p:sp>
+      <p:sp>
+        <p:nvSpPr>
+          <p:cNvPr id="13" name="Rectangle 5"/>
+          <p:cNvSpPr>
+            <a:spLocks noChangeArrowheads="1"/>
+          </p:cNvSpPr>
+          <p:nvPr/>
+        </p:nvSpPr>
+        <p:spPr bwMode="auto">
+          <a:xfrm>
+            <a:off x="457200" y="12823728"/>
+            <a:ext cx="7102800" cy="4266000"/>
+          </a:xfrm>
+          <a:prstGeom prst="rect">
+            <a:avLst/>
+          </a:prstGeom>
+          <a:noFill/>
+          <a:ln w="3175" algn="ctr">
+            <a:noFill/>
+            <a:miter lim="800000"/>
+            <a:headEnd/>
+            <a:tailEnd/>
+          </a:ln>
+          <a:effectLst/>
+        </p:spPr>
+        <p:txBody>
+          <a:bodyPr vert="horz" wrap="square" lIns="36576" tIns="36576" rIns="36576" bIns="36576" numCol="1" anchor="t" anchorCtr="0" compatLnSpc="1">
+            <a:prstTxWarp prst="textNoShape">
+              <a:avLst/>
+            </a:prstTxWarp>
+          </a:bodyPr>
+          <a:lstStyle/>
+          <a:p>
+            <a:endParaRPr lang="bg-BG" sz="2400" dirty="0">
+              <a:solidFill>
+                <a:srgbClr val="FFFF00"/>
+              </a:solidFill>
+              <a:latin typeface="Sofia Sans Cond" panose="020B0503060000020004" pitchFamily="34" charset="0"/>
+            </a:endParaRPr>
+          </a:p>
+          <a:p>
+            <a:r>
+              <a:rPr lang="en-US" sz="4800" dirty="0" smtClean="0">
+                <a:solidFill>
+                  <a:srgbClr val="FFFF00"/>
+                </a:solidFill>
+                <a:latin typeface="Sofia Sans Cond" panose="020B0503060000020004" pitchFamily="34" charset="0"/>
+              </a:rPr>
+              <a:t>	</a:t>
+            </a:r>
+            <a:r>
+              <a:rPr lang="bg-BG" sz="4800" dirty="0" smtClean="0">
+                <a:solidFill>
+                  <a:srgbClr val="FFFF00"/>
+                </a:solidFill>
+                <a:latin typeface="Sofia Sans Cond" panose="020B0503060000020004" pitchFamily="34" charset="0"/>
+              </a:rPr>
+              <a:t>Използвани технологии</a:t>
+            </a:r>
+          </a:p>
+          <a:p>
+            <a:endParaRPr lang="bg-BG" sz="2400" dirty="0">
+              <a:solidFill>
+                <a:srgbClr val="FFFF00"/>
+              </a:solidFill>
+              <a:latin typeface="Sofia Sans Cond" panose="020B0503060000020004" pitchFamily="34" charset="0"/>
+            </a:endParaRPr>
+          </a:p>
+          <a:p>
+            <a:r>
+              <a:rPr lang="en-US" sz="2400" dirty="0" smtClean="0">
+                <a:solidFill>
+                  <a:srgbClr val="FFFF00"/>
+                </a:solidFill>
+                <a:latin typeface="Sofia Sans Cond" panose="020B0503060000020004" pitchFamily="34" charset="0"/>
+              </a:rPr>
+              <a:t>	</a:t>
+            </a:r>
+            <a:r>
+              <a:rPr lang="bg-BG" sz="2400" dirty="0" smtClean="0">
+                <a:solidFill>
+                  <a:srgbClr val="FFFF00"/>
+                </a:solidFill>
+                <a:latin typeface="Sofia Sans Cond" panose="020B0503060000020004" pitchFamily="34" charset="0"/>
+              </a:rPr>
+              <a:t>Играта е написана на езика за програмиране </a:t>
+            </a:r>
+            <a:r>
+              <a:rPr lang="en-US" sz="2400" dirty="0" smtClean="0">
+                <a:solidFill>
+                  <a:srgbClr val="FFFF00"/>
+                </a:solidFill>
+                <a:latin typeface="Sofia Sans Cond" panose="020B0503060000020004" pitchFamily="34" charset="0"/>
+              </a:rPr>
+              <a:t>Python</a:t>
+            </a:r>
+            <a:r>
+              <a:rPr lang="bg-BG" sz="2400" dirty="0" smtClean="0">
+                <a:solidFill>
+                  <a:srgbClr val="FFFF00"/>
+                </a:solidFill>
+                <a:latin typeface="Sofia Sans Cond" panose="020B0503060000020004" pitchFamily="34" charset="0"/>
+              </a:rPr>
+              <a:t>, като са </a:t>
+            </a:r>
+            <a:r>
+              <a:rPr lang="en-US" sz="2400" dirty="0" smtClean="0">
+                <a:solidFill>
+                  <a:srgbClr val="FFFF00"/>
+                </a:solidFill>
+                <a:latin typeface="Sofia Sans Cond" panose="020B0503060000020004" pitchFamily="34" charset="0"/>
+              </a:rPr>
+              <a:t>	</a:t>
+            </a:r>
+            <a:r>
+              <a:rPr lang="bg-BG" sz="2400" dirty="0" smtClean="0">
+                <a:solidFill>
+                  <a:srgbClr val="FFFF00"/>
+                </a:solidFill>
+                <a:latin typeface="Sofia Sans Cond" panose="020B0503060000020004" pitchFamily="34" charset="0"/>
+              </a:rPr>
+              <a:t>използвани и модулите </a:t>
+            </a:r>
+            <a:r>
+              <a:rPr lang="en-US" sz="2400" dirty="0" err="1" smtClean="0">
+                <a:solidFill>
+                  <a:srgbClr val="FFFF00"/>
+                </a:solidFill>
+                <a:latin typeface="Sofia Sans Cond" panose="020B0503060000020004" pitchFamily="34" charset="0"/>
+              </a:rPr>
+              <a:t>Pygame</a:t>
+            </a:r>
+            <a:r>
+              <a:rPr lang="en-US" sz="2400" dirty="0" smtClean="0">
+                <a:solidFill>
+                  <a:srgbClr val="FFFF00"/>
+                </a:solidFill>
+                <a:latin typeface="Sofia Sans Cond" panose="020B0503060000020004" pitchFamily="34" charset="0"/>
+              </a:rPr>
+              <a:t>, </a:t>
+            </a:r>
+            <a:r>
+              <a:rPr lang="en-US" sz="2400" dirty="0" err="1" smtClean="0">
+                <a:solidFill>
+                  <a:srgbClr val="FFFF00"/>
+                </a:solidFill>
+                <a:latin typeface="Sofia Sans Cond" panose="020B0503060000020004" pitchFamily="34" charset="0"/>
+              </a:rPr>
+              <a:t>Pymenu</a:t>
+            </a:r>
+            <a:r>
+              <a:rPr lang="en-US" sz="2400" dirty="0" smtClean="0">
+                <a:solidFill>
+                  <a:srgbClr val="FFFF00"/>
+                </a:solidFill>
+                <a:latin typeface="Sofia Sans Cond" panose="020B0503060000020004" pitchFamily="34" charset="0"/>
+              </a:rPr>
+              <a:t> </a:t>
+            </a:r>
+            <a:r>
+              <a:rPr lang="bg-BG" sz="2400" dirty="0" smtClean="0">
+                <a:solidFill>
+                  <a:srgbClr val="FFFF00"/>
+                </a:solidFill>
+                <a:latin typeface="Sofia Sans Cond" panose="020B0503060000020004" pitchFamily="34" charset="0"/>
+              </a:rPr>
+              <a:t>и </a:t>
+            </a:r>
+            <a:r>
+              <a:rPr lang="en-US" sz="2400" dirty="0" err="1" smtClean="0">
+                <a:solidFill>
+                  <a:srgbClr val="FFFF00"/>
+                </a:solidFill>
+                <a:latin typeface="Sofia Sans Cond" panose="020B0503060000020004" pitchFamily="34" charset="0"/>
+              </a:rPr>
+              <a:t>Pymunk</a:t>
+            </a:r>
+            <a:r>
+              <a:rPr lang="en-US" sz="2400" dirty="0" smtClean="0">
+                <a:solidFill>
+                  <a:srgbClr val="FFFF00"/>
+                </a:solidFill>
+                <a:latin typeface="Sofia Sans Cond" panose="020B0503060000020004" pitchFamily="34" charset="0"/>
+              </a:rPr>
+              <a:t>.</a:t>
+            </a:r>
+            <a:endParaRPr lang="bg-BG" sz="2400" dirty="0">
+              <a:solidFill>
+                <a:srgbClr val="FFFF00"/>
+              </a:solidFill>
+              <a:latin typeface="Sofia Sans Cond" panose="020B0503060000020004" pitchFamily="34" charset="0"/>
+            </a:endParaRPr>
+          </a:p>
+        </p:txBody>
+      </p:sp>
+      <p:sp>
+        <p:nvSpPr>
+          <p:cNvPr id="15" name="Rectangle 5"/>
+          <p:cNvSpPr>
+            <a:spLocks noChangeArrowheads="1"/>
+          </p:cNvSpPr>
+          <p:nvPr/>
+        </p:nvSpPr>
+        <p:spPr bwMode="auto">
+          <a:xfrm>
+            <a:off x="7559675" y="8558270"/>
+            <a:ext cx="7102800" cy="4266000"/>
+          </a:xfrm>
+          <a:prstGeom prst="rect">
+            <a:avLst/>
+          </a:prstGeom>
+          <a:solidFill>
+            <a:srgbClr val="00B050"/>
+          </a:solidFill>
+          <a:ln w="3175" algn="ctr">
+            <a:noFill/>
+            <a:miter lim="800000"/>
+            <a:headEnd/>
+            <a:tailEnd/>
+          </a:ln>
+          <a:effectLst/>
+          <a:extLst>
+            <a:ext uri="{AF507438-7753-43E0-B8FC-AC1667EBCBE1}">
+              <a14:hiddenEffects xmlns:a14="http://schemas.microsoft.com/office/drawing/2010/main">
+                <a:effectLst>
+                  <a:outerShdw dist="35921" dir="2700000" algn="ctr" rotWithShape="0">
+                    <a:srgbClr val="000000"/>
+                  </a:outerShdw>
+                </a:effectLst>
+              </a14:hiddenEffects>
+            </a:ext>
+          </a:extLst>
+        </p:spPr>
+        <p:txBody>
+          <a:bodyPr vert="horz" wrap="square" lIns="36576" tIns="36576" rIns="36576" bIns="36576" numCol="1" anchor="t" anchorCtr="0" compatLnSpc="1">
+            <a:prstTxWarp prst="textNoShape">
+              <a:avLst/>
+            </a:prstTxWarp>
+          </a:bodyPr>
+          <a:lstStyle/>
+          <a:p>
+            <a:endParaRPr lang="bg-BG"/>
+          </a:p>
+        </p:txBody>
+      </p:sp>
+      <p:sp>
+        <p:nvSpPr>
+          <p:cNvPr id="16" name="Rectangle 5"/>
+          <p:cNvSpPr>
+            <a:spLocks noChangeArrowheads="1"/>
+          </p:cNvSpPr>
+          <p:nvPr/>
+        </p:nvSpPr>
+        <p:spPr bwMode="auto">
+          <a:xfrm>
+            <a:off x="7559675" y="12823186"/>
+            <a:ext cx="7102800" cy="4266000"/>
+          </a:xfrm>
+          <a:prstGeom prst="rect">
+            <a:avLst/>
+          </a:prstGeom>
+          <a:noFill/>
+          <a:ln w="3175" algn="ctr">
+            <a:noFill/>
+            <a:miter lim="800000"/>
+            <a:headEnd/>
+            <a:tailEnd/>
+          </a:ln>
+          <a:effectLst/>
+        </p:spPr>
+        <p:txBody>
+          <a:bodyPr vert="horz" wrap="square" lIns="36576" tIns="36576" rIns="36576" bIns="36576" numCol="1" anchor="t" anchorCtr="0" compatLnSpc="1">
+            <a:prstTxWarp prst="textNoShape">
+              <a:avLst/>
+            </a:prstTxWarp>
+          </a:bodyPr>
+          <a:lstStyle/>
+          <a:p>
+            <a:r>
+              <a:rPr lang="bg-BG" sz="2400" dirty="0">
+                <a:solidFill>
+                  <a:srgbClr val="FFFF00"/>
+                </a:solidFill>
+                <a:latin typeface="Sofia Sans Cond" panose="020B0503060000020004" pitchFamily="34" charset="0"/>
+              </a:rPr>
+              <a:t>	</a:t>
+            </a:r>
+            <a:r>
+              <a:rPr lang="bg-BG" sz="4800" dirty="0" smtClean="0">
+                <a:solidFill>
+                  <a:srgbClr val="FFFF00"/>
+                </a:solidFill>
+                <a:latin typeface="Sofia Sans Cond" panose="020B0503060000020004" pitchFamily="34" charset="0"/>
+              </a:rPr>
+              <a:t>Бъдещо развитие</a:t>
+            </a:r>
+          </a:p>
+          <a:p>
+            <a:endParaRPr lang="bg-BG" sz="2400" dirty="0">
+              <a:solidFill>
+                <a:srgbClr val="FFFF00"/>
+              </a:solidFill>
+              <a:latin typeface="Sofia Sans Cond" panose="020B0503060000020004" pitchFamily="34" charset="0"/>
+            </a:endParaRPr>
+          </a:p>
+          <a:p>
+            <a:r>
+              <a:rPr lang="bg-BG" sz="2400" dirty="0" smtClean="0">
+                <a:solidFill>
+                  <a:srgbClr val="FFFF00"/>
+                </a:solidFill>
+                <a:latin typeface="Sofia Sans Cond" panose="020B0503060000020004" pitchFamily="34" charset="0"/>
+              </a:rPr>
+              <a:t>	Поставили сме си няколко цели за пълното довършване на 	играта, които смятаме да изпълним до началото на 	следващата учебна година. Първо, смятаме да добавим и 	прехвърчащи астероиди, които в зависимост от вида си 	ти помагат или пречат да натрупаш повече точки. 	Смятаме и да направим уебсайт, където да може да се 	играе играта, а истинските фенове ще могат и да я 	инсталират на своите компютри или телефони.</a:t>
+            </a:r>
+            <a:endParaRPr lang="bg-BG" sz="2400" dirty="0">
+              <a:solidFill>
+                <a:srgbClr val="FFFF00"/>
+              </a:solidFill>
+              <a:latin typeface="Sofia Sans Cond" panose="020B0503060000020004" pitchFamily="34" charset="0"/>
+            </a:endParaRPr>
+          </a:p>
+        </p:txBody>
+      </p:sp>
+      <p:pic>
+        <p:nvPicPr>
+          <p:cNvPr id="1035" name="Picture 11" descr="Python (programming language) - Wikipedia"/>
+          <p:cNvPicPr>
+            <a:picLocks noChangeAspect="1" noChangeArrowheads="1"/>
+          </p:cNvPicPr>
+          <p:nvPr/>
+        </p:nvPicPr>
+        <p:blipFill>
+          <a:blip r:embed="rId9">
+            <a:extLst>
+              <a:ext uri="{28A0092B-C50C-407E-A947-70E740481C1C}">
+                <a14:useLocalDpi xmlns:a14="http://schemas.microsoft.com/office/drawing/2010/main" val="0"/>
+              </a:ext>
+            </a:extLst>
+          </a:blip>
+          <a:srcRect/>
+          <a:stretch>
+            <a:fillRect/>
+          </a:stretch>
+        </p:blipFill>
+        <p:spPr bwMode="auto">
+          <a:xfrm>
+            <a:off x="5640874" y="17138099"/>
+            <a:ext cx="3837600" cy="3837600"/>
+          </a:xfrm>
+          <a:prstGeom prst="rect">
+            <a:avLst/>
+          </a:prstGeom>
+          <a:noFill/>
+          <a:extLst>
+            <a:ext uri="{909E8E84-426E-40DD-AFC4-6F175D3DCCD1}">
+              <a14:hiddenFill xmlns:a14="http://schemas.microsoft.com/office/drawing/2010/main">
+                <a:solidFill>
+                  <a:srgbClr val="FFFFFF"/>
+                </a:solidFill>
+              </a14:hiddenFill>
+            </a:ext>
+          </a:extLst>
+        </p:spPr>
+      </p:pic>
+      <p:pic>
+        <p:nvPicPr>
+          <p:cNvPr id="1037" name="Picture 13" descr="https://camo.githubusercontent.com/1971c0a4f776fb5351c765c37e59630c83cabd52/68747470733a2f2f7777772e707967616d652e6f72672f696d616765732f6c6f676f2e706e67"/>
+          <p:cNvPicPr>
+            <a:picLocks noChangeAspect="1" noChangeArrowheads="1"/>
+          </p:cNvPicPr>
+          <p:nvPr/>
+        </p:nvPicPr>
+        <p:blipFill>
+          <a:blip r:embed="rId10" cstate="print">
+            <a:extLst>
+              <a:ext uri="{28A0092B-C50C-407E-A947-70E740481C1C}">
+                <a14:useLocalDpi xmlns:a14="http://schemas.microsoft.com/office/drawing/2010/main" val="0"/>
+              </a:ext>
+            </a:extLst>
+          </a:blip>
+          <a:srcRect/>
+          <a:stretch>
+            <a:fillRect/>
+          </a:stretch>
+        </p:blipFill>
+        <p:spPr bwMode="auto">
+          <a:xfrm>
+            <a:off x="769503" y="16371028"/>
+            <a:ext cx="2664000" cy="1054398"/>
+          </a:xfrm>
+          <a:prstGeom prst="rect">
+            <a:avLst/>
+          </a:prstGeom>
+          <a:noFill/>
+          <a:extLst>
+            <a:ext uri="{909E8E84-426E-40DD-AFC4-6F175D3DCCD1}">
+              <a14:hiddenFill xmlns:a14="http://schemas.microsoft.com/office/drawing/2010/main">
+                <a:solidFill>
+                  <a:srgbClr val="FFFFFF"/>
+                </a:solidFill>
+              </a14:hiddenFill>
+            </a:ext>
+          </a:extLst>
+        </p:spPr>
+      </p:pic>
+      <p:pic>
+        <p:nvPicPr>
+          <p:cNvPr id="1039" name="Picture 15" descr="http://www.pymunk.org/en/latest/_static/pymunk_logo_sphinx.png"/>
+          <p:cNvPicPr>
+            <a:picLocks noChangeAspect="1" noChangeArrowheads="1"/>
+          </p:cNvPicPr>
+          <p:nvPr/>
+        </p:nvPicPr>
+        <p:blipFill>
+          <a:blip r:embed="rId11">
+            <a:extLst>
+              <a:ext uri="{28A0092B-C50C-407E-A947-70E740481C1C}">
+                <a14:useLocalDpi xmlns:a14="http://schemas.microsoft.com/office/drawing/2010/main" val="0"/>
+              </a:ext>
+            </a:extLst>
+          </a:blip>
+          <a:srcRect/>
+          <a:stretch>
+            <a:fillRect/>
+          </a:stretch>
+        </p:blipFill>
+        <p:spPr bwMode="auto">
+          <a:xfrm>
+            <a:off x="4371283" y="15674077"/>
+            <a:ext cx="2664000" cy="956572"/>
+          </a:xfrm>
+          <a:prstGeom prst="rect">
+            <a:avLst/>
+          </a:prstGeom>
+          <a:noFill/>
+          <a:effectLst>
+            <a:glow rad="12700">
+              <a:schemeClr val="tx1">
+                <a:alpha val="87000"/>
+              </a:schemeClr>
+            </a:glow>
+            <a:softEdge rad="0"/>
+          </a:effectLst>
+          <a:extLst>
+            <a:ext uri="{909E8E84-426E-40DD-AFC4-6F175D3DCCD1}">
+              <a14:hiddenFill xmlns:a14="http://schemas.microsoft.com/office/drawing/2010/main">
+                <a:solidFill>
+                  <a:srgbClr val="FFFFFF"/>
+                </a:solidFill>
+              </a14:hiddenFill>
+            </a:ext>
+          </a:extLst>
+        </p:spPr>
+      </p:pic>
+      <p:pic>
+        <p:nvPicPr>
+          <p:cNvPr id="11" name="Picture 10"/>
+          <p:cNvPicPr>
+            <a:picLocks noChangeAspect="1"/>
+          </p:cNvPicPr>
+          <p:nvPr/>
+        </p:nvPicPr>
+        <p:blipFill>
+          <a:blip r:embed="rId12">
+            <a:extLst>
+              <a:ext uri="{28A0092B-C50C-407E-A947-70E740481C1C}">
+                <a14:useLocalDpi xmlns:a14="http://schemas.microsoft.com/office/drawing/2010/main" val="0"/>
+              </a:ext>
+            </a:extLst>
+          </a:blip>
+          <a:stretch>
+            <a:fillRect/>
+          </a:stretch>
+        </p:blipFill>
+        <p:spPr>
+          <a:xfrm>
+            <a:off x="9829780" y="17088337"/>
+            <a:ext cx="4832533" cy="3837600"/>
+          </a:xfrm>
+          <a:prstGeom prst="rect">
+            <a:avLst/>
+          </a:prstGeom>
+        </p:spPr>
+      </p:pic>
+      <p:pic>
+        <p:nvPicPr>
+          <p:cNvPr id="18" name="Picture 17"/>
+          <p:cNvPicPr>
+            <a:picLocks noChangeAspect="1"/>
+          </p:cNvPicPr>
+          <p:nvPr/>
+        </p:nvPicPr>
+        <p:blipFill>
+          <a:blip r:embed="rId13">
+            <a:extLst>
+              <a:ext uri="{BEBA8EAE-BF5A-486C-A8C5-ECC9F3942E4B}">
+                <a14:imgProps xmlns:a14="http://schemas.microsoft.com/office/drawing/2010/main">
+                  <a14:imgLayer r:embed="rId14">
+                    <a14:imgEffect>
+                      <a14:backgroundRemoval t="0" b="100000" l="0" r="100000">
+                        <a14:foregroundMark x1="1171" y1="1626" x2="98023" y2="1626"/>
+                        <a14:foregroundMark x1="25769" y1="30759" x2="73939" y2="30081"/>
+                        <a14:backgroundMark x1="13104" y1="13008" x2="13690" y2="93089"/>
+                        <a14:backgroundMark x1="5783" y1="12737" x2="92826" y2="14905"/>
+                        <a14:backgroundMark x1="87408" y1="92005" x2="86896" y2="21274"/>
+                        <a14:backgroundMark x1="2709" y1="90921" x2="90337" y2="85230"/>
+                        <a14:backgroundMark x1="3148" y1="9350" x2="2123" y2="95122"/>
+                        <a14:backgroundMark x1="19473" y1="18022" x2="19400" y2="83333"/>
+                        <a14:backgroundMark x1="25476" y1="21409" x2="80527" y2="20732"/>
+                        <a14:backgroundMark x1="94290" y1="91463" x2="93045" y2="5827"/>
+                        <a14:backgroundMark x1="81552" y1="27778" x2="81552" y2="82520"/>
+                        <a14:backgroundMark x1="79063" y1="35637" x2="79063" y2="79946"/>
+                        <a14:backgroundMark x1="75695" y1="31572" x2="75476" y2="76287"/>
+                        <a14:backgroundMark x1="75256" y1="32385" x2="75256" y2="32385"/>
+                        <a14:backgroundMark x1="75329" y1="65854" x2="75183" y2="29946"/>
+                      </a14:backgroundRemoval>
+                    </a14:imgEffect>
+                  </a14:imgLayer>
+                </a14:imgProps>
+              </a:ext>
+            </a:extLst>
+          </a:blip>
+          <a:stretch>
+            <a:fillRect/>
+          </a:stretch>
+        </p:blipFill>
+        <p:spPr>
+          <a:xfrm>
+            <a:off x="7559675" y="4507391"/>
+            <a:ext cx="7102800" cy="3837384"/>
+          </a:xfrm>
+          <a:prstGeom prst="rect">
+            <a:avLst/>
+          </a:prstGeom>
+          <a:effectLst/>
+        </p:spPr>
+      </p:pic>
     </p:spTree>
     <p:extLst>
       <p:ext uri="{BB962C8B-B14F-4D97-AF65-F5344CB8AC3E}">
@@ -2980,9 +6954,9 @@
 </file>
 
 <file path=ppt/theme/theme1.xml><?xml version="1.0" encoding="utf-8"?>
-<a:theme xmlns:a="http://schemas.openxmlformats.org/drawingml/2006/main" name="Office Theme">
+<a:theme xmlns:a="http://schemas.openxmlformats.org/drawingml/2006/main" name="Celestial">
   <a:themeElements>
-    <a:clrScheme name="Office Theme">
+    <a:clrScheme name="Celestial">
       <a:dk1>
         <a:sysClr val="windowText" lastClr="000000"/>
       </a:dk1>
@@ -2990,44 +6964,44 @@
         <a:sysClr val="window" lastClr="FFFFFF"/>
       </a:lt1>
       <a:dk2>
-        <a:srgbClr val="44546A"/>
+        <a:srgbClr val="3F296A"/>
       </a:dk2>
       <a:lt2>
-        <a:srgbClr val="E7E6E6"/>
+        <a:srgbClr val="EBEBEB"/>
       </a:lt2>
       <a:accent1>
-        <a:srgbClr val="5B9BD5"/>
+        <a:srgbClr val="E84574"/>
       </a:accent1>
       <a:accent2>
-        <a:srgbClr val="ED7D31"/>
+        <a:srgbClr val="798FF2"/>
       </a:accent2>
       <a:accent3>
-        <a:srgbClr val="A5A5A5"/>
+        <a:srgbClr val="95C369"/>
       </a:accent3>
       <a:accent4>
-        <a:srgbClr val="FFC000"/>
+        <a:srgbClr val="EE875A"/>
       </a:accent4>
       <a:accent5>
-        <a:srgbClr val="4472C4"/>
+        <a:srgbClr val="C363E8"/>
       </a:accent5>
       <a:accent6>
-        <a:srgbClr val="70AD47"/>
+        <a:srgbClr val="6AADC8"/>
       </a:accent6>
       <a:hlink>
-        <a:srgbClr val="0563C1"/>
+        <a:srgbClr val="FE80C7"/>
       </a:hlink>
       <a:folHlink>
-        <a:srgbClr val="954F72"/>
+        <a:srgbClr val="FBA3EC"/>
       </a:folHlink>
     </a:clrScheme>
-    <a:fontScheme name="Office Theme">
+    <a:fontScheme name="Celestial">
       <a:majorFont>
         <a:latin typeface="Calibri Light" panose="020F0302020204030204"/>
         <a:ea typeface=""/>
         <a:cs typeface=""/>
-        <a:font script="Jpan" typeface="游ゴシック Light"/>
+        <a:font script="Jpan" typeface="ＭＳ Ｐゴシック"/>
         <a:font script="Hang" typeface="맑은 고딕"/>
-        <a:font script="Hans" typeface="等线 Light"/>
+        <a:font script="Hans" typeface="宋体"/>
         <a:font script="Hant" typeface="新細明體"/>
         <a:font script="Arab" typeface="Times New Roman"/>
         <a:font script="Hebr" typeface="Times New Roman"/>
@@ -3060,9 +7034,9 @@
         <a:latin typeface="Calibri" panose="020F0502020204030204"/>
         <a:ea typeface=""/>
         <a:cs typeface=""/>
-        <a:font script="Jpan" typeface="游ゴシック"/>
+        <a:font script="Jpan" typeface="ＭＳ Ｐゴシック"/>
         <a:font script="Hang" typeface="맑은 고딕"/>
-        <a:font script="Hans" typeface="等线"/>
+        <a:font script="Hans" typeface="宋体"/>
         <a:font script="Hant" typeface="新細明體"/>
         <a:font script="Arab" typeface="Arial"/>
         <a:font script="Hebr" typeface="Arial"/>
@@ -3092,7 +7066,7 @@
         <a:font script="Geor" typeface="Sylfaen"/>
       </a:minorFont>
     </a:fontScheme>
-    <a:fmtScheme name="Office Theme">
+    <a:fmtScheme name="Celestial">
       <a:fillStyleLst>
         <a:solidFill>
           <a:schemeClr val="phClr"/>
@@ -3101,23 +7075,14 @@
           <a:gsLst>
             <a:gs pos="0">
               <a:schemeClr val="phClr">
+                <a:tint val="70000"/>
                 <a:lumMod val="110000"/>
-                <a:satMod val="105000"/>
-                <a:tint val="67000"/>
-              </a:schemeClr>
-            </a:gs>
-            <a:gs pos="50000">
-              <a:schemeClr val="phClr">
-                <a:lumMod val="105000"/>
-                <a:satMod val="103000"/>
-                <a:tint val="73000"/>
               </a:schemeClr>
             </a:gs>
             <a:gs pos="100000">
               <a:schemeClr val="phClr">
-                <a:lumMod val="105000"/>
-                <a:satMod val="109000"/>
-                <a:tint val="81000"/>
+                <a:tint val="82000"/>
+                <a:alpha val="74000"/>
               </a:schemeClr>
             </a:gs>
           </a:gsLst>
@@ -3127,50 +7092,38 @@
           <a:gsLst>
             <a:gs pos="0">
               <a:schemeClr val="phClr">
-                <a:satMod val="103000"/>
-                <a:lumMod val="102000"/>
-                <a:tint val="94000"/>
-              </a:schemeClr>
-            </a:gs>
-            <a:gs pos="50000">
-              <a:schemeClr val="phClr">
-                <a:satMod val="110000"/>
+                <a:tint val="98000"/>
                 <a:lumMod val="100000"/>
-                <a:shade val="100000"/>
               </a:schemeClr>
             </a:gs>
             <a:gs pos="100000">
               <a:schemeClr val="phClr">
-                <a:lumMod val="99000"/>
-                <a:satMod val="120000"/>
-                <a:shade val="78000"/>
+                <a:shade val="88000"/>
+                <a:lumMod val="88000"/>
               </a:schemeClr>
             </a:gs>
           </a:gsLst>
-          <a:lin ang="5400000" scaled="0"/>
+          <a:lin ang="5400000" scaled="1"/>
         </a:gradFill>
       </a:fillStyleLst>
       <a:lnStyleLst>
-        <a:ln w="6350" cap="flat" cmpd="sng" algn="ctr">
+        <a:ln w="9525" cap="rnd" cmpd="sng" algn="ctr">
           <a:solidFill>
             <a:schemeClr val="phClr"/>
           </a:solidFill>
           <a:prstDash val="solid"/>
-          <a:miter lim="800000"/>
         </a:ln>
-        <a:ln w="12700" cap="flat" cmpd="sng" algn="ctr">
+        <a:ln w="19050" cap="rnd" cmpd="sng" algn="ctr">
           <a:solidFill>
             <a:schemeClr val="phClr"/>
           </a:solidFill>
           <a:prstDash val="solid"/>
-          <a:miter lim="800000"/>
         </a:ln>
-        <a:ln w="19050" cap="flat" cmpd="sng" algn="ctr">
+        <a:ln w="25400" cap="rnd" cmpd="sng" algn="ctr">
           <a:solidFill>
             <a:schemeClr val="phClr"/>
           </a:solidFill>
           <a:prstDash val="solid"/>
-          <a:miter lim="800000"/>
         </a:ln>
       </a:lnStyleLst>
       <a:effectStyleLst>
@@ -3178,55 +7131,64 @@
           <a:effectLst/>
         </a:effectStyle>
         <a:effectStyle>
-          <a:effectLst/>
+          <a:effectLst>
+            <a:outerShdw blurRad="50800" dist="38100" dir="5400000" rotWithShape="0">
+              <a:srgbClr val="000000">
+                <a:alpha val="35000"/>
+              </a:srgbClr>
+            </a:outerShdw>
+          </a:effectLst>
         </a:effectStyle>
         <a:effectStyle>
           <a:effectLst>
-            <a:outerShdw blurRad="57150" dist="19050" dir="5400000" algn="ctr" rotWithShape="0">
+            <a:outerShdw blurRad="63500" dist="38100" dir="5400000" rotWithShape="0">
               <a:srgbClr val="000000">
-                <a:alpha val="63000"/>
+                <a:alpha val="65000"/>
               </a:srgbClr>
             </a:outerShdw>
           </a:effectLst>
+          <a:scene3d>
+            <a:camera prst="orthographicFront">
+              <a:rot lat="0" lon="0" rev="0"/>
+            </a:camera>
+            <a:lightRig rig="threePt" dir="tl">
+              <a:rot lat="0" lon="0" rev="1200000"/>
+            </a:lightRig>
+          </a:scene3d>
+          <a:sp3d>
+            <a:bevelT w="38100" h="12700"/>
+          </a:sp3d>
         </a:effectStyle>
       </a:effectStyleLst>
       <a:bgFillStyleLst>
         <a:solidFill>
           <a:schemeClr val="phClr"/>
         </a:solidFill>
-        <a:solidFill>
-          <a:schemeClr val="phClr">
-            <a:tint val="95000"/>
-            <a:satMod val="170000"/>
-          </a:schemeClr>
-        </a:solidFill>
         <a:gradFill rotWithShape="1">
           <a:gsLst>
             <a:gs pos="0">
               <a:schemeClr val="phClr">
-                <a:tint val="93000"/>
-                <a:satMod val="150000"/>
-                <a:shade val="98000"/>
-                <a:lumMod val="102000"/>
-              </a:schemeClr>
-            </a:gs>
-            <a:gs pos="50000">
-              <a:schemeClr val="phClr">
-                <a:tint val="98000"/>
-                <a:satMod val="130000"/>
-                <a:shade val="90000"/>
-                <a:lumMod val="103000"/>
+                <a:tint val="90000"/>
+                <a:shade val="96000"/>
+                <a:hueMod val="100000"/>
+                <a:satMod val="180000"/>
+                <a:lumMod val="110000"/>
               </a:schemeClr>
             </a:gs>
             <a:gs pos="100000">
               <a:schemeClr val="phClr">
-                <a:shade val="63000"/>
-                <a:satMod val="120000"/>
+                <a:shade val="96000"/>
+                <a:satMod val="160000"/>
+                <a:lumMod val="100000"/>
               </a:schemeClr>
             </a:gs>
           </a:gsLst>
-          <a:lin ang="5400000" scaled="0"/>
+          <a:lin ang="4740000" scaled="1"/>
         </a:gradFill>
+        <a:blipFill>
+          <a:blip xmlns:r="http://schemas.openxmlformats.org/officeDocument/2006/relationships" r:embed="rId1"/>
+          <a:stretch/>
+        </a:blipFill>
       </a:bgFillStyleLst>
     </a:fmtScheme>
   </a:themeElements>
@@ -3234,7 +7196,7 @@
   <a:extraClrSchemeLst/>
   <a:extLst>
     <a:ext uri="{05A4C25C-085E-4340-85A3-A5531E510DB2}">
-      <thm15:themeFamily xmlns:thm15="http://schemas.microsoft.com/office/thememl/2012/main" name="Office Theme" id="{62F939B6-93AF-4DB8-9C6B-D6C7DFDC589F}" vid="{4A3C46E8-61CC-4603-A589-7422A47A8E4A}"/>
+      <thm15:themeFamily xmlns:thm15="http://schemas.microsoft.com/office/thememl/2012/main" name="Celestial" id="{C4BB2A3D-0E93-4C5F-B0D2-9D3FCE089CC5}" vid="{61DDDE80-2DFA-4F2A-B66F-72059846BDAA}"/>
     </a:ext>
   </a:extLst>
 </a:theme>

--- a/Пенокартон_HADIS.pptx
+++ b/Пенокартон_HADIS.pptx
@@ -6,6 +6,7 @@
   </p:sldMasterIdLst>
   <p:sldIdLst>
     <p:sldId id="256" r:id="rId2"/>
+    <p:sldId id="257" r:id="rId3"/>
   </p:sldIdLst>
   <p:sldSz cx="15119350" cy="21383625"/>
   <p:notesSz cx="6858000" cy="9144000"/>
@@ -5935,7 +5936,7 @@
         </p:nvSpPr>
         <p:spPr bwMode="auto">
           <a:xfrm>
-            <a:off x="457200" y="2788272"/>
+            <a:off x="457199" y="2704129"/>
             <a:ext cx="14204950" cy="1277938"/>
           </a:xfrm>
           <a:prstGeom prst="rect">
@@ -6038,7 +6039,52 @@
                 </a:solidFill>
                 <a:latin typeface="Sofia Sans Cond" panose="020B0503060000020004" pitchFamily="34" charset="0"/>
               </a:rPr>
-              <a:t>	Играта е разработена от:</a:t>
+              <a:t>	</a:t>
+            </a:r>
+            <a:r>
+              <a:rPr lang="bg-BG" sz="2800" dirty="0" smtClean="0">
+                <a:solidFill>
+                  <a:srgbClr val="FFFF00"/>
+                </a:solidFill>
+                <a:latin typeface="Sofia Sans Cond" panose="020B0503060000020004" pitchFamily="34" charset="0"/>
+              </a:rPr>
+              <a:t>Проектът</a:t>
+            </a:r>
+            <a:r>
+              <a:rPr lang="bg-BG" sz="2800" dirty="0" smtClean="0">
+                <a:solidFill>
+                  <a:srgbClr val="FFFF00"/>
+                </a:solidFill>
+                <a:latin typeface="Sofia Sans Cond" panose="020B0503060000020004" pitchFamily="34" charset="0"/>
+              </a:rPr>
+              <a:t> </a:t>
+            </a:r>
+            <a:r>
+              <a:rPr lang="bg-BG" sz="2800" dirty="0" smtClean="0">
+                <a:solidFill>
+                  <a:srgbClr val="FFFF00"/>
+                </a:solidFill>
+                <a:latin typeface="Sofia Sans Cond" panose="020B0503060000020004" pitchFamily="34" charset="0"/>
+              </a:rPr>
+              <a:t>е </a:t>
+            </a:r>
+            <a:r>
+              <a:rPr lang="bg-BG" sz="2800" dirty="0" smtClean="0">
+                <a:solidFill>
+                  <a:srgbClr val="FFFF00"/>
+                </a:solidFill>
+                <a:latin typeface="Sofia Sans Cond" panose="020B0503060000020004" pitchFamily="34" charset="0"/>
+              </a:rPr>
+              <a:t>разработен </a:t>
+            </a:r>
+            <a:r>
+              <a:rPr lang="bg-BG" sz="2800" dirty="0" smtClean="0">
+                <a:solidFill>
+                  <a:srgbClr val="FFFF00"/>
+                </a:solidFill>
+                <a:latin typeface="Sofia Sans Cond" panose="020B0503060000020004" pitchFamily="34" charset="0"/>
+              </a:rPr>
+              <a:t>от:</a:t>
             </a:r>
           </a:p>
           <a:p>
@@ -6594,56 +6640,6 @@
               </a:solidFill>
               <a:latin typeface="Sofia Sans Cond" panose="020B0503060000020004" pitchFamily="34" charset="0"/>
             </a:endParaRPr>
-          </a:p>
-        </p:txBody>
-      </p:sp>
-      <p:sp>
-        <p:nvSpPr>
-          <p:cNvPr id="15" name="Rectangle 5"/>
-          <p:cNvSpPr>
-            <a:spLocks noChangeArrowheads="1"/>
-          </p:cNvSpPr>
-          <p:nvPr/>
-        </p:nvSpPr>
-        <p:spPr bwMode="auto">
-          <a:xfrm>
-            <a:off x="7559675" y="8558270"/>
-            <a:ext cx="7102800" cy="4266000"/>
-          </a:xfrm>
-          <a:prstGeom prst="rect">
-            <a:avLst/>
-          </a:prstGeom>
-          <a:solidFill>
-            <a:srgbClr val="00B050"/>
-          </a:solidFill>
-          <a:ln w="3175" algn="ctr">
-            <a:noFill/>
-            <a:miter lim="800000"/>
-            <a:headEnd/>
-            <a:tailEnd/>
-          </a:ln>
-          <a:effectLst/>
-          <a:extLst>
-            <a:ext uri="{AF507438-7753-43E0-B8FC-AC1667EBCBE1}">
-              <a14:hiddenEffects xmlns:a14="http://schemas.microsoft.com/office/drawing/2010/main">
-                <a:effectLst>
-                  <a:outerShdw dist="35921" dir="2700000" algn="ctr" rotWithShape="0">
-                    <a:srgbClr val="000000"/>
-                  </a:outerShdw>
-                </a:effectLst>
-              </a14:hiddenEffects>
-            </a:ext>
-          </a:extLst>
-        </p:spPr>
-        <p:txBody>
-          <a:bodyPr vert="horz" wrap="square" lIns="36576" tIns="36576" rIns="36576" bIns="36576" numCol="1" anchor="t" anchorCtr="0" compatLnSpc="1">
-            <a:prstTxWarp prst="textNoShape">
-              <a:avLst/>
-            </a:prstTxWarp>
-          </a:bodyPr>
-          <a:lstStyle/>
-          <a:p>
-            <a:endParaRPr lang="bg-BG"/>
           </a:p>
         </p:txBody>
       </p:sp>
@@ -6931,13 +6927,103 @@
         </p:blipFill>
         <p:spPr>
           <a:xfrm>
-            <a:off x="7559675" y="4507391"/>
+            <a:off x="7679988" y="4509289"/>
             <a:ext cx="7102800" cy="3837384"/>
           </a:xfrm>
           <a:prstGeom prst="rect">
             <a:avLst/>
           </a:prstGeom>
+          <a:ln>
+            <a:solidFill>
+              <a:srgbClr val="FFFF00"/>
+            </a:solidFill>
+          </a:ln>
           <a:effectLst/>
+        </p:spPr>
+      </p:pic>
+      <p:pic>
+        <p:nvPicPr>
+          <p:cNvPr id="19" name="Picture 2" descr="https://cdn.discordapp.com/attachments/960191998462165033/961419990119088128/GolemoPate.png"/>
+          <p:cNvPicPr>
+            <a:picLocks noChangeAspect="1" noChangeArrowheads="1"/>
+          </p:cNvPicPr>
+          <p:nvPr/>
+        </p:nvPicPr>
+        <p:blipFill rotWithShape="1">
+          <a:blip r:embed="rId15" cstate="print">
+            <a:extLst>
+              <a:ext uri="{28A0092B-C50C-407E-A947-70E740481C1C}">
+                <a14:useLocalDpi xmlns:a14="http://schemas.microsoft.com/office/drawing/2010/main" val="0"/>
+              </a:ext>
+            </a:extLst>
+          </a:blip>
+          <a:srcRect l="867" t="847" r="1095" b="815"/>
+          <a:stretch/>
+        </p:blipFill>
+        <p:spPr bwMode="auto">
+          <a:xfrm rot="752525">
+            <a:off x="3961060" y="3191456"/>
+            <a:ext cx="629989" cy="654715"/>
+          </a:xfrm>
+          <a:prstGeom prst="rect">
+            <a:avLst/>
+          </a:prstGeom>
+          <a:noFill/>
+          <a:extLst>
+            <a:ext uri="{909E8E84-426E-40DD-AFC4-6F175D3DCCD1}">
+              <a14:hiddenFill xmlns:a14="http://schemas.microsoft.com/office/drawing/2010/main">
+                <a:solidFill>
+                  <a:srgbClr val="FFFFFF"/>
+                </a:solidFill>
+              </a14:hiddenFill>
+            </a:ext>
+          </a:extLst>
+        </p:spPr>
+      </p:pic>
+      <p:pic>
+        <p:nvPicPr>
+          <p:cNvPr id="20" name="Picture 4" descr="https://cdn.discordapp.com/attachments/960191998462165033/961423334522896414/unknown.png"/>
+          <p:cNvPicPr>
+            <a:picLocks noChangeAspect="1" noChangeArrowheads="1"/>
+          </p:cNvPicPr>
+          <p:nvPr/>
+        </p:nvPicPr>
+        <p:blipFill>
+          <a:blip r:embed="rId16">
+            <a:extLst>
+              <a:ext uri="{28A0092B-C50C-407E-A947-70E740481C1C}">
+                <a14:useLocalDpi xmlns:a14="http://schemas.microsoft.com/office/drawing/2010/main" val="0"/>
+              </a:ext>
+            </a:extLst>
+          </a:blip>
+          <a:srcRect/>
+          <a:stretch>
+            <a:fillRect/>
+          </a:stretch>
+        </p:blipFill>
+        <p:spPr bwMode="auto">
+          <a:xfrm>
+            <a:off x="7679988" y="8673463"/>
+            <a:ext cx="7089680" cy="4034295"/>
+          </a:xfrm>
+          <a:prstGeom prst="rect">
+            <a:avLst/>
+          </a:prstGeom>
+          <a:noFill/>
+          <a:ln>
+            <a:solidFill>
+              <a:srgbClr val="FFFF00"/>
+            </a:solidFill>
+          </a:ln>
+          <a:extLst>
+            <a:ext uri="{909E8E84-426E-40DD-AFC4-6F175D3DCCD1}">
+              <a14:hiddenFill xmlns:a14="http://schemas.microsoft.com/office/drawing/2010/main">
+                <a:solidFill>
+                  <a:srgbClr val="FFFFFF"/>
+                </a:solidFill>
+              </a14:hiddenFill>
+            </a:ext>
+          </a:extLst>
         </p:spPr>
       </p:pic>
     </p:spTree>
@@ -6950,6 +7036,1552 @@
   <p:clrMapOvr>
     <a:masterClrMapping/>
   </p:clrMapOvr>
+  <p:timing>
+    <p:tnLst>
+      <p:par>
+        <p:cTn id="1" dur="indefinite" restart="never" nodeType="tmRoot"/>
+      </p:par>
+    </p:tnLst>
+  </p:timing>
+</p:sld>
+</file>
+
+<file path=ppt/slides/slide2.xml><?xml version="1.0" encoding="utf-8"?>
+<p:sld xmlns:a="http://schemas.openxmlformats.org/drawingml/2006/main" xmlns:r="http://schemas.openxmlformats.org/officeDocument/2006/relationships" xmlns:p="http://schemas.openxmlformats.org/presentationml/2006/main">
+  <p:cSld>
+    <p:spTree>
+      <p:nvGrpSpPr>
+        <p:cNvPr id="1" name=""/>
+        <p:cNvGrpSpPr/>
+        <p:nvPr/>
+      </p:nvGrpSpPr>
+      <p:grpSpPr>
+        <a:xfrm>
+          <a:off x="0" y="0"/>
+          <a:ext cx="0" cy="0"/>
+          <a:chOff x="0" y="0"/>
+          <a:chExt cx="0" cy="0"/>
+        </a:xfrm>
+      </p:grpSpPr>
+      <p:pic>
+        <p:nvPicPr>
+          <p:cNvPr id="2" name="Picture 1"/>
+          <p:cNvPicPr>
+            <a:picLocks noChangeAspect="1"/>
+          </p:cNvPicPr>
+          <p:nvPr/>
+        </p:nvPicPr>
+        <p:blipFill rotWithShape="1">
+          <a:blip r:embed="rId2">
+            <a:extLst>
+              <a:ext uri="{28A0092B-C50C-407E-A947-70E740481C1C}">
+                <a14:useLocalDpi xmlns:a14="http://schemas.microsoft.com/office/drawing/2010/main" val="0"/>
+              </a:ext>
+            </a:extLst>
+          </a:blip>
+          <a:srcRect l="9616" r="9616"/>
+          <a:stretch/>
+        </p:blipFill>
+        <p:spPr>
+          <a:xfrm rot="5400000">
+            <a:off x="-3132138" y="3132138"/>
+            <a:ext cx="21383625" cy="15119348"/>
+          </a:xfrm>
+          <a:prstGeom prst="rect">
+            <a:avLst/>
+          </a:prstGeom>
+          <a:blipFill dpi="0" rotWithShape="1">
+            <a:blip r:embed="rId3"/>
+            <a:srcRect/>
+            <a:stretch>
+              <a:fillRect/>
+            </a:stretch>
+          </a:blipFill>
+          <a:ln>
+            <a:noFill/>
+          </a:ln>
+        </p:spPr>
+      </p:pic>
+      <p:pic>
+        <p:nvPicPr>
+          <p:cNvPr id="16" name="Picture 9" descr="https://elsys-bg.org/tues30/img/LogoTU-BG-blue.png"/>
+          <p:cNvPicPr>
+            <a:picLocks noChangeAspect="1" noChangeArrowheads="1"/>
+          </p:cNvPicPr>
+          <p:nvPr/>
+        </p:nvPicPr>
+        <p:blipFill>
+          <a:blip r:embed="rId4" cstate="print">
+            <a:extLst>
+              <a:ext uri="{BEBA8EAE-BF5A-486C-A8C5-ECC9F3942E4B}">
+                <a14:imgProps xmlns:a14="http://schemas.microsoft.com/office/drawing/2010/main">
+                  <a14:imgLayer r:embed="rId5">
+                    <a14:imgEffect>
+                      <a14:brightnessContrast bright="40000" contrast="40000"/>
+                    </a14:imgEffect>
+                  </a14:imgLayer>
+                </a14:imgProps>
+              </a:ext>
+              <a:ext uri="{28A0092B-C50C-407E-A947-70E740481C1C}">
+                <a14:useLocalDpi xmlns:a14="http://schemas.microsoft.com/office/drawing/2010/main" val="0"/>
+              </a:ext>
+            </a:extLst>
+          </a:blip>
+          <a:srcRect/>
+          <a:stretch>
+            <a:fillRect/>
+          </a:stretch>
+        </p:blipFill>
+        <p:spPr bwMode="auto">
+          <a:xfrm>
+            <a:off x="12111447" y="449719"/>
+            <a:ext cx="2550702" cy="2559600"/>
+          </a:xfrm>
+          <a:prstGeom prst="rect">
+            <a:avLst/>
+          </a:prstGeom>
+          <a:noFill/>
+          <a:extLst>
+            <a:ext uri="{909E8E84-426E-40DD-AFC4-6F175D3DCCD1}">
+              <a14:hiddenFill xmlns:a14="http://schemas.microsoft.com/office/drawing/2010/main">
+                <a:solidFill>
+                  <a:srgbClr val="FFFFFF"/>
+                </a:solidFill>
+              </a14:hiddenFill>
+            </a:ext>
+          </a:extLst>
+        </p:spPr>
+      </p:pic>
+      <p:sp>
+        <p:nvSpPr>
+          <p:cNvPr id="19" name="Rectangle 18"/>
+          <p:cNvSpPr/>
+          <p:nvPr/>
+        </p:nvSpPr>
+        <p:spPr>
+          <a:xfrm>
+            <a:off x="457199" y="3864264"/>
+            <a:ext cx="7102477" cy="3416320"/>
+          </a:xfrm>
+          <a:prstGeom prst="rect">
+            <a:avLst/>
+          </a:prstGeom>
+        </p:spPr>
+        <p:txBody>
+          <a:bodyPr wrap="square">
+            <a:spAutoFit/>
+          </a:bodyPr>
+          <a:lstStyle/>
+          <a:p>
+            <a:r>
+              <a:rPr lang="en-US" sz="4800" dirty="0" smtClean="0">
+                <a:solidFill>
+                  <a:srgbClr val="FFFF00"/>
+                </a:solidFill>
+                <a:latin typeface="Sofia Sans Cond" panose="020B0503060000020004" pitchFamily="34" charset="0"/>
+              </a:rPr>
+              <a:t>	</a:t>
+            </a:r>
+            <a:r>
+              <a:rPr lang="bg-BG" sz="4800" dirty="0" smtClean="0">
+                <a:solidFill>
+                  <a:srgbClr val="FFFF00"/>
+                </a:solidFill>
+                <a:latin typeface="Sofia Sans Cond" panose="020B0503060000020004" pitchFamily="34" charset="0"/>
+              </a:rPr>
+              <a:t>Какво </a:t>
+            </a:r>
+            <a:r>
+              <a:rPr lang="bg-BG" sz="4800" dirty="0">
+                <a:solidFill>
+                  <a:srgbClr val="FFFF00"/>
+                </a:solidFill>
+                <a:latin typeface="Sofia Sans Cond" panose="020B0503060000020004" pitchFamily="34" charset="0"/>
+              </a:rPr>
+              <a:t>е </a:t>
+            </a:r>
+            <a:r>
+              <a:rPr lang="en-US" sz="4800" dirty="0">
+                <a:solidFill>
+                  <a:srgbClr val="FFFF00"/>
+                </a:solidFill>
+                <a:latin typeface="Sofia Sans Cond" panose="020B0503060000020004" pitchFamily="34" charset="0"/>
+              </a:rPr>
+              <a:t>HADIS?</a:t>
+            </a:r>
+            <a:endParaRPr lang="bg-BG" sz="4800" dirty="0">
+              <a:solidFill>
+                <a:srgbClr val="FFFF00"/>
+              </a:solidFill>
+              <a:latin typeface="Sofia Sans Cond" panose="020B0503060000020004" pitchFamily="34" charset="0"/>
+            </a:endParaRPr>
+          </a:p>
+          <a:p>
+            <a:pPr marL="1143000" lvl="1" indent="-685800">
+              <a:buBlip>
+                <a:blip r:embed="rId6"/>
+              </a:buBlip>
+            </a:pPr>
+            <a:endParaRPr lang="bg-BG" sz="2400" dirty="0">
+              <a:solidFill>
+                <a:srgbClr val="FFFF00"/>
+              </a:solidFill>
+              <a:latin typeface="Sofia Sans Cond" panose="020B0503060000020004" pitchFamily="34" charset="0"/>
+            </a:endParaRPr>
+          </a:p>
+          <a:p>
+            <a:pPr lvl="1"/>
+            <a:r>
+              <a:rPr lang="en-US" sz="2400" dirty="0">
+                <a:solidFill>
+                  <a:srgbClr val="FFFF00"/>
+                </a:solidFill>
+                <a:latin typeface="Sofia Sans Cond" panose="020B0503060000020004" pitchFamily="34" charset="0"/>
+              </a:rPr>
+              <a:t>Hunt A Duck In Space </a:t>
+            </a:r>
+            <a:r>
+              <a:rPr lang="bg-BG" sz="2400" dirty="0">
+                <a:solidFill>
+                  <a:srgbClr val="FFFF00"/>
+                </a:solidFill>
+                <a:latin typeface="Sofia Sans Cond" panose="020B0503060000020004" pitchFamily="34" charset="0"/>
+              </a:rPr>
+              <a:t>е игра, в която се намираш на космически кораб. Целта е с лазер да улавяш космическите патици, които прелитат покрай теб, и да ги събираш в кош. Различните патици носят различен брой точки. В играта няма различни нива, но на всяка минута резултатът ти се записва и започва нов рунд.</a:t>
+            </a:r>
+          </a:p>
+        </p:txBody>
+      </p:sp>
+      <p:sp>
+        <p:nvSpPr>
+          <p:cNvPr id="20" name="Rectangle 19"/>
+          <p:cNvSpPr/>
+          <p:nvPr/>
+        </p:nvSpPr>
+        <p:spPr>
+          <a:xfrm>
+            <a:off x="7559674" y="3543086"/>
+            <a:ext cx="7102475" cy="4062651"/>
+          </a:xfrm>
+          <a:prstGeom prst="rect">
+            <a:avLst/>
+          </a:prstGeom>
+          <a:noFill/>
+        </p:spPr>
+        <p:txBody>
+          <a:bodyPr wrap="square">
+            <a:spAutoFit/>
+          </a:bodyPr>
+          <a:lstStyle/>
+          <a:p>
+            <a:r>
+              <a:rPr lang="en-US" sz="4800" dirty="0" smtClean="0">
+                <a:solidFill>
+                  <a:srgbClr val="FFFF00"/>
+                </a:solidFill>
+                <a:latin typeface="Sofia Sans Cond" panose="020B0503060000020004" pitchFamily="34" charset="0"/>
+              </a:rPr>
+              <a:t>	</a:t>
+            </a:r>
+            <a:r>
+              <a:rPr lang="bg-BG" sz="4800" dirty="0" smtClean="0">
+                <a:solidFill>
+                  <a:srgbClr val="FFFF00"/>
+                </a:solidFill>
+                <a:latin typeface="Sofia Sans Cond" panose="020B0503060000020004" pitchFamily="34" charset="0"/>
+              </a:rPr>
+              <a:t>Как </a:t>
+            </a:r>
+            <a:r>
+              <a:rPr lang="bg-BG" sz="4800" dirty="0">
+                <a:solidFill>
+                  <a:srgbClr val="FFFF00"/>
+                </a:solidFill>
+                <a:latin typeface="Sofia Sans Cond" panose="020B0503060000020004" pitchFamily="34" charset="0"/>
+              </a:rPr>
+              <a:t>да играем?</a:t>
+            </a:r>
+          </a:p>
+          <a:p>
+            <a:endParaRPr lang="bg-BG" dirty="0">
+              <a:solidFill>
+                <a:srgbClr val="FFFF00"/>
+              </a:solidFill>
+              <a:latin typeface="Sofia Sans Cond" panose="020B0503060000020004" pitchFamily="34" charset="0"/>
+            </a:endParaRPr>
+          </a:p>
+          <a:p>
+            <a:r>
+              <a:rPr lang="bg-BG" dirty="0">
+                <a:solidFill>
+                  <a:srgbClr val="FFFF00"/>
+                </a:solidFill>
+                <a:latin typeface="Sofia Sans Cond" panose="020B0503060000020004" pitchFamily="34" charset="0"/>
+              </a:rPr>
+              <a:t>	</a:t>
+            </a:r>
+            <a:r>
+              <a:rPr lang="bg-BG" sz="2400" dirty="0">
+                <a:solidFill>
+                  <a:srgbClr val="FFFF00"/>
+                </a:solidFill>
+                <a:latin typeface="Sofia Sans Cond" panose="020B0503060000020004" pitchFamily="34" charset="0"/>
+              </a:rPr>
+              <a:t>За момента играта е налична само на нашите компютри, </a:t>
+            </a:r>
+            <a:r>
+              <a:rPr lang="en-US" sz="2400" dirty="0" smtClean="0">
+                <a:solidFill>
+                  <a:srgbClr val="FFFF00"/>
+                </a:solidFill>
+                <a:latin typeface="Sofia Sans Cond" panose="020B0503060000020004" pitchFamily="34" charset="0"/>
+              </a:rPr>
+              <a:t>	</a:t>
+            </a:r>
+            <a:r>
+              <a:rPr lang="bg-BG" sz="2400" dirty="0" smtClean="0">
+                <a:solidFill>
+                  <a:srgbClr val="FFFF00"/>
+                </a:solidFill>
+                <a:latin typeface="Sofia Sans Cond" panose="020B0503060000020004" pitchFamily="34" charset="0"/>
+              </a:rPr>
+              <a:t>под формата </a:t>
+            </a:r>
+            <a:r>
+              <a:rPr lang="bg-BG" sz="2400" dirty="0">
+                <a:solidFill>
+                  <a:srgbClr val="FFFF00"/>
+                </a:solidFill>
+                <a:latin typeface="Sofia Sans Cond" panose="020B0503060000020004" pitchFamily="34" charset="0"/>
+              </a:rPr>
+              <a:t>на демонстрация – още има неща, които да </a:t>
+            </a:r>
+            <a:r>
+              <a:rPr lang="en-US" sz="2400" dirty="0" smtClean="0">
+                <a:solidFill>
+                  <a:srgbClr val="FFFF00"/>
+                </a:solidFill>
+                <a:latin typeface="Sofia Sans Cond" panose="020B0503060000020004" pitchFamily="34" charset="0"/>
+              </a:rPr>
+              <a:t>	</a:t>
+            </a:r>
+            <a:r>
+              <a:rPr lang="bg-BG" sz="2400" dirty="0" smtClean="0">
+                <a:solidFill>
+                  <a:srgbClr val="FFFF00"/>
+                </a:solidFill>
+                <a:latin typeface="Sofia Sans Cond" panose="020B0503060000020004" pitchFamily="34" charset="0"/>
+              </a:rPr>
+              <a:t>се доизпипат</a:t>
+            </a:r>
+            <a:r>
+              <a:rPr lang="bg-BG" sz="2400" dirty="0">
+                <a:solidFill>
+                  <a:srgbClr val="FFFF00"/>
+                </a:solidFill>
+                <a:latin typeface="Sofia Sans Cond" panose="020B0503060000020004" pitchFamily="34" charset="0"/>
+              </a:rPr>
+              <a:t>, преди да я пуснем в Интернет.</a:t>
+            </a:r>
+          </a:p>
+          <a:p>
+            <a:r>
+              <a:rPr lang="bg-BG" sz="2400" dirty="0">
+                <a:solidFill>
+                  <a:srgbClr val="FFFF00"/>
+                </a:solidFill>
+                <a:latin typeface="Sofia Sans Cond" panose="020B0503060000020004" pitchFamily="34" charset="0"/>
+              </a:rPr>
+              <a:t>	С мишката движиш лазера. Няма нужда да се натиска </a:t>
+            </a:r>
+            <a:r>
+              <a:rPr lang="en-US" sz="2400" dirty="0" smtClean="0">
+                <a:solidFill>
+                  <a:srgbClr val="FFFF00"/>
+                </a:solidFill>
+                <a:latin typeface="Sofia Sans Cond" panose="020B0503060000020004" pitchFamily="34" charset="0"/>
+              </a:rPr>
+              <a:t>	</a:t>
+            </a:r>
+            <a:r>
+              <a:rPr lang="bg-BG" sz="2400" dirty="0" smtClean="0">
+                <a:solidFill>
+                  <a:srgbClr val="FFFF00"/>
+                </a:solidFill>
+                <a:latin typeface="Sofia Sans Cond" panose="020B0503060000020004" pitchFamily="34" charset="0"/>
+              </a:rPr>
+              <a:t>нищо,</a:t>
+            </a:r>
+            <a:r>
+              <a:rPr lang="en-US" sz="2400" dirty="0" smtClean="0">
+                <a:solidFill>
+                  <a:srgbClr val="FFFF00"/>
+                </a:solidFill>
+                <a:latin typeface="Sofia Sans Cond" panose="020B0503060000020004" pitchFamily="34" charset="0"/>
+              </a:rPr>
+              <a:t> </a:t>
+            </a:r>
+            <a:r>
+              <a:rPr lang="bg-BG" sz="2400" dirty="0" smtClean="0">
+                <a:solidFill>
+                  <a:srgbClr val="FFFF00"/>
+                </a:solidFill>
+                <a:latin typeface="Sofia Sans Cond" panose="020B0503060000020004" pitchFamily="34" charset="0"/>
+              </a:rPr>
+              <a:t>за </a:t>
+            </a:r>
+            <a:r>
+              <a:rPr lang="bg-BG" sz="2400" dirty="0">
+                <a:solidFill>
+                  <a:srgbClr val="FFFF00"/>
+                </a:solidFill>
+                <a:latin typeface="Sofia Sans Cond" panose="020B0503060000020004" pitchFamily="34" charset="0"/>
+              </a:rPr>
+              <a:t>да се хване патето – щом курсорът попадне </a:t>
+            </a:r>
+            <a:r>
+              <a:rPr lang="en-US" sz="2400" dirty="0" smtClean="0">
+                <a:solidFill>
+                  <a:srgbClr val="FFFF00"/>
+                </a:solidFill>
+                <a:latin typeface="Sofia Sans Cond" panose="020B0503060000020004" pitchFamily="34" charset="0"/>
+              </a:rPr>
+              <a:t>	</a:t>
+            </a:r>
+            <a:r>
+              <a:rPr lang="bg-BG" sz="2400" dirty="0" smtClean="0">
+                <a:solidFill>
+                  <a:srgbClr val="FFFF00"/>
+                </a:solidFill>
+                <a:latin typeface="Sofia Sans Cond" panose="020B0503060000020004" pitchFamily="34" charset="0"/>
+              </a:rPr>
+              <a:t>върху антенката</a:t>
+            </a:r>
+            <a:r>
+              <a:rPr lang="bg-BG" sz="2400" dirty="0">
+                <a:solidFill>
+                  <a:srgbClr val="FFFF00"/>
+                </a:solidFill>
+                <a:latin typeface="Sofia Sans Cond" panose="020B0503060000020004" pitchFamily="34" charset="0"/>
+              </a:rPr>
+              <a:t>, птицата автоматично е уловена. Ако </a:t>
+            </a:r>
+            <a:r>
+              <a:rPr lang="en-US" sz="2400" dirty="0" smtClean="0">
+                <a:solidFill>
+                  <a:srgbClr val="FFFF00"/>
+                </a:solidFill>
+                <a:latin typeface="Sofia Sans Cond" panose="020B0503060000020004" pitchFamily="34" charset="0"/>
+              </a:rPr>
+              <a:t>	</a:t>
+            </a:r>
+            <a:r>
+              <a:rPr lang="bg-BG" sz="2400" dirty="0" smtClean="0">
+                <a:solidFill>
+                  <a:srgbClr val="FFFF00"/>
+                </a:solidFill>
+                <a:latin typeface="Sofia Sans Cond" panose="020B0503060000020004" pitchFamily="34" charset="0"/>
+              </a:rPr>
+              <a:t>обаче посочиш </a:t>
+            </a:r>
+            <a:r>
+              <a:rPr lang="bg-BG" sz="2400" dirty="0">
+                <a:solidFill>
+                  <a:srgbClr val="FFFF00"/>
+                </a:solidFill>
+                <a:latin typeface="Sofia Sans Cond" panose="020B0503060000020004" pitchFamily="34" charset="0"/>
+              </a:rPr>
+              <a:t>някъде другаде, патицата започва да лети </a:t>
+            </a:r>
+            <a:r>
+              <a:rPr lang="en-US" sz="2400" dirty="0" smtClean="0">
+                <a:solidFill>
+                  <a:srgbClr val="FFFF00"/>
+                </a:solidFill>
+                <a:latin typeface="Sofia Sans Cond" panose="020B0503060000020004" pitchFamily="34" charset="0"/>
+              </a:rPr>
+              <a:t>	</a:t>
+            </a:r>
+            <a:r>
+              <a:rPr lang="bg-BG" sz="2400" dirty="0" smtClean="0">
+                <a:solidFill>
+                  <a:srgbClr val="FFFF00"/>
+                </a:solidFill>
+                <a:latin typeface="Sofia Sans Cond" panose="020B0503060000020004" pitchFamily="34" charset="0"/>
+              </a:rPr>
+              <a:t>по-бързо </a:t>
+            </a:r>
+            <a:r>
+              <a:rPr lang="bg-BG" sz="2400" dirty="0">
+                <a:solidFill>
+                  <a:srgbClr val="FFFF00"/>
+                </a:solidFill>
+                <a:latin typeface="Sofia Sans Cond" panose="020B0503060000020004" pitchFamily="34" charset="0"/>
+              </a:rPr>
+              <a:t>и да се върти неконтролируемо.</a:t>
+            </a:r>
+            <a:endParaRPr lang="bg-BG" sz="2400" dirty="0">
+              <a:solidFill>
+                <a:srgbClr val="FFFF00"/>
+              </a:solidFill>
+              <a:latin typeface="Sofia Sans Cond" panose="020B0503060000020004" pitchFamily="34" charset="0"/>
+            </a:endParaRPr>
+          </a:p>
+        </p:txBody>
+      </p:sp>
+      <p:sp>
+        <p:nvSpPr>
+          <p:cNvPr id="24" name="Rectangle 23"/>
+          <p:cNvSpPr/>
+          <p:nvPr/>
+        </p:nvSpPr>
+        <p:spPr>
+          <a:xfrm>
+            <a:off x="457200" y="15058492"/>
+            <a:ext cx="7102474" cy="4062651"/>
+          </a:xfrm>
+          <a:prstGeom prst="rect">
+            <a:avLst/>
+          </a:prstGeom>
+          <a:ln>
+            <a:noFill/>
+          </a:ln>
+        </p:spPr>
+        <p:txBody>
+          <a:bodyPr wrap="square">
+            <a:spAutoFit/>
+          </a:bodyPr>
+          <a:lstStyle/>
+          <a:p>
+            <a:r>
+              <a:rPr lang="en-US" sz="4800" dirty="0" smtClean="0">
+                <a:solidFill>
+                  <a:srgbClr val="FFFF00"/>
+                </a:solidFill>
+                <a:latin typeface="Sofia Sans Cond" panose="020B0503060000020004" pitchFamily="34" charset="0"/>
+              </a:rPr>
+              <a:t>	</a:t>
+            </a:r>
+            <a:r>
+              <a:rPr lang="bg-BG" sz="4800" dirty="0" smtClean="0">
+                <a:solidFill>
+                  <a:srgbClr val="FFFF00"/>
+                </a:solidFill>
+                <a:latin typeface="Sofia Sans Cond" panose="020B0503060000020004" pitchFamily="34" charset="0"/>
+              </a:rPr>
+              <a:t>Бъдещо </a:t>
+            </a:r>
+            <a:r>
+              <a:rPr lang="bg-BG" sz="4800" dirty="0">
+                <a:solidFill>
+                  <a:srgbClr val="FFFF00"/>
+                </a:solidFill>
+                <a:latin typeface="Sofia Sans Cond" panose="020B0503060000020004" pitchFamily="34" charset="0"/>
+              </a:rPr>
+              <a:t>развитие</a:t>
+            </a:r>
+          </a:p>
+          <a:p>
+            <a:endParaRPr lang="bg-BG" dirty="0">
+              <a:solidFill>
+                <a:srgbClr val="FFFF00"/>
+              </a:solidFill>
+              <a:latin typeface="Sofia Sans Cond" panose="020B0503060000020004" pitchFamily="34" charset="0"/>
+            </a:endParaRPr>
+          </a:p>
+          <a:p>
+            <a:r>
+              <a:rPr lang="bg-BG" dirty="0">
+                <a:solidFill>
+                  <a:srgbClr val="FFFF00"/>
+                </a:solidFill>
+                <a:latin typeface="Sofia Sans Cond" panose="020B0503060000020004" pitchFamily="34" charset="0"/>
+              </a:rPr>
+              <a:t>	</a:t>
+            </a:r>
+            <a:r>
+              <a:rPr lang="bg-BG" sz="2400" dirty="0">
+                <a:solidFill>
+                  <a:srgbClr val="FFFF00"/>
+                </a:solidFill>
+                <a:latin typeface="Sofia Sans Cond" panose="020B0503060000020004" pitchFamily="34" charset="0"/>
+              </a:rPr>
+              <a:t>Поставили сме си няколко цели за пълното довършване на </a:t>
+            </a:r>
+            <a:r>
+              <a:rPr lang="en-US" sz="2400" dirty="0" smtClean="0">
+                <a:solidFill>
+                  <a:srgbClr val="FFFF00"/>
+                </a:solidFill>
+                <a:latin typeface="Sofia Sans Cond" panose="020B0503060000020004" pitchFamily="34" charset="0"/>
+              </a:rPr>
+              <a:t>	</a:t>
+            </a:r>
+            <a:r>
+              <a:rPr lang="bg-BG" sz="2400" dirty="0" smtClean="0">
+                <a:solidFill>
+                  <a:srgbClr val="FFFF00"/>
+                </a:solidFill>
+                <a:latin typeface="Sofia Sans Cond" panose="020B0503060000020004" pitchFamily="34" charset="0"/>
+              </a:rPr>
+              <a:t>играта</a:t>
+            </a:r>
+            <a:r>
+              <a:rPr lang="bg-BG" sz="2400" dirty="0">
+                <a:solidFill>
+                  <a:srgbClr val="FFFF00"/>
+                </a:solidFill>
+                <a:latin typeface="Sofia Sans Cond" panose="020B0503060000020004" pitchFamily="34" charset="0"/>
+              </a:rPr>
+              <a:t>, които смятаме да изпълним до началото на </a:t>
+            </a:r>
+            <a:r>
+              <a:rPr lang="en-US" sz="2400" dirty="0" smtClean="0">
+                <a:solidFill>
+                  <a:srgbClr val="FFFF00"/>
+                </a:solidFill>
+                <a:latin typeface="Sofia Sans Cond" panose="020B0503060000020004" pitchFamily="34" charset="0"/>
+              </a:rPr>
+              <a:t>	</a:t>
+            </a:r>
+            <a:r>
+              <a:rPr lang="bg-BG" sz="2400" dirty="0" smtClean="0">
+                <a:solidFill>
+                  <a:srgbClr val="FFFF00"/>
+                </a:solidFill>
+                <a:latin typeface="Sofia Sans Cond" panose="020B0503060000020004" pitchFamily="34" charset="0"/>
+              </a:rPr>
+              <a:t>следващата </a:t>
+            </a:r>
+            <a:r>
+              <a:rPr lang="bg-BG" sz="2400" dirty="0">
+                <a:solidFill>
+                  <a:srgbClr val="FFFF00"/>
+                </a:solidFill>
+                <a:latin typeface="Sofia Sans Cond" panose="020B0503060000020004" pitchFamily="34" charset="0"/>
+              </a:rPr>
+              <a:t>учебна година. Първо, смятаме да добавим и </a:t>
+            </a:r>
+            <a:r>
+              <a:rPr lang="en-US" sz="2400" dirty="0" smtClean="0">
+                <a:solidFill>
+                  <a:srgbClr val="FFFF00"/>
+                </a:solidFill>
+                <a:latin typeface="Sofia Sans Cond" panose="020B0503060000020004" pitchFamily="34" charset="0"/>
+              </a:rPr>
+              <a:t>	</a:t>
+            </a:r>
+            <a:r>
+              <a:rPr lang="bg-BG" sz="2400" dirty="0" smtClean="0">
+                <a:solidFill>
+                  <a:srgbClr val="FFFF00"/>
+                </a:solidFill>
+                <a:latin typeface="Sofia Sans Cond" panose="020B0503060000020004" pitchFamily="34" charset="0"/>
+              </a:rPr>
+              <a:t>прехвърчащи </a:t>
+            </a:r>
+            <a:r>
+              <a:rPr lang="bg-BG" sz="2400" dirty="0">
+                <a:solidFill>
+                  <a:srgbClr val="FFFF00"/>
+                </a:solidFill>
+                <a:latin typeface="Sofia Sans Cond" panose="020B0503060000020004" pitchFamily="34" charset="0"/>
+              </a:rPr>
+              <a:t>астероиди, които в зависимост от вида си </a:t>
+            </a:r>
+            <a:r>
+              <a:rPr lang="en-US" sz="2400" dirty="0" smtClean="0">
+                <a:solidFill>
+                  <a:srgbClr val="FFFF00"/>
+                </a:solidFill>
+                <a:latin typeface="Sofia Sans Cond" panose="020B0503060000020004" pitchFamily="34" charset="0"/>
+              </a:rPr>
+              <a:t>	</a:t>
+            </a:r>
+            <a:r>
+              <a:rPr lang="bg-BG" sz="2400" dirty="0" smtClean="0">
+                <a:solidFill>
+                  <a:srgbClr val="FFFF00"/>
+                </a:solidFill>
+                <a:latin typeface="Sofia Sans Cond" panose="020B0503060000020004" pitchFamily="34" charset="0"/>
+              </a:rPr>
+              <a:t>ти помагат </a:t>
+            </a:r>
+            <a:r>
+              <a:rPr lang="bg-BG" sz="2400" dirty="0">
+                <a:solidFill>
+                  <a:srgbClr val="FFFF00"/>
+                </a:solidFill>
+                <a:latin typeface="Sofia Sans Cond" panose="020B0503060000020004" pitchFamily="34" charset="0"/>
+              </a:rPr>
+              <a:t>или пречат да натрупаш повече точки. </a:t>
+            </a:r>
+            <a:r>
+              <a:rPr lang="en-US" sz="2400" dirty="0" smtClean="0">
+                <a:solidFill>
+                  <a:srgbClr val="FFFF00"/>
+                </a:solidFill>
+                <a:latin typeface="Sofia Sans Cond" panose="020B0503060000020004" pitchFamily="34" charset="0"/>
+              </a:rPr>
+              <a:t>	</a:t>
+            </a:r>
+            <a:r>
+              <a:rPr lang="bg-BG" sz="2400" dirty="0" smtClean="0">
+                <a:solidFill>
+                  <a:srgbClr val="FFFF00"/>
+                </a:solidFill>
+                <a:latin typeface="Sofia Sans Cond" panose="020B0503060000020004" pitchFamily="34" charset="0"/>
+              </a:rPr>
+              <a:t>Смятаме </a:t>
+            </a:r>
+            <a:r>
+              <a:rPr lang="bg-BG" sz="2400" dirty="0">
+                <a:solidFill>
+                  <a:srgbClr val="FFFF00"/>
+                </a:solidFill>
+                <a:latin typeface="Sofia Sans Cond" panose="020B0503060000020004" pitchFamily="34" charset="0"/>
+              </a:rPr>
+              <a:t>и да </a:t>
+            </a:r>
+            <a:r>
+              <a:rPr lang="bg-BG" sz="2400" dirty="0" smtClean="0">
+                <a:solidFill>
+                  <a:srgbClr val="FFFF00"/>
+                </a:solidFill>
+                <a:latin typeface="Sofia Sans Cond" panose="020B0503060000020004" pitchFamily="34" charset="0"/>
+              </a:rPr>
+              <a:t>направим </a:t>
+            </a:r>
+            <a:r>
+              <a:rPr lang="bg-BG" sz="2400" dirty="0">
+                <a:solidFill>
+                  <a:srgbClr val="FFFF00"/>
+                </a:solidFill>
+                <a:latin typeface="Sofia Sans Cond" panose="020B0503060000020004" pitchFamily="34" charset="0"/>
+              </a:rPr>
+              <a:t>уебсайт, където да може да се </a:t>
+            </a:r>
+            <a:r>
+              <a:rPr lang="en-US" sz="2400" dirty="0" smtClean="0">
+                <a:solidFill>
+                  <a:srgbClr val="FFFF00"/>
+                </a:solidFill>
+                <a:latin typeface="Sofia Sans Cond" panose="020B0503060000020004" pitchFamily="34" charset="0"/>
+              </a:rPr>
+              <a:t>	</a:t>
+            </a:r>
+            <a:r>
+              <a:rPr lang="bg-BG" sz="2400" dirty="0" smtClean="0">
+                <a:solidFill>
+                  <a:srgbClr val="FFFF00"/>
+                </a:solidFill>
+                <a:latin typeface="Sofia Sans Cond" panose="020B0503060000020004" pitchFamily="34" charset="0"/>
+              </a:rPr>
+              <a:t>играе </a:t>
+            </a:r>
+            <a:r>
+              <a:rPr lang="bg-BG" sz="2400" dirty="0">
+                <a:solidFill>
+                  <a:srgbClr val="FFFF00"/>
+                </a:solidFill>
+                <a:latin typeface="Sofia Sans Cond" panose="020B0503060000020004" pitchFamily="34" charset="0"/>
+              </a:rPr>
+              <a:t>играта, а </a:t>
+            </a:r>
+            <a:r>
+              <a:rPr lang="bg-BG" sz="2400" dirty="0" smtClean="0">
+                <a:solidFill>
+                  <a:srgbClr val="FFFF00"/>
+                </a:solidFill>
+                <a:latin typeface="Sofia Sans Cond" panose="020B0503060000020004" pitchFamily="34" charset="0"/>
+              </a:rPr>
+              <a:t>истинските </a:t>
+            </a:r>
+            <a:r>
+              <a:rPr lang="bg-BG" sz="2400" dirty="0">
+                <a:solidFill>
+                  <a:srgbClr val="FFFF00"/>
+                </a:solidFill>
+                <a:latin typeface="Sofia Sans Cond" panose="020B0503060000020004" pitchFamily="34" charset="0"/>
+              </a:rPr>
+              <a:t>фенове ще могат и да я </a:t>
+            </a:r>
+            <a:r>
+              <a:rPr lang="en-US" sz="2400" dirty="0" smtClean="0">
+                <a:solidFill>
+                  <a:srgbClr val="FFFF00"/>
+                </a:solidFill>
+                <a:latin typeface="Sofia Sans Cond" panose="020B0503060000020004" pitchFamily="34" charset="0"/>
+              </a:rPr>
+              <a:t>	</a:t>
+            </a:r>
+            <a:r>
+              <a:rPr lang="bg-BG" sz="2400" dirty="0" smtClean="0">
+                <a:solidFill>
+                  <a:srgbClr val="FFFF00"/>
+                </a:solidFill>
+                <a:latin typeface="Sofia Sans Cond" panose="020B0503060000020004" pitchFamily="34" charset="0"/>
+              </a:rPr>
+              <a:t>инсталират </a:t>
+            </a:r>
+            <a:r>
+              <a:rPr lang="bg-BG" sz="2400" dirty="0">
+                <a:solidFill>
+                  <a:srgbClr val="FFFF00"/>
+                </a:solidFill>
+                <a:latin typeface="Sofia Sans Cond" panose="020B0503060000020004" pitchFamily="34" charset="0"/>
+              </a:rPr>
+              <a:t>на своите </a:t>
+            </a:r>
+            <a:r>
+              <a:rPr lang="bg-BG" sz="2400" dirty="0" smtClean="0">
+                <a:solidFill>
+                  <a:srgbClr val="FFFF00"/>
+                </a:solidFill>
+                <a:latin typeface="Sofia Sans Cond" panose="020B0503060000020004" pitchFamily="34" charset="0"/>
+              </a:rPr>
+              <a:t>компютри </a:t>
+            </a:r>
+            <a:r>
+              <a:rPr lang="bg-BG" sz="2400" dirty="0">
+                <a:solidFill>
+                  <a:srgbClr val="FFFF00"/>
+                </a:solidFill>
+                <a:latin typeface="Sofia Sans Cond" panose="020B0503060000020004" pitchFamily="34" charset="0"/>
+              </a:rPr>
+              <a:t>или телефони.</a:t>
+            </a:r>
+            <a:endParaRPr lang="bg-BG" sz="2400" dirty="0"/>
+          </a:p>
+        </p:txBody>
+      </p:sp>
+      <p:pic>
+        <p:nvPicPr>
+          <p:cNvPr id="25" name="Picture 2" descr="https://cdn.discordapp.com/attachments/960191998462165033/961419990119088128/GolemoPate.png"/>
+          <p:cNvPicPr>
+            <a:picLocks noChangeAspect="1" noChangeArrowheads="1"/>
+          </p:cNvPicPr>
+          <p:nvPr/>
+        </p:nvPicPr>
+        <p:blipFill rotWithShape="1">
+          <a:blip r:embed="rId7">
+            <a:extLst>
+              <a:ext uri="{28A0092B-C50C-407E-A947-70E740481C1C}">
+                <a14:useLocalDpi xmlns:a14="http://schemas.microsoft.com/office/drawing/2010/main" val="0"/>
+              </a:ext>
+            </a:extLst>
+          </a:blip>
+          <a:srcRect l="867" t="394" r="457" b="491"/>
+          <a:stretch/>
+        </p:blipFill>
+        <p:spPr bwMode="auto">
+          <a:xfrm rot="1654823">
+            <a:off x="1720647" y="454819"/>
+            <a:ext cx="2117034" cy="2203167"/>
+          </a:xfrm>
+          <a:prstGeom prst="rect">
+            <a:avLst/>
+          </a:prstGeom>
+          <a:noFill/>
+          <a:extLst>
+            <a:ext uri="{909E8E84-426E-40DD-AFC4-6F175D3DCCD1}">
+              <a14:hiddenFill xmlns:a14="http://schemas.microsoft.com/office/drawing/2010/main">
+                <a:solidFill>
+                  <a:srgbClr val="FFFFFF"/>
+                </a:solidFill>
+              </a14:hiddenFill>
+            </a:ext>
+          </a:extLst>
+        </p:spPr>
+      </p:pic>
+      <p:pic>
+        <p:nvPicPr>
+          <p:cNvPr id="15" name="Picture 7" descr="https://www.elsys-bg.org/web/files/news/309/main_image/thumb_420x0_thumb_980x630_logo2.png"/>
+          <p:cNvPicPr>
+            <a:picLocks noChangeAspect="1" noChangeArrowheads="1"/>
+          </p:cNvPicPr>
+          <p:nvPr/>
+        </p:nvPicPr>
+        <p:blipFill rotWithShape="1">
+          <a:blip r:embed="rId8">
+            <a:extLst>
+              <a:ext uri="{BEBA8EAE-BF5A-486C-A8C5-ECC9F3942E4B}">
+                <a14:imgProps xmlns:a14="http://schemas.microsoft.com/office/drawing/2010/main">
+                  <a14:imgLayer r:embed="rId9">
+                    <a14:imgEffect>
+                      <a14:backgroundRemoval t="0" b="100000" l="0" r="100000">
+                        <a14:foregroundMark x1="31429" y1="36667" x2="68333" y2="62593"/>
+                        <a14:foregroundMark x1="32143" y1="32222" x2="42619" y2="32963"/>
+                        <a14:foregroundMark x1="43095" y1="32593" x2="42619" y2="60370"/>
+                        <a14:foregroundMark x1="38333" y1="60370" x2="58571" y2="60000"/>
+                        <a14:foregroundMark x1="38333" y1="38519" x2="39048" y2="60000"/>
+                        <a14:foregroundMark x1="29048" y1="32593" x2="34048" y2="55185"/>
+                        <a14:foregroundMark x1="29286" y1="39259" x2="29048" y2="54444"/>
+                        <a14:foregroundMark x1="45714" y1="39630" x2="75714" y2="38889"/>
+                        <a14:foregroundMark x1="71905" y1="70741" x2="71667" y2="34444"/>
+                        <a14:foregroundMark x1="46667" y1="46667" x2="72143" y2="45185"/>
+                        <a14:foregroundMark x1="56190" y1="67037" x2="72619" y2="67037"/>
+                      </a14:backgroundRemoval>
+                    </a14:imgEffect>
+                  </a14:imgLayer>
+                </a14:imgProps>
+              </a:ext>
+              <a:ext uri="{28A0092B-C50C-407E-A947-70E740481C1C}">
+                <a14:useLocalDpi xmlns:a14="http://schemas.microsoft.com/office/drawing/2010/main" val="0"/>
+              </a:ext>
+            </a:extLst>
+          </a:blip>
+          <a:srcRect l="17857" r="17857"/>
+          <a:stretch/>
+        </p:blipFill>
+        <p:spPr bwMode="auto">
+          <a:xfrm>
+            <a:off x="457199" y="456917"/>
+            <a:ext cx="2559600" cy="2559600"/>
+          </a:xfrm>
+          <a:prstGeom prst="ellipse">
+            <a:avLst/>
+          </a:prstGeom>
+          <a:noFill/>
+          <a:extLst>
+            <a:ext uri="{909E8E84-426E-40DD-AFC4-6F175D3DCCD1}">
+              <a14:hiddenFill xmlns:a14="http://schemas.microsoft.com/office/drawing/2010/main">
+                <a:solidFill>
+                  <a:srgbClr val="FFFFFF"/>
+                </a:solidFill>
+              </a14:hiddenFill>
+            </a:ext>
+          </a:extLst>
+        </p:spPr>
+      </p:pic>
+      <p:sp>
+        <p:nvSpPr>
+          <p:cNvPr id="29" name="Rectangle 28"/>
+          <p:cNvSpPr/>
+          <p:nvPr/>
+        </p:nvSpPr>
+        <p:spPr>
+          <a:xfrm>
+            <a:off x="7559674" y="14202018"/>
+            <a:ext cx="7102475" cy="1938992"/>
+          </a:xfrm>
+          <a:prstGeom prst="rect">
+            <a:avLst/>
+          </a:prstGeom>
+        </p:spPr>
+        <p:txBody>
+          <a:bodyPr wrap="square">
+            <a:spAutoFit/>
+          </a:bodyPr>
+          <a:lstStyle/>
+          <a:p>
+            <a:r>
+              <a:rPr lang="en-US" sz="4800" dirty="0" smtClean="0">
+                <a:solidFill>
+                  <a:srgbClr val="FFFF00"/>
+                </a:solidFill>
+                <a:latin typeface="Sofia Sans Cond" panose="020B0503060000020004" pitchFamily="34" charset="0"/>
+              </a:rPr>
+              <a:t>	</a:t>
+            </a:r>
+            <a:r>
+              <a:rPr lang="bg-BG" sz="4800" dirty="0" smtClean="0">
+                <a:solidFill>
+                  <a:srgbClr val="FFFF00"/>
+                </a:solidFill>
+                <a:latin typeface="Sofia Sans Cond" panose="020B0503060000020004" pitchFamily="34" charset="0"/>
+              </a:rPr>
+              <a:t>Използвани </a:t>
+            </a:r>
+            <a:r>
+              <a:rPr lang="bg-BG" sz="4800" dirty="0">
+                <a:solidFill>
+                  <a:srgbClr val="FFFF00"/>
+                </a:solidFill>
+                <a:latin typeface="Sofia Sans Cond" panose="020B0503060000020004" pitchFamily="34" charset="0"/>
+              </a:rPr>
+              <a:t>технологии</a:t>
+            </a:r>
+          </a:p>
+          <a:p>
+            <a:endParaRPr lang="bg-BG" sz="2400" dirty="0">
+              <a:solidFill>
+                <a:srgbClr val="FFFF00"/>
+              </a:solidFill>
+              <a:latin typeface="Sofia Sans Cond" panose="020B0503060000020004" pitchFamily="34" charset="0"/>
+            </a:endParaRPr>
+          </a:p>
+          <a:p>
+            <a:r>
+              <a:rPr lang="en-US" sz="2400" dirty="0">
+                <a:solidFill>
+                  <a:srgbClr val="FFFF00"/>
+                </a:solidFill>
+                <a:latin typeface="Sofia Sans Cond" panose="020B0503060000020004" pitchFamily="34" charset="0"/>
+              </a:rPr>
+              <a:t>	</a:t>
+            </a:r>
+            <a:r>
+              <a:rPr lang="bg-BG" sz="2400" dirty="0">
+                <a:solidFill>
+                  <a:srgbClr val="FFFF00"/>
+                </a:solidFill>
+                <a:latin typeface="Sofia Sans Cond" panose="020B0503060000020004" pitchFamily="34" charset="0"/>
+              </a:rPr>
+              <a:t>Играта е написана на езика за програмиране </a:t>
+            </a:r>
+            <a:r>
+              <a:rPr lang="en-US" sz="2400" dirty="0">
+                <a:solidFill>
+                  <a:srgbClr val="FFFF00"/>
+                </a:solidFill>
+                <a:latin typeface="Sofia Sans Cond" panose="020B0503060000020004" pitchFamily="34" charset="0"/>
+              </a:rPr>
+              <a:t>Python</a:t>
+            </a:r>
+            <a:r>
+              <a:rPr lang="bg-BG" sz="2400" dirty="0">
+                <a:solidFill>
+                  <a:srgbClr val="FFFF00"/>
+                </a:solidFill>
+                <a:latin typeface="Sofia Sans Cond" panose="020B0503060000020004" pitchFamily="34" charset="0"/>
+              </a:rPr>
+              <a:t>, като </a:t>
+            </a:r>
+            <a:r>
+              <a:rPr lang="en-US" sz="2400" dirty="0" smtClean="0">
+                <a:solidFill>
+                  <a:srgbClr val="FFFF00"/>
+                </a:solidFill>
+                <a:latin typeface="Sofia Sans Cond" panose="020B0503060000020004" pitchFamily="34" charset="0"/>
+              </a:rPr>
+              <a:t>	</a:t>
+            </a:r>
+            <a:r>
+              <a:rPr lang="bg-BG" sz="2400" dirty="0" smtClean="0">
+                <a:solidFill>
+                  <a:srgbClr val="FFFF00"/>
+                </a:solidFill>
+                <a:latin typeface="Sofia Sans Cond" panose="020B0503060000020004" pitchFamily="34" charset="0"/>
+              </a:rPr>
+              <a:t>са използвани </a:t>
+            </a:r>
+            <a:r>
+              <a:rPr lang="bg-BG" sz="2400" dirty="0">
+                <a:solidFill>
+                  <a:srgbClr val="FFFF00"/>
+                </a:solidFill>
+                <a:latin typeface="Sofia Sans Cond" panose="020B0503060000020004" pitchFamily="34" charset="0"/>
+              </a:rPr>
+              <a:t>и модулите </a:t>
+            </a:r>
+            <a:r>
+              <a:rPr lang="en-US" sz="2400" dirty="0" err="1">
+                <a:solidFill>
+                  <a:srgbClr val="FFFF00"/>
+                </a:solidFill>
+                <a:latin typeface="Sofia Sans Cond" panose="020B0503060000020004" pitchFamily="34" charset="0"/>
+              </a:rPr>
+              <a:t>Pygame</a:t>
+            </a:r>
+            <a:r>
+              <a:rPr lang="en-US" sz="2400" dirty="0">
+                <a:solidFill>
+                  <a:srgbClr val="FFFF00"/>
+                </a:solidFill>
+                <a:latin typeface="Sofia Sans Cond" panose="020B0503060000020004" pitchFamily="34" charset="0"/>
+              </a:rPr>
+              <a:t>, </a:t>
+            </a:r>
+            <a:r>
+              <a:rPr lang="en-US" sz="2400" dirty="0" err="1">
+                <a:solidFill>
+                  <a:srgbClr val="FFFF00"/>
+                </a:solidFill>
+                <a:latin typeface="Sofia Sans Cond" panose="020B0503060000020004" pitchFamily="34" charset="0"/>
+              </a:rPr>
+              <a:t>Pymenu</a:t>
+            </a:r>
+            <a:r>
+              <a:rPr lang="en-US" sz="2400" dirty="0">
+                <a:solidFill>
+                  <a:srgbClr val="FFFF00"/>
+                </a:solidFill>
+                <a:latin typeface="Sofia Sans Cond" panose="020B0503060000020004" pitchFamily="34" charset="0"/>
+              </a:rPr>
+              <a:t> </a:t>
+            </a:r>
+            <a:r>
+              <a:rPr lang="bg-BG" sz="2400" dirty="0">
+                <a:solidFill>
+                  <a:srgbClr val="FFFF00"/>
+                </a:solidFill>
+                <a:latin typeface="Sofia Sans Cond" panose="020B0503060000020004" pitchFamily="34" charset="0"/>
+              </a:rPr>
+              <a:t>и </a:t>
+            </a:r>
+            <a:r>
+              <a:rPr lang="en-US" sz="2400" dirty="0" err="1">
+                <a:solidFill>
+                  <a:srgbClr val="FFFF00"/>
+                </a:solidFill>
+                <a:latin typeface="Sofia Sans Cond" panose="020B0503060000020004" pitchFamily="34" charset="0"/>
+              </a:rPr>
+              <a:t>Pymunk</a:t>
+            </a:r>
+            <a:r>
+              <a:rPr lang="en-US" sz="2400" dirty="0">
+                <a:solidFill>
+                  <a:srgbClr val="FFFF00"/>
+                </a:solidFill>
+                <a:latin typeface="Sofia Sans Cond" panose="020B0503060000020004" pitchFamily="34" charset="0"/>
+              </a:rPr>
+              <a:t>.</a:t>
+            </a:r>
+            <a:endParaRPr lang="bg-BG" sz="2400" dirty="0">
+              <a:solidFill>
+                <a:srgbClr val="FFFF00"/>
+              </a:solidFill>
+              <a:latin typeface="Sofia Sans Cond" panose="020B0503060000020004" pitchFamily="34" charset="0"/>
+            </a:endParaRPr>
+          </a:p>
+        </p:txBody>
+      </p:sp>
+      <p:sp>
+        <p:nvSpPr>
+          <p:cNvPr id="30" name="Rectangle 29"/>
+          <p:cNvSpPr/>
+          <p:nvPr/>
+        </p:nvSpPr>
+        <p:spPr>
+          <a:xfrm>
+            <a:off x="7559029" y="19183099"/>
+            <a:ext cx="7102475" cy="1384995"/>
+          </a:xfrm>
+          <a:prstGeom prst="rect">
+            <a:avLst/>
+          </a:prstGeom>
+        </p:spPr>
+        <p:txBody>
+          <a:bodyPr wrap="square">
+            <a:spAutoFit/>
+          </a:bodyPr>
+          <a:lstStyle/>
+          <a:p>
+            <a:pPr algn="just"/>
+            <a:r>
+              <a:rPr lang="en-US" sz="2800" dirty="0" smtClean="0">
+                <a:solidFill>
+                  <a:srgbClr val="FFFF00"/>
+                </a:solidFill>
+                <a:latin typeface="Sofia Sans Cond" panose="020B0503060000020004" pitchFamily="34" charset="0"/>
+              </a:rPr>
+              <a:t>	</a:t>
+            </a:r>
+            <a:r>
+              <a:rPr lang="bg-BG" sz="2800" b="1" dirty="0" smtClean="0">
+                <a:solidFill>
+                  <a:srgbClr val="FFFF00"/>
+                </a:solidFill>
+                <a:latin typeface="Sofia Sans Cond" panose="020B0503060000020004" pitchFamily="34" charset="0"/>
+              </a:rPr>
+              <a:t>Проектът </a:t>
+            </a:r>
+            <a:r>
+              <a:rPr lang="bg-BG" sz="2800" b="1" dirty="0">
+                <a:solidFill>
+                  <a:srgbClr val="FFFF00"/>
+                </a:solidFill>
+                <a:latin typeface="Sofia Sans Cond" panose="020B0503060000020004" pitchFamily="34" charset="0"/>
+              </a:rPr>
+              <a:t>е разработен от:</a:t>
+            </a:r>
+          </a:p>
+          <a:p>
+            <a:pPr marL="742950" lvl="1" indent="-285750" algn="just">
+              <a:buFontTx/>
+              <a:buChar char="-"/>
+            </a:pPr>
+            <a:r>
+              <a:rPr lang="bg-BG" sz="2800" dirty="0">
+                <a:solidFill>
+                  <a:srgbClr val="FFFF00"/>
+                </a:solidFill>
+                <a:latin typeface="Sofia Sans Cond" panose="020B0503060000020004" pitchFamily="34" charset="0"/>
+              </a:rPr>
+              <a:t>Димитър Грозев, 9 „а“ клас</a:t>
+            </a:r>
+          </a:p>
+          <a:p>
+            <a:pPr marL="742950" lvl="1" indent="-285750" algn="just">
+              <a:buFontTx/>
+              <a:buChar char="-"/>
+            </a:pPr>
+            <a:r>
+              <a:rPr lang="bg-BG" sz="2800" dirty="0">
+                <a:solidFill>
+                  <a:srgbClr val="FFFF00"/>
+                </a:solidFill>
+                <a:latin typeface="Sofia Sans Cond" panose="020B0503060000020004" pitchFamily="34" charset="0"/>
+              </a:rPr>
+              <a:t>Николай Захариев, 9 „а“ клас</a:t>
+            </a:r>
+            <a:endParaRPr lang="bg-BG" sz="2800" dirty="0">
+              <a:solidFill>
+                <a:srgbClr val="FFFF00"/>
+              </a:solidFill>
+              <a:latin typeface="Sofia Sans Cond" panose="020B0503060000020004" pitchFamily="34" charset="0"/>
+            </a:endParaRPr>
+          </a:p>
+        </p:txBody>
+      </p:sp>
+      <p:pic>
+        <p:nvPicPr>
+          <p:cNvPr id="31" name="Picture 2" descr="https://cdn.discordapp.com/attachments/960191998462165033/961419990119088128/GolemoPate.png"/>
+          <p:cNvPicPr>
+            <a:picLocks noChangeAspect="1" noChangeArrowheads="1"/>
+          </p:cNvPicPr>
+          <p:nvPr/>
+        </p:nvPicPr>
+        <p:blipFill rotWithShape="1">
+          <a:blip r:embed="rId7">
+            <a:extLst>
+              <a:ext uri="{28A0092B-C50C-407E-A947-70E740481C1C}">
+                <a14:useLocalDpi xmlns:a14="http://schemas.microsoft.com/office/drawing/2010/main" val="0"/>
+              </a:ext>
+            </a:extLst>
+          </a:blip>
+          <a:srcRect l="867" t="847" r="1095" b="815"/>
+          <a:stretch/>
+        </p:blipFill>
+        <p:spPr bwMode="auto">
+          <a:xfrm rot="19993998" flipH="1">
+            <a:off x="12580738" y="16001738"/>
+            <a:ext cx="4189703" cy="4354140"/>
+          </a:xfrm>
+          <a:prstGeom prst="rect">
+            <a:avLst/>
+          </a:prstGeom>
+          <a:noFill/>
+          <a:extLst>
+            <a:ext uri="{909E8E84-426E-40DD-AFC4-6F175D3DCCD1}">
+              <a14:hiddenFill xmlns:a14="http://schemas.microsoft.com/office/drawing/2010/main">
+                <a:solidFill>
+                  <a:srgbClr val="FFFFFF"/>
+                </a:solidFill>
+              </a14:hiddenFill>
+            </a:ext>
+          </a:extLst>
+        </p:spPr>
+      </p:pic>
+      <p:pic>
+        <p:nvPicPr>
+          <p:cNvPr id="34" name="Picture 33"/>
+          <p:cNvPicPr>
+            <a:picLocks noChangeAspect="1"/>
+          </p:cNvPicPr>
+          <p:nvPr/>
+        </p:nvPicPr>
+        <p:blipFill>
+          <a:blip r:embed="rId10">
+            <a:extLst>
+              <a:ext uri="{BEBA8EAE-BF5A-486C-A8C5-ECC9F3942E4B}">
+                <a14:imgProps xmlns:a14="http://schemas.microsoft.com/office/drawing/2010/main">
+                  <a14:imgLayer r:embed="rId11">
+                    <a14:imgEffect>
+                      <a14:backgroundRemoval t="0" b="100000" l="0" r="100000">
+                        <a14:foregroundMark x1="1171" y1="1626" x2="98023" y2="1626"/>
+                        <a14:foregroundMark x1="25769" y1="30759" x2="73939" y2="30081"/>
+                        <a14:backgroundMark x1="13104" y1="13008" x2="13690" y2="93089"/>
+                        <a14:backgroundMark x1="5783" y1="12737" x2="92826" y2="14905"/>
+                        <a14:backgroundMark x1="87408" y1="92005" x2="86896" y2="21274"/>
+                        <a14:backgroundMark x1="2709" y1="90921" x2="90337" y2="85230"/>
+                        <a14:backgroundMark x1="3148" y1="9350" x2="2123" y2="95122"/>
+                        <a14:backgroundMark x1="19473" y1="18022" x2="19400" y2="83333"/>
+                        <a14:backgroundMark x1="25476" y1="21409" x2="80527" y2="20732"/>
+                        <a14:backgroundMark x1="94290" y1="91463" x2="93045" y2="5827"/>
+                        <a14:backgroundMark x1="81552" y1="27778" x2="81552" y2="82520"/>
+                        <a14:backgroundMark x1="79063" y1="35637" x2="79063" y2="79946"/>
+                        <a14:backgroundMark x1="75695" y1="31572" x2="75476" y2="76287"/>
+                        <a14:backgroundMark x1="75256" y1="32385" x2="75256" y2="32385"/>
+                        <a14:backgroundMark x1="75329" y1="65854" x2="75183" y2="29946"/>
+                      </a14:backgroundRemoval>
+                    </a14:imgEffect>
+                  </a14:imgLayer>
+                </a14:imgProps>
+              </a:ext>
+            </a:extLst>
+          </a:blip>
+          <a:stretch>
+            <a:fillRect/>
+          </a:stretch>
+        </p:blipFill>
+        <p:spPr>
+          <a:xfrm>
+            <a:off x="546235" y="8273402"/>
+            <a:ext cx="6480000" cy="3500908"/>
+          </a:xfrm>
+          <a:prstGeom prst="rect">
+            <a:avLst/>
+          </a:prstGeom>
+          <a:ln>
+            <a:solidFill>
+              <a:srgbClr val="FFFF00"/>
+            </a:solidFill>
+          </a:ln>
+          <a:effectLst/>
+        </p:spPr>
+      </p:pic>
+      <p:pic>
+        <p:nvPicPr>
+          <p:cNvPr id="35" name="Picture 13" descr="https://camo.githubusercontent.com/1971c0a4f776fb5351c765c37e59630c83cabd52/68747470733a2f2f7777772e707967616d652e6f72672f696d616765732f6c6f676f2e706e67"/>
+          <p:cNvPicPr>
+            <a:picLocks noChangeAspect="1" noChangeArrowheads="1"/>
+          </p:cNvPicPr>
+          <p:nvPr/>
+        </p:nvPicPr>
+        <p:blipFill>
+          <a:blip r:embed="rId12" cstate="print">
+            <a:extLst>
+              <a:ext uri="{28A0092B-C50C-407E-A947-70E740481C1C}">
+                <a14:useLocalDpi xmlns:a14="http://schemas.microsoft.com/office/drawing/2010/main" val="0"/>
+              </a:ext>
+            </a:extLst>
+          </a:blip>
+          <a:srcRect/>
+          <a:stretch>
+            <a:fillRect/>
+          </a:stretch>
+        </p:blipFill>
+        <p:spPr bwMode="auto">
+          <a:xfrm>
+            <a:off x="470639" y="12594115"/>
+            <a:ext cx="7102152" cy="2810997"/>
+          </a:xfrm>
+          <a:prstGeom prst="rect">
+            <a:avLst/>
+          </a:prstGeom>
+          <a:noFill/>
+          <a:extLst>
+            <a:ext uri="{909E8E84-426E-40DD-AFC4-6F175D3DCCD1}">
+              <a14:hiddenFill xmlns:a14="http://schemas.microsoft.com/office/drawing/2010/main">
+                <a:solidFill>
+                  <a:srgbClr val="FFFFFF"/>
+                </a:solidFill>
+              </a14:hiddenFill>
+            </a:ext>
+          </a:extLst>
+        </p:spPr>
+      </p:pic>
+      <p:pic>
+        <p:nvPicPr>
+          <p:cNvPr id="1028" name="Picture 4" descr="https://cdn.discordapp.com/attachments/960191998462165033/961423334522896414/unknown.png"/>
+          <p:cNvPicPr>
+            <a:picLocks noChangeAspect="1" noChangeArrowheads="1"/>
+          </p:cNvPicPr>
+          <p:nvPr/>
+        </p:nvPicPr>
+        <p:blipFill>
+          <a:blip r:embed="rId13">
+            <a:extLst>
+              <a:ext uri="{28A0092B-C50C-407E-A947-70E740481C1C}">
+                <a14:useLocalDpi xmlns:a14="http://schemas.microsoft.com/office/drawing/2010/main" val="0"/>
+              </a:ext>
+            </a:extLst>
+          </a:blip>
+          <a:srcRect/>
+          <a:stretch>
+            <a:fillRect/>
+          </a:stretch>
+        </p:blipFill>
+        <p:spPr bwMode="auto">
+          <a:xfrm>
+            <a:off x="7572469" y="8680005"/>
+            <a:ext cx="7089680" cy="4034295"/>
+          </a:xfrm>
+          <a:prstGeom prst="rect">
+            <a:avLst/>
+          </a:prstGeom>
+          <a:noFill/>
+          <a:ln>
+            <a:solidFill>
+              <a:srgbClr val="FFFF00"/>
+            </a:solidFill>
+          </a:ln>
+          <a:extLst>
+            <a:ext uri="{909E8E84-426E-40DD-AFC4-6F175D3DCCD1}">
+              <a14:hiddenFill xmlns:a14="http://schemas.microsoft.com/office/drawing/2010/main">
+                <a:solidFill>
+                  <a:srgbClr val="FFFFFF"/>
+                </a:solidFill>
+              </a14:hiddenFill>
+            </a:ext>
+          </a:extLst>
+        </p:spPr>
+      </p:pic>
+      <p:sp>
+        <p:nvSpPr>
+          <p:cNvPr id="37" name="Rectangle 3"/>
+          <p:cNvSpPr>
+            <a:spLocks noChangeArrowheads="1"/>
+          </p:cNvSpPr>
+          <p:nvPr/>
+        </p:nvSpPr>
+        <p:spPr bwMode="auto">
+          <a:xfrm>
+            <a:off x="470639" y="1293163"/>
+            <a:ext cx="14204950" cy="1277938"/>
+          </a:xfrm>
+          <a:prstGeom prst="rect">
+            <a:avLst/>
+          </a:prstGeom>
+          <a:noFill/>
+          <a:ln>
+            <a:noFill/>
+          </a:ln>
+          <a:effectLst/>
+        </p:spPr>
+        <p:txBody>
+          <a:bodyPr vert="horz" wrap="square" lIns="36576" tIns="36576" rIns="36576" bIns="36576" numCol="1" anchor="ctr" anchorCtr="0" compatLnSpc="1">
+            <a:prstTxWarp prst="textNoShape">
+              <a:avLst/>
+            </a:prstTxWarp>
+          </a:bodyPr>
+          <a:lstStyle/>
+          <a:p>
+            <a:pPr algn="ctr"/>
+            <a:r>
+              <a:rPr lang="en-US" sz="5600" b="1" dirty="0" smtClean="0">
+                <a:solidFill>
+                  <a:srgbClr val="FFFF00"/>
+                </a:solidFill>
+                <a:latin typeface="Sofia Sans Cond" panose="020B0503060000020004" pitchFamily="34" charset="0"/>
+              </a:rPr>
+              <a:t>HADIS</a:t>
+            </a:r>
+            <a:r>
+              <a:rPr lang="en-US" sz="4800" b="1" dirty="0" smtClean="0">
+                <a:solidFill>
+                  <a:srgbClr val="FFFF00"/>
+                </a:solidFill>
+                <a:latin typeface="Sofia Sans Cond" panose="020B0503060000020004" pitchFamily="34" charset="0"/>
+              </a:rPr>
+              <a:t/>
+            </a:r>
+            <a:br>
+              <a:rPr lang="en-US" sz="4800" b="1" dirty="0" smtClean="0">
+                <a:solidFill>
+                  <a:srgbClr val="FFFF00"/>
+                </a:solidFill>
+                <a:latin typeface="Sofia Sans Cond" panose="020B0503060000020004" pitchFamily="34" charset="0"/>
+              </a:rPr>
+            </a:br>
+            <a:r>
+              <a:rPr lang="en-US" sz="2800" b="1" dirty="0" smtClean="0">
+                <a:solidFill>
+                  <a:srgbClr val="FFFF00"/>
+                </a:solidFill>
+                <a:latin typeface="Sofia Sans Cond" panose="020B0503060000020004" pitchFamily="34" charset="0"/>
+              </a:rPr>
+              <a:t>Hunt A Duck In Space</a:t>
+            </a:r>
+            <a:endParaRPr lang="bg-BG" sz="2800" b="1" dirty="0">
+              <a:solidFill>
+                <a:srgbClr val="FFFF00"/>
+              </a:solidFill>
+              <a:latin typeface="Sofia Sans Cond" panose="020B0503060000020004" pitchFamily="34" charset="0"/>
+            </a:endParaRPr>
+          </a:p>
+        </p:txBody>
+      </p:sp>
+      <p:pic>
+        <p:nvPicPr>
+          <p:cNvPr id="38" name="Picture 37"/>
+          <p:cNvPicPr>
+            <a:picLocks noChangeAspect="1"/>
+          </p:cNvPicPr>
+          <p:nvPr/>
+        </p:nvPicPr>
+        <p:blipFill>
+          <a:blip r:embed="rId14">
+            <a:extLst>
+              <a:ext uri="{28A0092B-C50C-407E-A947-70E740481C1C}">
+                <a14:useLocalDpi xmlns:a14="http://schemas.microsoft.com/office/drawing/2010/main" val="0"/>
+              </a:ext>
+            </a:extLst>
+          </a:blip>
+          <a:stretch>
+            <a:fillRect/>
+          </a:stretch>
+        </p:blipFill>
+        <p:spPr>
+          <a:xfrm rot="3215507">
+            <a:off x="1727123" y="19480392"/>
+            <a:ext cx="2104083" cy="1670890"/>
+          </a:xfrm>
+          <a:prstGeom prst="rect">
+            <a:avLst/>
+          </a:prstGeom>
+        </p:spPr>
+      </p:pic>
+      <p:pic>
+        <p:nvPicPr>
+          <p:cNvPr id="39" name="Picture 11" descr="Python (programming language) - Wikipedia"/>
+          <p:cNvPicPr>
+            <a:picLocks noChangeAspect="1" noChangeArrowheads="1"/>
+          </p:cNvPicPr>
+          <p:nvPr/>
+        </p:nvPicPr>
+        <p:blipFill>
+          <a:blip r:embed="rId15" cstate="print">
+            <a:extLst>
+              <a:ext uri="{28A0092B-C50C-407E-A947-70E740481C1C}">
+                <a14:useLocalDpi xmlns:a14="http://schemas.microsoft.com/office/drawing/2010/main" val="0"/>
+              </a:ext>
+            </a:extLst>
+          </a:blip>
+          <a:srcRect/>
+          <a:stretch>
+            <a:fillRect/>
+          </a:stretch>
+        </p:blipFill>
+        <p:spPr bwMode="auto">
+          <a:xfrm>
+            <a:off x="8641080" y="16638117"/>
+            <a:ext cx="2047041" cy="2047041"/>
+          </a:xfrm>
+          <a:prstGeom prst="rect">
+            <a:avLst/>
+          </a:prstGeom>
+          <a:noFill/>
+          <a:extLst>
+            <a:ext uri="{909E8E84-426E-40DD-AFC4-6F175D3DCCD1}">
+              <a14:hiddenFill xmlns:a14="http://schemas.microsoft.com/office/drawing/2010/main">
+                <a:solidFill>
+                  <a:srgbClr val="FFFFFF"/>
+                </a:solidFill>
+              </a14:hiddenFill>
+            </a:ext>
+          </a:extLst>
+        </p:spPr>
+      </p:pic>
+    </p:spTree>
+    <p:extLst>
+      <p:ext uri="{BB962C8B-B14F-4D97-AF65-F5344CB8AC3E}">
+        <p14:creationId xmlns:p14="http://schemas.microsoft.com/office/powerpoint/2010/main" val="2955724425"/>
+      </p:ext>
+    </p:extLst>
+  </p:cSld>
+  <p:clrMapOvr>
+    <a:masterClrMapping/>
+  </p:clrMapOvr>
+  <p:timing>
+    <p:tnLst>
+      <p:par>
+        <p:cTn id="1" dur="indefinite" restart="never" nodeType="tmRoot"/>
+      </p:par>
+    </p:tnLst>
+  </p:timing>
 </p:sld>
 </file>
 

--- a/Пенокартон_HADIS.pptx
+++ b/Пенокартон_HADIS.pptx
@@ -337,7 +337,7 @@
           <a:p>
             <a:fld id="{E1180FB8-4ADF-47CC-B7C0-7387B91BF917}" type="datetimeFigureOut">
               <a:rPr lang="bg-BG" smtClean="0"/>
-              <a:t>06.04.2022</a:t>
+              <a:t>07.04.2022</a:t>
             </a:fld>
             <a:endParaRPr lang="bg-BG"/>
           </a:p>
@@ -641,7 +641,7 @@
           <a:p>
             <a:fld id="{E1180FB8-4ADF-47CC-B7C0-7387B91BF917}" type="datetimeFigureOut">
               <a:rPr lang="bg-BG" smtClean="0"/>
-              <a:t>06.04.2022</a:t>
+              <a:t>07.04.2022</a:t>
             </a:fld>
             <a:endParaRPr lang="bg-BG"/>
           </a:p>
@@ -919,7 +919,7 @@
           <a:p>
             <a:fld id="{E1180FB8-4ADF-47CC-B7C0-7387B91BF917}" type="datetimeFigureOut">
               <a:rPr lang="bg-BG" smtClean="0"/>
-              <a:t>06.04.2022</a:t>
+              <a:t>07.04.2022</a:t>
             </a:fld>
             <a:endParaRPr lang="bg-BG"/>
           </a:p>
@@ -1489,7 +1489,7 @@
           <a:p>
             <a:fld id="{E1180FB8-4ADF-47CC-B7C0-7387B91BF917}" type="datetimeFigureOut">
               <a:rPr lang="bg-BG" smtClean="0"/>
-              <a:t>06.04.2022</a:t>
+              <a:t>07.04.2022</a:t>
             </a:fld>
             <a:endParaRPr lang="bg-BG"/>
           </a:p>
@@ -1767,7 +1767,7 @@
           <a:p>
             <a:fld id="{E1180FB8-4ADF-47CC-B7C0-7387B91BF917}" type="datetimeFigureOut">
               <a:rPr lang="bg-BG" smtClean="0"/>
-              <a:t>06.04.2022</a:t>
+              <a:t>07.04.2022</a:t>
             </a:fld>
             <a:endParaRPr lang="bg-BG"/>
           </a:p>
@@ -2329,7 +2329,7 @@
           <a:p>
             <a:fld id="{E1180FB8-4ADF-47CC-B7C0-7387B91BF917}" type="datetimeFigureOut">
               <a:rPr lang="bg-BG" smtClean="0"/>
-              <a:t>06.04.2022</a:t>
+              <a:t>07.04.2022</a:t>
             </a:fld>
             <a:endParaRPr lang="bg-BG"/>
           </a:p>
@@ -2656,7 +2656,7 @@
           <a:p>
             <a:fld id="{E1180FB8-4ADF-47CC-B7C0-7387B91BF917}" type="datetimeFigureOut">
               <a:rPr lang="bg-BG" smtClean="0"/>
-              <a:t>06.04.2022</a:t>
+              <a:t>07.04.2022</a:t>
             </a:fld>
             <a:endParaRPr lang="bg-BG"/>
           </a:p>
@@ -2867,7 +2867,7 @@
           <a:p>
             <a:fld id="{E1180FB8-4ADF-47CC-B7C0-7387B91BF917}" type="datetimeFigureOut">
               <a:rPr lang="bg-BG" smtClean="0"/>
-              <a:t>06.04.2022</a:t>
+              <a:t>07.04.2022</a:t>
             </a:fld>
             <a:endParaRPr lang="bg-BG"/>
           </a:p>
@@ -3083,7 +3083,7 @@
           <a:p>
             <a:fld id="{E1180FB8-4ADF-47CC-B7C0-7387B91BF917}" type="datetimeFigureOut">
               <a:rPr lang="bg-BG" smtClean="0"/>
-              <a:t>06.04.2022</a:t>
+              <a:t>07.04.2022</a:t>
             </a:fld>
             <a:endParaRPr lang="bg-BG"/>
           </a:p>
@@ -3289,7 +3289,7 @@
           <a:p>
             <a:fld id="{E1180FB8-4ADF-47CC-B7C0-7387B91BF917}" type="datetimeFigureOut">
               <a:rPr lang="bg-BG" smtClean="0"/>
-              <a:t>06.04.2022</a:t>
+              <a:t>07.04.2022</a:t>
             </a:fld>
             <a:endParaRPr lang="bg-BG"/>
           </a:p>
@@ -3567,7 +3567,7 @@
           <a:p>
             <a:fld id="{E1180FB8-4ADF-47CC-B7C0-7387B91BF917}" type="datetimeFigureOut">
               <a:rPr lang="bg-BG" smtClean="0"/>
-              <a:t>06.04.2022</a:t>
+              <a:t>07.04.2022</a:t>
             </a:fld>
             <a:endParaRPr lang="bg-BG"/>
           </a:p>
@@ -3833,7 +3833,7 @@
           <a:p>
             <a:fld id="{E1180FB8-4ADF-47CC-B7C0-7387B91BF917}" type="datetimeFigureOut">
               <a:rPr lang="bg-BG" smtClean="0"/>
-              <a:t>06.04.2022</a:t>
+              <a:t>07.04.2022</a:t>
             </a:fld>
             <a:endParaRPr lang="bg-BG"/>
           </a:p>
@@ -4239,7 +4239,7 @@
           <a:p>
             <a:fld id="{E1180FB8-4ADF-47CC-B7C0-7387B91BF917}" type="datetimeFigureOut">
               <a:rPr lang="bg-BG" smtClean="0"/>
-              <a:t>06.04.2022</a:t>
+              <a:t>07.04.2022</a:t>
             </a:fld>
             <a:endParaRPr lang="bg-BG"/>
           </a:p>
@@ -4398,7 +4398,7 @@
           <a:p>
             <a:fld id="{E1180FB8-4ADF-47CC-B7C0-7387B91BF917}" type="datetimeFigureOut">
               <a:rPr lang="bg-BG" smtClean="0"/>
-              <a:t>06.04.2022</a:t>
+              <a:t>07.04.2022</a:t>
             </a:fld>
             <a:endParaRPr lang="bg-BG"/>
           </a:p>
@@ -4523,7 +4523,7 @@
           <a:p>
             <a:fld id="{E1180FB8-4ADF-47CC-B7C0-7387B91BF917}" type="datetimeFigureOut">
               <a:rPr lang="bg-BG" smtClean="0"/>
-              <a:t>06.04.2022</a:t>
+              <a:t>07.04.2022</a:t>
             </a:fld>
             <a:endParaRPr lang="bg-BG"/>
           </a:p>
@@ -4808,7 +4808,7 @@
           <a:p>
             <a:fld id="{E1180FB8-4ADF-47CC-B7C0-7387B91BF917}" type="datetimeFigureOut">
               <a:rPr lang="bg-BG" smtClean="0"/>
-              <a:t>06.04.2022</a:t>
+              <a:t>07.04.2022</a:t>
             </a:fld>
             <a:endParaRPr lang="bg-BG"/>
           </a:p>
@@ -5102,7 +5102,7 @@
           <a:p>
             <a:fld id="{E1180FB8-4ADF-47CC-B7C0-7387B91BF917}" type="datetimeFigureOut">
               <a:rPr lang="bg-BG" smtClean="0"/>
-              <a:t>06.04.2022</a:t>
+              <a:t>07.04.2022</a:t>
             </a:fld>
             <a:endParaRPr lang="bg-BG"/>
           </a:p>
@@ -5316,7 +5316,7 @@
           <a:p>
             <a:fld id="{E1180FB8-4ADF-47CC-B7C0-7387B91BF917}" type="datetimeFigureOut">
               <a:rPr lang="bg-BG" smtClean="0"/>
-              <a:t>06.04.2022</a:t>
+              <a:t>07.04.2022</a:t>
             </a:fld>
             <a:endParaRPr lang="bg-BG"/>
           </a:p>
@@ -5990,7 +5990,16 @@
                 </a:solidFill>
                 <a:latin typeface="Sofia Sans Cond" panose="020B0503060000020004" pitchFamily="34" charset="0"/>
               </a:rPr>
-              <a:t>Hunt A Duck In Space</a:t>
+              <a:t>Hook </a:t>
+            </a:r>
+            <a:r>
+              <a:rPr lang="en-US" sz="2800" b="1" dirty="0" smtClean="0">
+                <a:solidFill>
+                  <a:srgbClr val="FFFF00"/>
+                </a:solidFill>
+                <a:latin typeface="Sofia Sans Cond" panose="020B0503060000020004" pitchFamily="34" charset="0"/>
+              </a:rPr>
+              <a:t>A Duck In Space</a:t>
             </a:r>
             <a:endParaRPr lang="bg-BG" sz="2800" b="1" dirty="0">
               <a:solidFill>
@@ -6039,52 +6048,7 @@
                 </a:solidFill>
                 <a:latin typeface="Sofia Sans Cond" panose="020B0503060000020004" pitchFamily="34" charset="0"/>
               </a:rPr>
-              <a:t>	</a:t>
-            </a:r>
-            <a:r>
-              <a:rPr lang="bg-BG" sz="2800" dirty="0" smtClean="0">
-                <a:solidFill>
-                  <a:srgbClr val="FFFF00"/>
-                </a:solidFill>
-                <a:latin typeface="Sofia Sans Cond" panose="020B0503060000020004" pitchFamily="34" charset="0"/>
-              </a:rPr>
-              <a:t>Проектът</a:t>
-            </a:r>
-            <a:r>
-              <a:rPr lang="bg-BG" sz="2800" dirty="0" smtClean="0">
-                <a:solidFill>
-                  <a:srgbClr val="FFFF00"/>
-                </a:solidFill>
-                <a:latin typeface="Sofia Sans Cond" panose="020B0503060000020004" pitchFamily="34" charset="0"/>
-              </a:rPr>
-              <a:t> </a:t>
-            </a:r>
-            <a:r>
-              <a:rPr lang="bg-BG" sz="2800" dirty="0" smtClean="0">
-                <a:solidFill>
-                  <a:srgbClr val="FFFF00"/>
-                </a:solidFill>
-                <a:latin typeface="Sofia Sans Cond" panose="020B0503060000020004" pitchFamily="34" charset="0"/>
-              </a:rPr>
-              <a:t>е </a:t>
-            </a:r>
-            <a:r>
-              <a:rPr lang="bg-BG" sz="2800" dirty="0" smtClean="0">
-                <a:solidFill>
-                  <a:srgbClr val="FFFF00"/>
-                </a:solidFill>
-                <a:latin typeface="Sofia Sans Cond" panose="020B0503060000020004" pitchFamily="34" charset="0"/>
-              </a:rPr>
-              <a:t>разработен </a:t>
-            </a:r>
-            <a:r>
-              <a:rPr lang="bg-BG" sz="2800" dirty="0" smtClean="0">
-                <a:solidFill>
-                  <a:srgbClr val="FFFF00"/>
-                </a:solidFill>
-                <a:latin typeface="Sofia Sans Cond" panose="020B0503060000020004" pitchFamily="34" charset="0"/>
-              </a:rPr>
-              <a:t>от:</a:t>
+              <a:t>	Проектът е разработен от:</a:t>
             </a:r>
           </a:p>
           <a:p>
@@ -7232,13 +7196,22 @@
           <a:p>
             <a:pPr lvl="1"/>
             <a:r>
+              <a:rPr lang="en-US" sz="2400" dirty="0" smtClean="0">
+                <a:solidFill>
+                  <a:srgbClr val="FFFF00"/>
+                </a:solidFill>
+                <a:latin typeface="Sofia Sans Cond" panose="020B0503060000020004" pitchFamily="34" charset="0"/>
+              </a:rPr>
+              <a:t>Hook </a:t>
+            </a:r>
+            <a:r>
               <a:rPr lang="en-US" sz="2400" dirty="0">
                 <a:solidFill>
                   <a:srgbClr val="FFFF00"/>
                 </a:solidFill>
                 <a:latin typeface="Sofia Sans Cond" panose="020B0503060000020004" pitchFamily="34" charset="0"/>
               </a:rPr>
-              <a:t>Hunt A Duck In Space </a:t>
+              <a:t>A Duck In Space </a:t>
             </a:r>
             <a:r>
               <a:rPr lang="bg-BG" sz="2400" dirty="0">
@@ -7520,12 +7493,6 @@
               </a:rPr>
               <a:t>и да се върти неконтролируемо.</a:t>
             </a:r>
-            <a:endParaRPr lang="bg-BG" sz="2400" dirty="0">
-              <a:solidFill>
-                <a:srgbClr val="FFFF00"/>
-              </a:solidFill>
-              <a:latin typeface="Sofia Sans Cond" panose="020B0503060000020004" pitchFamily="34" charset="0"/>
-            </a:endParaRPr>
           </a:p>
         </p:txBody>
       </p:sp>
@@ -7962,7 +7929,7 @@
         </p:nvSpPr>
         <p:spPr>
           <a:xfrm>
-            <a:off x="7559674" y="14202018"/>
+            <a:off x="7553116" y="13840026"/>
             <a:ext cx="7102475" cy="1938992"/>
           </a:xfrm>
           <a:prstGeom prst="rect">
@@ -8226,12 +8193,6 @@
               </a:rPr>
               <a:t>Николай Захариев, 9 „а“ клас</a:t>
             </a:r>
-            <a:endParaRPr lang="bg-BG" sz="2800" dirty="0">
-              <a:solidFill>
-                <a:srgbClr val="FFFF00"/>
-              </a:solidFill>
-              <a:latin typeface="Sofia Sans Cond" panose="020B0503060000020004" pitchFamily="34" charset="0"/>
-            </a:endParaRPr>
           </a:p>
         </p:txBody>
       </p:sp>
@@ -8483,7 +8444,25 @@
                 </a:solidFill>
                 <a:latin typeface="Sofia Sans Cond" panose="020B0503060000020004" pitchFamily="34" charset="0"/>
               </a:rPr>
-              <a:t>Hunt A Duck In Space</a:t>
+              <a:t>Hook</a:t>
+            </a:r>
+            <a:r>
+              <a:rPr lang="en-US" sz="2800" b="1" dirty="0" smtClean="0">
+                <a:solidFill>
+                  <a:srgbClr val="FFFF00"/>
+                </a:solidFill>
+                <a:latin typeface="Sofia Sans Cond" panose="020B0503060000020004" pitchFamily="34" charset="0"/>
+              </a:rPr>
+              <a:t> </a:t>
+            </a:r>
+            <a:r>
+              <a:rPr lang="en-US" sz="2800" b="1" dirty="0" smtClean="0">
+                <a:solidFill>
+                  <a:srgbClr val="FFFF00"/>
+                </a:solidFill>
+                <a:latin typeface="Sofia Sans Cond" panose="020B0503060000020004" pitchFamily="34" charset="0"/>
+              </a:rPr>
+              <a:t>A Duck In Space</a:t>
             </a:r>
             <a:endParaRPr lang="bg-BG" sz="2800" b="1" dirty="0">
               <a:solidFill>
